--- a/courses/os/lectures/ch7.pptx
+++ b/courses/os/lectures/ch7.pptx
@@ -5,10 +5,10 @@
     <p:sldMasterId id="2147483664" r:id="rId1"/>
   </p:sldMasterIdLst>
   <p:notesMasterIdLst>
-    <p:notesMasterId r:id="rId46"/>
+    <p:notesMasterId r:id="rId37"/>
   </p:notesMasterIdLst>
   <p:handoutMasterIdLst>
-    <p:handoutMasterId r:id="rId47"/>
+    <p:handoutMasterId r:id="rId38"/>
   </p:handoutMasterIdLst>
   <p:sldIdLst>
     <p:sldId id="331" r:id="rId2"/>
@@ -28,33 +28,24 @@
     <p:sldId id="376" r:id="rId16"/>
     <p:sldId id="384" r:id="rId17"/>
     <p:sldId id="428" r:id="rId18"/>
-    <p:sldId id="385" r:id="rId19"/>
-    <p:sldId id="429" r:id="rId20"/>
-    <p:sldId id="386" r:id="rId21"/>
-    <p:sldId id="430" r:id="rId22"/>
-    <p:sldId id="431" r:id="rId23"/>
-    <p:sldId id="432" r:id="rId24"/>
-    <p:sldId id="433" r:id="rId25"/>
-    <p:sldId id="434" r:id="rId26"/>
-    <p:sldId id="435" r:id="rId27"/>
-    <p:sldId id="436" r:id="rId28"/>
-    <p:sldId id="437" r:id="rId29"/>
-    <p:sldId id="438" r:id="rId30"/>
-    <p:sldId id="439" r:id="rId31"/>
-    <p:sldId id="440" r:id="rId32"/>
-    <p:sldId id="441" r:id="rId33"/>
-    <p:sldId id="442" r:id="rId34"/>
-    <p:sldId id="443" r:id="rId35"/>
-    <p:sldId id="444" r:id="rId36"/>
-    <p:sldId id="445" r:id="rId37"/>
-    <p:sldId id="446" r:id="rId38"/>
-    <p:sldId id="447" r:id="rId39"/>
-    <p:sldId id="448" r:id="rId40"/>
-    <p:sldId id="423" r:id="rId41"/>
-    <p:sldId id="424" r:id="rId42"/>
-    <p:sldId id="426" r:id="rId43"/>
-    <p:sldId id="427" r:id="rId44"/>
-    <p:sldId id="404" r:id="rId45"/>
+    <p:sldId id="436" r:id="rId19"/>
+    <p:sldId id="437" r:id="rId20"/>
+    <p:sldId id="438" r:id="rId21"/>
+    <p:sldId id="439" r:id="rId22"/>
+    <p:sldId id="440" r:id="rId23"/>
+    <p:sldId id="441" r:id="rId24"/>
+    <p:sldId id="442" r:id="rId25"/>
+    <p:sldId id="443" r:id="rId26"/>
+    <p:sldId id="444" r:id="rId27"/>
+    <p:sldId id="445" r:id="rId28"/>
+    <p:sldId id="446" r:id="rId29"/>
+    <p:sldId id="447" r:id="rId30"/>
+    <p:sldId id="448" r:id="rId31"/>
+    <p:sldId id="423" r:id="rId32"/>
+    <p:sldId id="424" r:id="rId33"/>
+    <p:sldId id="426" r:id="rId34"/>
+    <p:sldId id="427" r:id="rId35"/>
+    <p:sldId id="404" r:id="rId36"/>
   </p:sldIdLst>
   <p:sldSz cx="9144000" cy="6858000" type="screen4x3"/>
   <p:notesSz cx="7010400" cy="9296400"/>
@@ -198,6 +189,9 @@
         </p15:guide>
       </p15:sldGuideLst>
     </p:ext>
+    <p:ext uri="{2D200454-40CA-4A62-9FC3-DE9A4176ACB9}">
+      <p15:notesGuideLst xmlns:p15="http://schemas.microsoft.com/office/powerpoint/2012/main"/>
+    </p:ext>
   </p:extLst>
 </p:presentation>
 </file>
@@ -439,6 +433,11 @@
         </p:txBody>
       </p:sp>
     </p:spTree>
+    <p:extLst>
+      <p:ext uri="{BB962C8B-B14F-4D97-AF65-F5344CB8AC3E}">
+        <p14:creationId xmlns:p14="http://schemas.microsoft.com/office/powerpoint/2010/main" val="1"/>
+      </p:ext>
+    </p:extLst>
   </p:cSld>
   <p:clrMap bg1="lt1" tx1="dk1" bg2="lt2" tx2="dk2" accent1="accent1" accent2="accent2" accent3="accent3" accent4="accent4" accent5="accent5" accent6="accent6" hlink="hlink" folHlink="folHlink"/>
 </p:handoutMaster>
@@ -579,7 +578,7 @@
             </a:extLst>
           </p:cNvPr>
           <p:cNvSpPr>
-            <a:spLocks noChangeArrowheads="1" noTextEdit="1"/>
+            <a:spLocks noGrp="1" noRot="1" noChangeAspect="1" noChangeArrowheads="1" noTextEdit="1"/>
           </p:cNvSpPr>
           <p:nvPr>
             <p:ph type="sldImg" idx="2"/>
@@ -1117,7 +1116,7 @@
             </a:extLst>
           </p:cNvPr>
           <p:cNvSpPr>
-            <a:spLocks noChangeArrowheads="1" noTextEdit="1"/>
+            <a:spLocks noGrp="1" noRot="1" noChangeAspect="1" noChangeArrowheads="1" noTextEdit="1"/>
           </p:cNvSpPr>
           <p:nvPr>
             <p:ph type="sldImg"/>
@@ -1373,7 +1372,7 @@
             </a:extLst>
           </p:cNvPr>
           <p:cNvSpPr>
-            <a:spLocks noChangeArrowheads="1" noTextEdit="1"/>
+            <a:spLocks noGrp="1" noRot="1" noChangeAspect="1" noChangeArrowheads="1" noTextEdit="1"/>
           </p:cNvSpPr>
           <p:nvPr>
             <p:ph type="sldImg"/>
@@ -1629,7 +1628,7 @@
             </a:extLst>
           </p:cNvPr>
           <p:cNvSpPr>
-            <a:spLocks noChangeArrowheads="1" noTextEdit="1"/>
+            <a:spLocks noGrp="1" noRot="1" noChangeAspect="1" noChangeArrowheads="1" noTextEdit="1"/>
           </p:cNvSpPr>
           <p:nvPr>
             <p:ph type="sldImg"/>
@@ -1885,7 +1884,7 @@
             </a:extLst>
           </p:cNvPr>
           <p:cNvSpPr>
-            <a:spLocks noChangeArrowheads="1" noTextEdit="1"/>
+            <a:spLocks noGrp="1" noRot="1" noChangeAspect="1" noChangeArrowheads="1" noTextEdit="1"/>
           </p:cNvSpPr>
           <p:nvPr>
             <p:ph type="sldImg"/>
@@ -2141,7 +2140,7 @@
             </a:extLst>
           </p:cNvPr>
           <p:cNvSpPr>
-            <a:spLocks noChangeArrowheads="1" noTextEdit="1"/>
+            <a:spLocks noGrp="1" noRot="1" noChangeAspect="1" noChangeArrowheads="1" noTextEdit="1"/>
           </p:cNvSpPr>
           <p:nvPr>
             <p:ph type="sldImg"/>
@@ -2397,7 +2396,7 @@
             </a:extLst>
           </p:cNvPr>
           <p:cNvSpPr>
-            <a:spLocks noChangeArrowheads="1" noTextEdit="1"/>
+            <a:spLocks noGrp="1" noRot="1" noChangeAspect="1" noChangeArrowheads="1" noTextEdit="1"/>
           </p:cNvSpPr>
           <p:nvPr>
             <p:ph type="sldImg"/>
@@ -2653,7 +2652,7 @@
             </a:extLst>
           </p:cNvPr>
           <p:cNvSpPr>
-            <a:spLocks noChangeArrowheads="1" noTextEdit="1"/>
+            <a:spLocks noGrp="1" noRot="1" noChangeAspect="1" noChangeArrowheads="1" noTextEdit="1"/>
           </p:cNvSpPr>
           <p:nvPr>
             <p:ph type="sldImg"/>
@@ -2909,7 +2908,7 @@
             </a:extLst>
           </p:cNvPr>
           <p:cNvSpPr>
-            <a:spLocks noChangeArrowheads="1" noTextEdit="1"/>
+            <a:spLocks noGrp="1" noRot="1" noChangeAspect="1" noChangeArrowheads="1" noTextEdit="1"/>
           </p:cNvSpPr>
           <p:nvPr>
             <p:ph type="sldImg"/>
@@ -2995,10 +2994,10 @@
       </p:grpSpPr>
       <p:sp>
         <p:nvSpPr>
-          <p:cNvPr id="39937" name="Rectangle 7">
+          <p:cNvPr id="46081" name="Rectangle 7">
             <a:extLst>
               <a:ext uri="{FF2B5EF4-FFF2-40B4-BE49-F238E27FC236}">
-                <a16:creationId xmlns:a16="http://schemas.microsoft.com/office/drawing/2014/main" id="{87523E38-5925-4EC3-AD23-1BB8D7C46463}"/>
+                <a16:creationId xmlns:a16="http://schemas.microsoft.com/office/drawing/2014/main" id="{424D72BD-600C-4892-9A1C-C666AE446E57}"/>
               </a:ext>
             </a:extLst>
           </p:cNvPr>
@@ -3142,12 +3141,12 @@
             </a:lvl9pPr>
           </a:lstStyle>
           <a:p>
-            <a:fld id="{387C58BD-B6B5-4749-B877-32EA3B7DC92D}" type="slidenum">
+            <a:fld id="{0BA9B888-12A0-4F61-88CE-B93C0B69267D}" type="slidenum">
               <a:rPr lang="en-US" altLang="en-US" smtClean="0">
                 <a:latin typeface="Times New Roman" panose="02020603050405020304" pitchFamily="18" charset="0"/>
               </a:rPr>
               <a:pPr/>
-              <a:t>18</a:t>
+              <a:t>31</a:t>
             </a:fld>
             <a:endParaRPr lang="en-US" altLang="en-US">
               <a:latin typeface="Times New Roman" panose="02020603050405020304" pitchFamily="18" charset="0"/>
@@ -3157,15 +3156,15 @@
       </p:sp>
       <p:sp>
         <p:nvSpPr>
-          <p:cNvPr id="39938" name="Rectangle 2">
+          <p:cNvPr id="46082" name="Rectangle 2">
             <a:extLst>
               <a:ext uri="{FF2B5EF4-FFF2-40B4-BE49-F238E27FC236}">
-                <a16:creationId xmlns:a16="http://schemas.microsoft.com/office/drawing/2014/main" id="{C272AD4E-5D91-45CF-9172-E8326201BAC7}"/>
+                <a16:creationId xmlns:a16="http://schemas.microsoft.com/office/drawing/2014/main" id="{3A079564-AC18-4FD0-B999-458633B7B635}"/>
               </a:ext>
             </a:extLst>
           </p:cNvPr>
           <p:cNvSpPr>
-            <a:spLocks noChangeArrowheads="1" noTextEdit="1"/>
+            <a:spLocks noGrp="1" noRot="1" noChangeAspect="1" noChangeArrowheads="1" noTextEdit="1"/>
           </p:cNvSpPr>
           <p:nvPr>
             <p:ph type="sldImg"/>
@@ -3177,10 +3176,10 @@
       </p:sp>
       <p:sp>
         <p:nvSpPr>
-          <p:cNvPr id="39939" name="Rectangle 3">
+          <p:cNvPr id="46083" name="Rectangle 3">
             <a:extLst>
               <a:ext uri="{FF2B5EF4-FFF2-40B4-BE49-F238E27FC236}">
-                <a16:creationId xmlns:a16="http://schemas.microsoft.com/office/drawing/2014/main" id="{EA5338AB-875C-4ABC-A37A-C89E09B0A5DD}"/>
+                <a16:creationId xmlns:a16="http://schemas.microsoft.com/office/drawing/2014/main" id="{1397953C-C620-454B-A4A9-4E1EBDFBD07D}"/>
               </a:ext>
             </a:extLst>
           </p:cNvPr>
@@ -3251,10 +3250,10 @@
       </p:grpSpPr>
       <p:sp>
         <p:nvSpPr>
-          <p:cNvPr id="41985" name="Rectangle 7">
+          <p:cNvPr id="48129" name="Rectangle 7">
             <a:extLst>
               <a:ext uri="{FF2B5EF4-FFF2-40B4-BE49-F238E27FC236}">
-                <a16:creationId xmlns:a16="http://schemas.microsoft.com/office/drawing/2014/main" id="{9963E017-B520-4B23-B95B-BB51BA1EBB84}"/>
+                <a16:creationId xmlns:a16="http://schemas.microsoft.com/office/drawing/2014/main" id="{FCF68898-5594-43C9-B2BF-01B6699CAD3F}"/>
               </a:ext>
             </a:extLst>
           </p:cNvPr>
@@ -3398,12 +3397,12 @@
             </a:lvl9pPr>
           </a:lstStyle>
           <a:p>
-            <a:fld id="{3DEC47CB-D1FE-46D4-980C-88A4D4757783}" type="slidenum">
+            <a:fld id="{712ACCBA-E8A3-4C2B-8DD9-FC91AE5630D9}" type="slidenum">
               <a:rPr lang="en-US" altLang="en-US" smtClean="0">
                 <a:latin typeface="Times New Roman" panose="02020603050405020304" pitchFamily="18" charset="0"/>
               </a:rPr>
               <a:pPr/>
-              <a:t>19</a:t>
+              <a:t>32</a:t>
             </a:fld>
             <a:endParaRPr lang="en-US" altLang="en-US">
               <a:latin typeface="Times New Roman" panose="02020603050405020304" pitchFamily="18" charset="0"/>
@@ -3413,15 +3412,15 @@
       </p:sp>
       <p:sp>
         <p:nvSpPr>
-          <p:cNvPr id="41986" name="Rectangle 2">
+          <p:cNvPr id="48130" name="Rectangle 2">
             <a:extLst>
               <a:ext uri="{FF2B5EF4-FFF2-40B4-BE49-F238E27FC236}">
-                <a16:creationId xmlns:a16="http://schemas.microsoft.com/office/drawing/2014/main" id="{ABD42012-3A5C-431F-8705-2F91DA776DCB}"/>
+                <a16:creationId xmlns:a16="http://schemas.microsoft.com/office/drawing/2014/main" id="{C366574E-775D-44EF-BEAB-9931F2486B73}"/>
               </a:ext>
             </a:extLst>
           </p:cNvPr>
           <p:cNvSpPr>
-            <a:spLocks noChangeArrowheads="1" noTextEdit="1"/>
+            <a:spLocks noGrp="1" noRot="1" noChangeAspect="1" noChangeArrowheads="1" noTextEdit="1"/>
           </p:cNvSpPr>
           <p:nvPr>
             <p:ph type="sldImg"/>
@@ -3433,10 +3432,10 @@
       </p:sp>
       <p:sp>
         <p:nvSpPr>
-          <p:cNvPr id="41987" name="Rectangle 3">
+          <p:cNvPr id="48131" name="Rectangle 3">
             <a:extLst>
               <a:ext uri="{FF2B5EF4-FFF2-40B4-BE49-F238E27FC236}">
-                <a16:creationId xmlns:a16="http://schemas.microsoft.com/office/drawing/2014/main" id="{EF1FE901-D349-4F0B-8068-D0DFF0BD9A58}"/>
+                <a16:creationId xmlns:a16="http://schemas.microsoft.com/office/drawing/2014/main" id="{6722A4B5-9F83-4E0E-A7FC-4E4848D27978}"/>
               </a:ext>
             </a:extLst>
           </p:cNvPr>
@@ -3507,10 +3506,10 @@
       </p:grpSpPr>
       <p:sp>
         <p:nvSpPr>
-          <p:cNvPr id="44033" name="Rectangle 7">
+          <p:cNvPr id="50177" name="Rectangle 7">
             <a:extLst>
               <a:ext uri="{FF2B5EF4-FFF2-40B4-BE49-F238E27FC236}">
-                <a16:creationId xmlns:a16="http://schemas.microsoft.com/office/drawing/2014/main" id="{EA8207B9-508C-4D10-8C83-062AF94E3F44}"/>
+                <a16:creationId xmlns:a16="http://schemas.microsoft.com/office/drawing/2014/main" id="{17BDC8A1-89A0-49CD-A485-303F87612BA3}"/>
               </a:ext>
             </a:extLst>
           </p:cNvPr>
@@ -3654,12 +3653,12 @@
             </a:lvl9pPr>
           </a:lstStyle>
           <a:p>
-            <a:fld id="{E0DB168C-010A-499F-8D20-CB7A3B7C3C4E}" type="slidenum">
+            <a:fld id="{5E49DC89-6AF6-48E6-B39A-159E5A129758}" type="slidenum">
               <a:rPr lang="en-US" altLang="en-US" smtClean="0">
                 <a:latin typeface="Times New Roman" panose="02020603050405020304" pitchFamily="18" charset="0"/>
               </a:rPr>
               <a:pPr/>
-              <a:t>20</a:t>
+              <a:t>33</a:t>
             </a:fld>
             <a:endParaRPr lang="en-US" altLang="en-US">
               <a:latin typeface="Times New Roman" panose="02020603050405020304" pitchFamily="18" charset="0"/>
@@ -3669,15 +3668,15 @@
       </p:sp>
       <p:sp>
         <p:nvSpPr>
-          <p:cNvPr id="44034" name="Rectangle 2">
+          <p:cNvPr id="50178" name="Rectangle 2">
             <a:extLst>
               <a:ext uri="{FF2B5EF4-FFF2-40B4-BE49-F238E27FC236}">
-                <a16:creationId xmlns:a16="http://schemas.microsoft.com/office/drawing/2014/main" id="{F3992BEA-F158-4DD7-A750-10B63B8C4FB3}"/>
+                <a16:creationId xmlns:a16="http://schemas.microsoft.com/office/drawing/2014/main" id="{7C694FE6-9D3C-4E7B-B548-4472A6FCCDD6}"/>
               </a:ext>
             </a:extLst>
           </p:cNvPr>
           <p:cNvSpPr>
-            <a:spLocks noChangeArrowheads="1" noTextEdit="1"/>
+            <a:spLocks noGrp="1" noRot="1" noChangeAspect="1" noChangeArrowheads="1" noTextEdit="1"/>
           </p:cNvSpPr>
           <p:nvPr>
             <p:ph type="sldImg"/>
@@ -3689,10 +3688,10 @@
       </p:sp>
       <p:sp>
         <p:nvSpPr>
-          <p:cNvPr id="44035" name="Rectangle 3">
+          <p:cNvPr id="50179" name="Rectangle 3">
             <a:extLst>
               <a:ext uri="{FF2B5EF4-FFF2-40B4-BE49-F238E27FC236}">
-                <a16:creationId xmlns:a16="http://schemas.microsoft.com/office/drawing/2014/main" id="{8A42841A-89C9-46B0-8347-8CFA108C7359}"/>
+                <a16:creationId xmlns:a16="http://schemas.microsoft.com/office/drawing/2014/main" id="{0128C4CB-B7D5-4AC4-AF1E-09C94FF02AD1}"/>
               </a:ext>
             </a:extLst>
           </p:cNvPr>
@@ -3933,7 +3932,7 @@
             </a:extLst>
           </p:cNvPr>
           <p:cNvSpPr>
-            <a:spLocks noChangeArrowheads="1" noTextEdit="1"/>
+            <a:spLocks noGrp="1" noRot="1" noChangeAspect="1" noChangeArrowheads="1" noTextEdit="1"/>
           </p:cNvSpPr>
           <p:nvPr>
             <p:ph type="sldImg"/>
@@ -4001,774 +4000,6 @@
 </file>
 
 <file path=ppt/notesSlides/notesSlide20.xml><?xml version="1.0" encoding="utf-8"?>
-<p:notes xmlns:a="http://schemas.openxmlformats.org/drawingml/2006/main" xmlns:r="http://schemas.openxmlformats.org/officeDocument/2006/relationships" xmlns:p="http://schemas.openxmlformats.org/presentationml/2006/main">
-  <p:cSld>
-    <p:spTree>
-      <p:nvGrpSpPr>
-        <p:cNvPr id="1" name=""/>
-        <p:cNvGrpSpPr/>
-        <p:nvPr/>
-      </p:nvGrpSpPr>
-      <p:grpSpPr>
-        <a:xfrm>
-          <a:off x="0" y="0"/>
-          <a:ext cx="0" cy="0"/>
-          <a:chOff x="0" y="0"/>
-          <a:chExt cx="0" cy="0"/>
-        </a:xfrm>
-      </p:grpSpPr>
-      <p:sp>
-        <p:nvSpPr>
-          <p:cNvPr id="46081" name="Rectangle 7">
-            <a:extLst>
-              <a:ext uri="{FF2B5EF4-FFF2-40B4-BE49-F238E27FC236}">
-                <a16:creationId xmlns:a16="http://schemas.microsoft.com/office/drawing/2014/main" id="{424D72BD-600C-4892-9A1C-C666AE446E57}"/>
-              </a:ext>
-            </a:extLst>
-          </p:cNvPr>
-          <p:cNvSpPr>
-            <a:spLocks noGrp="1" noChangeArrowheads="1"/>
-          </p:cNvSpPr>
-          <p:nvPr>
-            <p:ph type="sldNum" sz="quarter" idx="5"/>
-          </p:nvPr>
-        </p:nvSpPr>
-        <p:spPr>
-          <a:noFill/>
-          <a:ln/>
-          <a:extLst>
-            <a:ext uri="{909E8E84-426E-40DD-AFC4-6F175D3DCCD1}">
-              <a14:hiddenFill xmlns:a14="http://schemas.microsoft.com/office/drawing/2010/main">
-                <a:solidFill>
-                  <a:srgbClr val="FFFFFF"/>
-                </a:solidFill>
-              </a14:hiddenFill>
-            </a:ext>
-            <a:ext uri="{91240B29-F687-4F45-9708-019B960494DF}">
-              <a14:hiddenLine xmlns:a14="http://schemas.microsoft.com/office/drawing/2010/main" w="9525">
-                <a:solidFill>
-                  <a:srgbClr val="000000"/>
-                </a:solidFill>
-                <a:miter lim="800000"/>
-                <a:headEnd/>
-                <a:tailEnd/>
-              </a14:hiddenLine>
-            </a:ext>
-          </a:extLst>
-        </p:spPr>
-        <p:txBody>
-          <a:bodyPr/>
-          <a:lstStyle>
-            <a:lvl1pPr defTabSz="930275">
-              <a:defRPr>
-                <a:solidFill>
-                  <a:schemeClr val="tx1"/>
-                </a:solidFill>
-                <a:latin typeface="Verdana" panose="020B0604030504040204" pitchFamily="34" charset="0"/>
-                <a:ea typeface="MS PGothic" panose="020B0600070205080204" pitchFamily="34" charset="-128"/>
-              </a:defRPr>
-            </a:lvl1pPr>
-            <a:lvl2pPr marL="742950" indent="-285750" defTabSz="930275">
-              <a:defRPr>
-                <a:solidFill>
-                  <a:schemeClr val="tx1"/>
-                </a:solidFill>
-                <a:latin typeface="Verdana" panose="020B0604030504040204" pitchFamily="34" charset="0"/>
-                <a:ea typeface="MS PGothic" panose="020B0600070205080204" pitchFamily="34" charset="-128"/>
-              </a:defRPr>
-            </a:lvl2pPr>
-            <a:lvl3pPr marL="1143000" indent="-228600" defTabSz="930275">
-              <a:defRPr>
-                <a:solidFill>
-                  <a:schemeClr val="tx1"/>
-                </a:solidFill>
-                <a:latin typeface="Verdana" panose="020B0604030504040204" pitchFamily="34" charset="0"/>
-                <a:ea typeface="MS PGothic" panose="020B0600070205080204" pitchFamily="34" charset="-128"/>
-              </a:defRPr>
-            </a:lvl3pPr>
-            <a:lvl4pPr marL="1600200" indent="-228600" defTabSz="930275">
-              <a:defRPr>
-                <a:solidFill>
-                  <a:schemeClr val="tx1"/>
-                </a:solidFill>
-                <a:latin typeface="Verdana" panose="020B0604030504040204" pitchFamily="34" charset="0"/>
-                <a:ea typeface="MS PGothic" panose="020B0600070205080204" pitchFamily="34" charset="-128"/>
-              </a:defRPr>
-            </a:lvl4pPr>
-            <a:lvl5pPr marL="2057400" indent="-228600" defTabSz="930275">
-              <a:defRPr>
-                <a:solidFill>
-                  <a:schemeClr val="tx1"/>
-                </a:solidFill>
-                <a:latin typeface="Verdana" panose="020B0604030504040204" pitchFamily="34" charset="0"/>
-                <a:ea typeface="MS PGothic" panose="020B0600070205080204" pitchFamily="34" charset="-128"/>
-              </a:defRPr>
-            </a:lvl5pPr>
-            <a:lvl6pPr marL="2514600" indent="-228600" defTabSz="930275" eaLnBrk="0" fontAlgn="base" hangingPunct="0">
-              <a:spcBef>
-                <a:spcPct val="0"/>
-              </a:spcBef>
-              <a:spcAft>
-                <a:spcPct val="0"/>
-              </a:spcAft>
-              <a:defRPr>
-                <a:solidFill>
-                  <a:schemeClr val="tx1"/>
-                </a:solidFill>
-                <a:latin typeface="Verdana" panose="020B0604030504040204" pitchFamily="34" charset="0"/>
-                <a:ea typeface="MS PGothic" panose="020B0600070205080204" pitchFamily="34" charset="-128"/>
-              </a:defRPr>
-            </a:lvl6pPr>
-            <a:lvl7pPr marL="2971800" indent="-228600" defTabSz="930275" eaLnBrk="0" fontAlgn="base" hangingPunct="0">
-              <a:spcBef>
-                <a:spcPct val="0"/>
-              </a:spcBef>
-              <a:spcAft>
-                <a:spcPct val="0"/>
-              </a:spcAft>
-              <a:defRPr>
-                <a:solidFill>
-                  <a:schemeClr val="tx1"/>
-                </a:solidFill>
-                <a:latin typeface="Verdana" panose="020B0604030504040204" pitchFamily="34" charset="0"/>
-                <a:ea typeface="MS PGothic" panose="020B0600070205080204" pitchFamily="34" charset="-128"/>
-              </a:defRPr>
-            </a:lvl7pPr>
-            <a:lvl8pPr marL="3429000" indent="-228600" defTabSz="930275" eaLnBrk="0" fontAlgn="base" hangingPunct="0">
-              <a:spcBef>
-                <a:spcPct val="0"/>
-              </a:spcBef>
-              <a:spcAft>
-                <a:spcPct val="0"/>
-              </a:spcAft>
-              <a:defRPr>
-                <a:solidFill>
-                  <a:schemeClr val="tx1"/>
-                </a:solidFill>
-                <a:latin typeface="Verdana" panose="020B0604030504040204" pitchFamily="34" charset="0"/>
-                <a:ea typeface="MS PGothic" panose="020B0600070205080204" pitchFamily="34" charset="-128"/>
-              </a:defRPr>
-            </a:lvl8pPr>
-            <a:lvl9pPr marL="3886200" indent="-228600" defTabSz="930275" eaLnBrk="0" fontAlgn="base" hangingPunct="0">
-              <a:spcBef>
-                <a:spcPct val="0"/>
-              </a:spcBef>
-              <a:spcAft>
-                <a:spcPct val="0"/>
-              </a:spcAft>
-              <a:defRPr>
-                <a:solidFill>
-                  <a:schemeClr val="tx1"/>
-                </a:solidFill>
-                <a:latin typeface="Verdana" panose="020B0604030504040204" pitchFamily="34" charset="0"/>
-                <a:ea typeface="MS PGothic" panose="020B0600070205080204" pitchFamily="34" charset="-128"/>
-              </a:defRPr>
-            </a:lvl9pPr>
-          </a:lstStyle>
-          <a:p>
-            <a:fld id="{0BA9B888-12A0-4F61-88CE-B93C0B69267D}" type="slidenum">
-              <a:rPr lang="en-US" altLang="en-US" smtClean="0">
-                <a:latin typeface="Times New Roman" panose="02020603050405020304" pitchFamily="18" charset="0"/>
-              </a:rPr>
-              <a:pPr/>
-              <a:t>40</a:t>
-            </a:fld>
-            <a:endParaRPr lang="en-US" altLang="en-US">
-              <a:latin typeface="Times New Roman" panose="02020603050405020304" pitchFamily="18" charset="0"/>
-            </a:endParaRPr>
-          </a:p>
-        </p:txBody>
-      </p:sp>
-      <p:sp>
-        <p:nvSpPr>
-          <p:cNvPr id="46082" name="Rectangle 2">
-            <a:extLst>
-              <a:ext uri="{FF2B5EF4-FFF2-40B4-BE49-F238E27FC236}">
-                <a16:creationId xmlns:a16="http://schemas.microsoft.com/office/drawing/2014/main" id="{3A079564-AC18-4FD0-B999-458633B7B635}"/>
-              </a:ext>
-            </a:extLst>
-          </p:cNvPr>
-          <p:cNvSpPr>
-            <a:spLocks noChangeArrowheads="1" noTextEdit="1"/>
-          </p:cNvSpPr>
-          <p:nvPr>
-            <p:ph type="sldImg"/>
-          </p:nvPr>
-        </p:nvSpPr>
-        <p:spPr>
-          <a:ln/>
-        </p:spPr>
-      </p:sp>
-      <p:sp>
-        <p:nvSpPr>
-          <p:cNvPr id="46083" name="Rectangle 3">
-            <a:extLst>
-              <a:ext uri="{FF2B5EF4-FFF2-40B4-BE49-F238E27FC236}">
-                <a16:creationId xmlns:a16="http://schemas.microsoft.com/office/drawing/2014/main" id="{1397953C-C620-454B-A4A9-4E1EBDFBD07D}"/>
-              </a:ext>
-            </a:extLst>
-          </p:cNvPr>
-          <p:cNvSpPr>
-            <a:spLocks noGrp="1" noChangeArrowheads="1"/>
-          </p:cNvSpPr>
-          <p:nvPr>
-            <p:ph type="body" idx="1"/>
-          </p:nvPr>
-        </p:nvSpPr>
-        <p:spPr>
-          <a:noFill/>
-          <a:ln/>
-          <a:extLst>
-            <a:ext uri="{909E8E84-426E-40DD-AFC4-6F175D3DCCD1}">
-              <a14:hiddenFill xmlns:a14="http://schemas.microsoft.com/office/drawing/2010/main">
-                <a:solidFill>
-                  <a:srgbClr val="FFFFFF"/>
-                </a:solidFill>
-              </a14:hiddenFill>
-            </a:ext>
-            <a:ext uri="{91240B29-F687-4F45-9708-019B960494DF}">
-              <a14:hiddenLine xmlns:a14="http://schemas.microsoft.com/office/drawing/2010/main" w="9525">
-                <a:solidFill>
-                  <a:srgbClr val="000000"/>
-                </a:solidFill>
-                <a:miter lim="800000"/>
-                <a:headEnd/>
-                <a:tailEnd/>
-              </a14:hiddenLine>
-            </a:ext>
-          </a:extLst>
-        </p:spPr>
-        <p:txBody>
-          <a:bodyPr/>
-          <a:lstStyle/>
-          <a:p>
-            <a:endParaRPr lang="en-US" altLang="en-US">
-              <a:latin typeface="Times New Roman" panose="02020603050405020304" pitchFamily="18" charset="0"/>
-            </a:endParaRPr>
-          </a:p>
-        </p:txBody>
-      </p:sp>
-    </p:spTree>
-  </p:cSld>
-  <p:clrMapOvr>
-    <a:masterClrMapping/>
-  </p:clrMapOvr>
-</p:notes>
-</file>
-
-<file path=ppt/notesSlides/notesSlide21.xml><?xml version="1.0" encoding="utf-8"?>
-<p:notes xmlns:a="http://schemas.openxmlformats.org/drawingml/2006/main" xmlns:r="http://schemas.openxmlformats.org/officeDocument/2006/relationships" xmlns:p="http://schemas.openxmlformats.org/presentationml/2006/main">
-  <p:cSld>
-    <p:spTree>
-      <p:nvGrpSpPr>
-        <p:cNvPr id="1" name=""/>
-        <p:cNvGrpSpPr/>
-        <p:nvPr/>
-      </p:nvGrpSpPr>
-      <p:grpSpPr>
-        <a:xfrm>
-          <a:off x="0" y="0"/>
-          <a:ext cx="0" cy="0"/>
-          <a:chOff x="0" y="0"/>
-          <a:chExt cx="0" cy="0"/>
-        </a:xfrm>
-      </p:grpSpPr>
-      <p:sp>
-        <p:nvSpPr>
-          <p:cNvPr id="48129" name="Rectangle 7">
-            <a:extLst>
-              <a:ext uri="{FF2B5EF4-FFF2-40B4-BE49-F238E27FC236}">
-                <a16:creationId xmlns:a16="http://schemas.microsoft.com/office/drawing/2014/main" id="{FCF68898-5594-43C9-B2BF-01B6699CAD3F}"/>
-              </a:ext>
-            </a:extLst>
-          </p:cNvPr>
-          <p:cNvSpPr>
-            <a:spLocks noGrp="1" noChangeArrowheads="1"/>
-          </p:cNvSpPr>
-          <p:nvPr>
-            <p:ph type="sldNum" sz="quarter" idx="5"/>
-          </p:nvPr>
-        </p:nvSpPr>
-        <p:spPr>
-          <a:noFill/>
-          <a:ln/>
-          <a:extLst>
-            <a:ext uri="{909E8E84-426E-40DD-AFC4-6F175D3DCCD1}">
-              <a14:hiddenFill xmlns:a14="http://schemas.microsoft.com/office/drawing/2010/main">
-                <a:solidFill>
-                  <a:srgbClr val="FFFFFF"/>
-                </a:solidFill>
-              </a14:hiddenFill>
-            </a:ext>
-            <a:ext uri="{91240B29-F687-4F45-9708-019B960494DF}">
-              <a14:hiddenLine xmlns:a14="http://schemas.microsoft.com/office/drawing/2010/main" w="9525">
-                <a:solidFill>
-                  <a:srgbClr val="000000"/>
-                </a:solidFill>
-                <a:miter lim="800000"/>
-                <a:headEnd/>
-                <a:tailEnd/>
-              </a14:hiddenLine>
-            </a:ext>
-          </a:extLst>
-        </p:spPr>
-        <p:txBody>
-          <a:bodyPr/>
-          <a:lstStyle>
-            <a:lvl1pPr defTabSz="930275">
-              <a:defRPr>
-                <a:solidFill>
-                  <a:schemeClr val="tx1"/>
-                </a:solidFill>
-                <a:latin typeface="Verdana" panose="020B0604030504040204" pitchFamily="34" charset="0"/>
-                <a:ea typeface="MS PGothic" panose="020B0600070205080204" pitchFamily="34" charset="-128"/>
-              </a:defRPr>
-            </a:lvl1pPr>
-            <a:lvl2pPr marL="742950" indent="-285750" defTabSz="930275">
-              <a:defRPr>
-                <a:solidFill>
-                  <a:schemeClr val="tx1"/>
-                </a:solidFill>
-                <a:latin typeface="Verdana" panose="020B0604030504040204" pitchFamily="34" charset="0"/>
-                <a:ea typeface="MS PGothic" panose="020B0600070205080204" pitchFamily="34" charset="-128"/>
-              </a:defRPr>
-            </a:lvl2pPr>
-            <a:lvl3pPr marL="1143000" indent="-228600" defTabSz="930275">
-              <a:defRPr>
-                <a:solidFill>
-                  <a:schemeClr val="tx1"/>
-                </a:solidFill>
-                <a:latin typeface="Verdana" panose="020B0604030504040204" pitchFamily="34" charset="0"/>
-                <a:ea typeface="MS PGothic" panose="020B0600070205080204" pitchFamily="34" charset="-128"/>
-              </a:defRPr>
-            </a:lvl3pPr>
-            <a:lvl4pPr marL="1600200" indent="-228600" defTabSz="930275">
-              <a:defRPr>
-                <a:solidFill>
-                  <a:schemeClr val="tx1"/>
-                </a:solidFill>
-                <a:latin typeface="Verdana" panose="020B0604030504040204" pitchFamily="34" charset="0"/>
-                <a:ea typeface="MS PGothic" panose="020B0600070205080204" pitchFamily="34" charset="-128"/>
-              </a:defRPr>
-            </a:lvl4pPr>
-            <a:lvl5pPr marL="2057400" indent="-228600" defTabSz="930275">
-              <a:defRPr>
-                <a:solidFill>
-                  <a:schemeClr val="tx1"/>
-                </a:solidFill>
-                <a:latin typeface="Verdana" panose="020B0604030504040204" pitchFamily="34" charset="0"/>
-                <a:ea typeface="MS PGothic" panose="020B0600070205080204" pitchFamily="34" charset="-128"/>
-              </a:defRPr>
-            </a:lvl5pPr>
-            <a:lvl6pPr marL="2514600" indent="-228600" defTabSz="930275" eaLnBrk="0" fontAlgn="base" hangingPunct="0">
-              <a:spcBef>
-                <a:spcPct val="0"/>
-              </a:spcBef>
-              <a:spcAft>
-                <a:spcPct val="0"/>
-              </a:spcAft>
-              <a:defRPr>
-                <a:solidFill>
-                  <a:schemeClr val="tx1"/>
-                </a:solidFill>
-                <a:latin typeface="Verdana" panose="020B0604030504040204" pitchFamily="34" charset="0"/>
-                <a:ea typeface="MS PGothic" panose="020B0600070205080204" pitchFamily="34" charset="-128"/>
-              </a:defRPr>
-            </a:lvl6pPr>
-            <a:lvl7pPr marL="2971800" indent="-228600" defTabSz="930275" eaLnBrk="0" fontAlgn="base" hangingPunct="0">
-              <a:spcBef>
-                <a:spcPct val="0"/>
-              </a:spcBef>
-              <a:spcAft>
-                <a:spcPct val="0"/>
-              </a:spcAft>
-              <a:defRPr>
-                <a:solidFill>
-                  <a:schemeClr val="tx1"/>
-                </a:solidFill>
-                <a:latin typeface="Verdana" panose="020B0604030504040204" pitchFamily="34" charset="0"/>
-                <a:ea typeface="MS PGothic" panose="020B0600070205080204" pitchFamily="34" charset="-128"/>
-              </a:defRPr>
-            </a:lvl7pPr>
-            <a:lvl8pPr marL="3429000" indent="-228600" defTabSz="930275" eaLnBrk="0" fontAlgn="base" hangingPunct="0">
-              <a:spcBef>
-                <a:spcPct val="0"/>
-              </a:spcBef>
-              <a:spcAft>
-                <a:spcPct val="0"/>
-              </a:spcAft>
-              <a:defRPr>
-                <a:solidFill>
-                  <a:schemeClr val="tx1"/>
-                </a:solidFill>
-                <a:latin typeface="Verdana" panose="020B0604030504040204" pitchFamily="34" charset="0"/>
-                <a:ea typeface="MS PGothic" panose="020B0600070205080204" pitchFamily="34" charset="-128"/>
-              </a:defRPr>
-            </a:lvl8pPr>
-            <a:lvl9pPr marL="3886200" indent="-228600" defTabSz="930275" eaLnBrk="0" fontAlgn="base" hangingPunct="0">
-              <a:spcBef>
-                <a:spcPct val="0"/>
-              </a:spcBef>
-              <a:spcAft>
-                <a:spcPct val="0"/>
-              </a:spcAft>
-              <a:defRPr>
-                <a:solidFill>
-                  <a:schemeClr val="tx1"/>
-                </a:solidFill>
-                <a:latin typeface="Verdana" panose="020B0604030504040204" pitchFamily="34" charset="0"/>
-                <a:ea typeface="MS PGothic" panose="020B0600070205080204" pitchFamily="34" charset="-128"/>
-              </a:defRPr>
-            </a:lvl9pPr>
-          </a:lstStyle>
-          <a:p>
-            <a:fld id="{712ACCBA-E8A3-4C2B-8DD9-FC91AE5630D9}" type="slidenum">
-              <a:rPr lang="en-US" altLang="en-US" smtClean="0">
-                <a:latin typeface="Times New Roman" panose="02020603050405020304" pitchFamily="18" charset="0"/>
-              </a:rPr>
-              <a:pPr/>
-              <a:t>41</a:t>
-            </a:fld>
-            <a:endParaRPr lang="en-US" altLang="en-US">
-              <a:latin typeface="Times New Roman" panose="02020603050405020304" pitchFamily="18" charset="0"/>
-            </a:endParaRPr>
-          </a:p>
-        </p:txBody>
-      </p:sp>
-      <p:sp>
-        <p:nvSpPr>
-          <p:cNvPr id="48130" name="Rectangle 2">
-            <a:extLst>
-              <a:ext uri="{FF2B5EF4-FFF2-40B4-BE49-F238E27FC236}">
-                <a16:creationId xmlns:a16="http://schemas.microsoft.com/office/drawing/2014/main" id="{C366574E-775D-44EF-BEAB-9931F2486B73}"/>
-              </a:ext>
-            </a:extLst>
-          </p:cNvPr>
-          <p:cNvSpPr>
-            <a:spLocks noChangeArrowheads="1" noTextEdit="1"/>
-          </p:cNvSpPr>
-          <p:nvPr>
-            <p:ph type="sldImg"/>
-          </p:nvPr>
-        </p:nvSpPr>
-        <p:spPr>
-          <a:ln/>
-        </p:spPr>
-      </p:sp>
-      <p:sp>
-        <p:nvSpPr>
-          <p:cNvPr id="48131" name="Rectangle 3">
-            <a:extLst>
-              <a:ext uri="{FF2B5EF4-FFF2-40B4-BE49-F238E27FC236}">
-                <a16:creationId xmlns:a16="http://schemas.microsoft.com/office/drawing/2014/main" id="{6722A4B5-9F83-4E0E-A7FC-4E4848D27978}"/>
-              </a:ext>
-            </a:extLst>
-          </p:cNvPr>
-          <p:cNvSpPr>
-            <a:spLocks noGrp="1" noChangeArrowheads="1"/>
-          </p:cNvSpPr>
-          <p:nvPr>
-            <p:ph type="body" idx="1"/>
-          </p:nvPr>
-        </p:nvSpPr>
-        <p:spPr>
-          <a:noFill/>
-          <a:ln/>
-          <a:extLst>
-            <a:ext uri="{909E8E84-426E-40DD-AFC4-6F175D3DCCD1}">
-              <a14:hiddenFill xmlns:a14="http://schemas.microsoft.com/office/drawing/2010/main">
-                <a:solidFill>
-                  <a:srgbClr val="FFFFFF"/>
-                </a:solidFill>
-              </a14:hiddenFill>
-            </a:ext>
-            <a:ext uri="{91240B29-F687-4F45-9708-019B960494DF}">
-              <a14:hiddenLine xmlns:a14="http://schemas.microsoft.com/office/drawing/2010/main" w="9525">
-                <a:solidFill>
-                  <a:srgbClr val="000000"/>
-                </a:solidFill>
-                <a:miter lim="800000"/>
-                <a:headEnd/>
-                <a:tailEnd/>
-              </a14:hiddenLine>
-            </a:ext>
-          </a:extLst>
-        </p:spPr>
-        <p:txBody>
-          <a:bodyPr/>
-          <a:lstStyle/>
-          <a:p>
-            <a:endParaRPr lang="en-US" altLang="en-US">
-              <a:latin typeface="Times New Roman" panose="02020603050405020304" pitchFamily="18" charset="0"/>
-            </a:endParaRPr>
-          </a:p>
-        </p:txBody>
-      </p:sp>
-    </p:spTree>
-  </p:cSld>
-  <p:clrMapOvr>
-    <a:masterClrMapping/>
-  </p:clrMapOvr>
-</p:notes>
-</file>
-
-<file path=ppt/notesSlides/notesSlide22.xml><?xml version="1.0" encoding="utf-8"?>
-<p:notes xmlns:a="http://schemas.openxmlformats.org/drawingml/2006/main" xmlns:r="http://schemas.openxmlformats.org/officeDocument/2006/relationships" xmlns:p="http://schemas.openxmlformats.org/presentationml/2006/main">
-  <p:cSld>
-    <p:spTree>
-      <p:nvGrpSpPr>
-        <p:cNvPr id="1" name=""/>
-        <p:cNvGrpSpPr/>
-        <p:nvPr/>
-      </p:nvGrpSpPr>
-      <p:grpSpPr>
-        <a:xfrm>
-          <a:off x="0" y="0"/>
-          <a:ext cx="0" cy="0"/>
-          <a:chOff x="0" y="0"/>
-          <a:chExt cx="0" cy="0"/>
-        </a:xfrm>
-      </p:grpSpPr>
-      <p:sp>
-        <p:nvSpPr>
-          <p:cNvPr id="50177" name="Rectangle 7">
-            <a:extLst>
-              <a:ext uri="{FF2B5EF4-FFF2-40B4-BE49-F238E27FC236}">
-                <a16:creationId xmlns:a16="http://schemas.microsoft.com/office/drawing/2014/main" id="{17BDC8A1-89A0-49CD-A485-303F87612BA3}"/>
-              </a:ext>
-            </a:extLst>
-          </p:cNvPr>
-          <p:cNvSpPr>
-            <a:spLocks noGrp="1" noChangeArrowheads="1"/>
-          </p:cNvSpPr>
-          <p:nvPr>
-            <p:ph type="sldNum" sz="quarter" idx="5"/>
-          </p:nvPr>
-        </p:nvSpPr>
-        <p:spPr>
-          <a:noFill/>
-          <a:ln/>
-          <a:extLst>
-            <a:ext uri="{909E8E84-426E-40DD-AFC4-6F175D3DCCD1}">
-              <a14:hiddenFill xmlns:a14="http://schemas.microsoft.com/office/drawing/2010/main">
-                <a:solidFill>
-                  <a:srgbClr val="FFFFFF"/>
-                </a:solidFill>
-              </a14:hiddenFill>
-            </a:ext>
-            <a:ext uri="{91240B29-F687-4F45-9708-019B960494DF}">
-              <a14:hiddenLine xmlns:a14="http://schemas.microsoft.com/office/drawing/2010/main" w="9525">
-                <a:solidFill>
-                  <a:srgbClr val="000000"/>
-                </a:solidFill>
-                <a:miter lim="800000"/>
-                <a:headEnd/>
-                <a:tailEnd/>
-              </a14:hiddenLine>
-            </a:ext>
-          </a:extLst>
-        </p:spPr>
-        <p:txBody>
-          <a:bodyPr/>
-          <a:lstStyle>
-            <a:lvl1pPr defTabSz="930275">
-              <a:defRPr>
-                <a:solidFill>
-                  <a:schemeClr val="tx1"/>
-                </a:solidFill>
-                <a:latin typeface="Verdana" panose="020B0604030504040204" pitchFamily="34" charset="0"/>
-                <a:ea typeface="MS PGothic" panose="020B0600070205080204" pitchFamily="34" charset="-128"/>
-              </a:defRPr>
-            </a:lvl1pPr>
-            <a:lvl2pPr marL="742950" indent="-285750" defTabSz="930275">
-              <a:defRPr>
-                <a:solidFill>
-                  <a:schemeClr val="tx1"/>
-                </a:solidFill>
-                <a:latin typeface="Verdana" panose="020B0604030504040204" pitchFamily="34" charset="0"/>
-                <a:ea typeface="MS PGothic" panose="020B0600070205080204" pitchFamily="34" charset="-128"/>
-              </a:defRPr>
-            </a:lvl2pPr>
-            <a:lvl3pPr marL="1143000" indent="-228600" defTabSz="930275">
-              <a:defRPr>
-                <a:solidFill>
-                  <a:schemeClr val="tx1"/>
-                </a:solidFill>
-                <a:latin typeface="Verdana" panose="020B0604030504040204" pitchFamily="34" charset="0"/>
-                <a:ea typeface="MS PGothic" panose="020B0600070205080204" pitchFamily="34" charset="-128"/>
-              </a:defRPr>
-            </a:lvl3pPr>
-            <a:lvl4pPr marL="1600200" indent="-228600" defTabSz="930275">
-              <a:defRPr>
-                <a:solidFill>
-                  <a:schemeClr val="tx1"/>
-                </a:solidFill>
-                <a:latin typeface="Verdana" panose="020B0604030504040204" pitchFamily="34" charset="0"/>
-                <a:ea typeface="MS PGothic" panose="020B0600070205080204" pitchFamily="34" charset="-128"/>
-              </a:defRPr>
-            </a:lvl4pPr>
-            <a:lvl5pPr marL="2057400" indent="-228600" defTabSz="930275">
-              <a:defRPr>
-                <a:solidFill>
-                  <a:schemeClr val="tx1"/>
-                </a:solidFill>
-                <a:latin typeface="Verdana" panose="020B0604030504040204" pitchFamily="34" charset="0"/>
-                <a:ea typeface="MS PGothic" panose="020B0600070205080204" pitchFamily="34" charset="-128"/>
-              </a:defRPr>
-            </a:lvl5pPr>
-            <a:lvl6pPr marL="2514600" indent="-228600" defTabSz="930275" eaLnBrk="0" fontAlgn="base" hangingPunct="0">
-              <a:spcBef>
-                <a:spcPct val="0"/>
-              </a:spcBef>
-              <a:spcAft>
-                <a:spcPct val="0"/>
-              </a:spcAft>
-              <a:defRPr>
-                <a:solidFill>
-                  <a:schemeClr val="tx1"/>
-                </a:solidFill>
-                <a:latin typeface="Verdana" panose="020B0604030504040204" pitchFamily="34" charset="0"/>
-                <a:ea typeface="MS PGothic" panose="020B0600070205080204" pitchFamily="34" charset="-128"/>
-              </a:defRPr>
-            </a:lvl6pPr>
-            <a:lvl7pPr marL="2971800" indent="-228600" defTabSz="930275" eaLnBrk="0" fontAlgn="base" hangingPunct="0">
-              <a:spcBef>
-                <a:spcPct val="0"/>
-              </a:spcBef>
-              <a:spcAft>
-                <a:spcPct val="0"/>
-              </a:spcAft>
-              <a:defRPr>
-                <a:solidFill>
-                  <a:schemeClr val="tx1"/>
-                </a:solidFill>
-                <a:latin typeface="Verdana" panose="020B0604030504040204" pitchFamily="34" charset="0"/>
-                <a:ea typeface="MS PGothic" panose="020B0600070205080204" pitchFamily="34" charset="-128"/>
-              </a:defRPr>
-            </a:lvl7pPr>
-            <a:lvl8pPr marL="3429000" indent="-228600" defTabSz="930275" eaLnBrk="0" fontAlgn="base" hangingPunct="0">
-              <a:spcBef>
-                <a:spcPct val="0"/>
-              </a:spcBef>
-              <a:spcAft>
-                <a:spcPct val="0"/>
-              </a:spcAft>
-              <a:defRPr>
-                <a:solidFill>
-                  <a:schemeClr val="tx1"/>
-                </a:solidFill>
-                <a:latin typeface="Verdana" panose="020B0604030504040204" pitchFamily="34" charset="0"/>
-                <a:ea typeface="MS PGothic" panose="020B0600070205080204" pitchFamily="34" charset="-128"/>
-              </a:defRPr>
-            </a:lvl8pPr>
-            <a:lvl9pPr marL="3886200" indent="-228600" defTabSz="930275" eaLnBrk="0" fontAlgn="base" hangingPunct="0">
-              <a:spcBef>
-                <a:spcPct val="0"/>
-              </a:spcBef>
-              <a:spcAft>
-                <a:spcPct val="0"/>
-              </a:spcAft>
-              <a:defRPr>
-                <a:solidFill>
-                  <a:schemeClr val="tx1"/>
-                </a:solidFill>
-                <a:latin typeface="Verdana" panose="020B0604030504040204" pitchFamily="34" charset="0"/>
-                <a:ea typeface="MS PGothic" panose="020B0600070205080204" pitchFamily="34" charset="-128"/>
-              </a:defRPr>
-            </a:lvl9pPr>
-          </a:lstStyle>
-          <a:p>
-            <a:fld id="{5E49DC89-6AF6-48E6-B39A-159E5A129758}" type="slidenum">
-              <a:rPr lang="en-US" altLang="en-US" smtClean="0">
-                <a:latin typeface="Times New Roman" panose="02020603050405020304" pitchFamily="18" charset="0"/>
-              </a:rPr>
-              <a:pPr/>
-              <a:t>42</a:t>
-            </a:fld>
-            <a:endParaRPr lang="en-US" altLang="en-US">
-              <a:latin typeface="Times New Roman" panose="02020603050405020304" pitchFamily="18" charset="0"/>
-            </a:endParaRPr>
-          </a:p>
-        </p:txBody>
-      </p:sp>
-      <p:sp>
-        <p:nvSpPr>
-          <p:cNvPr id="50178" name="Rectangle 2">
-            <a:extLst>
-              <a:ext uri="{FF2B5EF4-FFF2-40B4-BE49-F238E27FC236}">
-                <a16:creationId xmlns:a16="http://schemas.microsoft.com/office/drawing/2014/main" id="{7C694FE6-9D3C-4E7B-B548-4472A6FCCDD6}"/>
-              </a:ext>
-            </a:extLst>
-          </p:cNvPr>
-          <p:cNvSpPr>
-            <a:spLocks noChangeArrowheads="1" noTextEdit="1"/>
-          </p:cNvSpPr>
-          <p:nvPr>
-            <p:ph type="sldImg"/>
-          </p:nvPr>
-        </p:nvSpPr>
-        <p:spPr>
-          <a:ln/>
-        </p:spPr>
-      </p:sp>
-      <p:sp>
-        <p:nvSpPr>
-          <p:cNvPr id="50179" name="Rectangle 3">
-            <a:extLst>
-              <a:ext uri="{FF2B5EF4-FFF2-40B4-BE49-F238E27FC236}">
-                <a16:creationId xmlns:a16="http://schemas.microsoft.com/office/drawing/2014/main" id="{0128C4CB-B7D5-4AC4-AF1E-09C94FF02AD1}"/>
-              </a:ext>
-            </a:extLst>
-          </p:cNvPr>
-          <p:cNvSpPr>
-            <a:spLocks noGrp="1" noChangeArrowheads="1"/>
-          </p:cNvSpPr>
-          <p:nvPr>
-            <p:ph type="body" idx="1"/>
-          </p:nvPr>
-        </p:nvSpPr>
-        <p:spPr>
-          <a:noFill/>
-          <a:ln/>
-          <a:extLst>
-            <a:ext uri="{909E8E84-426E-40DD-AFC4-6F175D3DCCD1}">
-              <a14:hiddenFill xmlns:a14="http://schemas.microsoft.com/office/drawing/2010/main">
-                <a:solidFill>
-                  <a:srgbClr val="FFFFFF"/>
-                </a:solidFill>
-              </a14:hiddenFill>
-            </a:ext>
-            <a:ext uri="{91240B29-F687-4F45-9708-019B960494DF}">
-              <a14:hiddenLine xmlns:a14="http://schemas.microsoft.com/office/drawing/2010/main" w="9525">
-                <a:solidFill>
-                  <a:srgbClr val="000000"/>
-                </a:solidFill>
-                <a:miter lim="800000"/>
-                <a:headEnd/>
-                <a:tailEnd/>
-              </a14:hiddenLine>
-            </a:ext>
-          </a:extLst>
-        </p:spPr>
-        <p:txBody>
-          <a:bodyPr/>
-          <a:lstStyle/>
-          <a:p>
-            <a:endParaRPr lang="en-US" altLang="en-US">
-              <a:latin typeface="Times New Roman" panose="02020603050405020304" pitchFamily="18" charset="0"/>
-            </a:endParaRPr>
-          </a:p>
-        </p:txBody>
-      </p:sp>
-    </p:spTree>
-  </p:cSld>
-  <p:clrMapOvr>
-    <a:masterClrMapping/>
-  </p:clrMapOvr>
-</p:notes>
-</file>
-
-<file path=ppt/notesSlides/notesSlide23.xml><?xml version="1.0" encoding="utf-8"?>
 <p:notes xmlns:a="http://schemas.openxmlformats.org/drawingml/2006/main" xmlns:r="http://schemas.openxmlformats.org/officeDocument/2006/relationships" xmlns:p="http://schemas.openxmlformats.org/presentationml/2006/main">
   <p:cSld>
     <p:spTree>
@@ -4939,7 +4170,7 @@
                 <a:latin typeface="Times New Roman" panose="02020603050405020304" pitchFamily="18" charset="0"/>
               </a:rPr>
               <a:pPr/>
-              <a:t>43</a:t>
+              <a:t>34</a:t>
             </a:fld>
             <a:endParaRPr lang="en-US" altLang="en-US">
               <a:latin typeface="Times New Roman" panose="02020603050405020304" pitchFamily="18" charset="0"/>
@@ -4957,7 +4188,7 @@
             </a:extLst>
           </p:cNvPr>
           <p:cNvSpPr>
-            <a:spLocks noChangeArrowheads="1" noTextEdit="1"/>
+            <a:spLocks noGrp="1" noRot="1" noChangeAspect="1" noChangeArrowheads="1" noTextEdit="1"/>
           </p:cNvSpPr>
           <p:nvPr>
             <p:ph type="sldImg"/>
@@ -5024,7 +4255,7 @@
 </p:notes>
 </file>
 
-<file path=ppt/notesSlides/notesSlide24.xml><?xml version="1.0" encoding="utf-8"?>
+<file path=ppt/notesSlides/notesSlide21.xml><?xml version="1.0" encoding="utf-8"?>
 <p:notes xmlns:a="http://schemas.openxmlformats.org/drawingml/2006/main" xmlns:r="http://schemas.openxmlformats.org/officeDocument/2006/relationships" xmlns:p="http://schemas.openxmlformats.org/presentationml/2006/main">
   <p:cSld>
     <p:spTree>
@@ -5195,7 +4426,7 @@
                 <a:latin typeface="Times New Roman" panose="02020603050405020304" pitchFamily="18" charset="0"/>
               </a:rPr>
               <a:pPr/>
-              <a:t>44</a:t>
+              <a:t>35</a:t>
             </a:fld>
             <a:endParaRPr lang="en-US" altLang="en-US">
               <a:latin typeface="Times New Roman" panose="02020603050405020304" pitchFamily="18" charset="0"/>
@@ -5213,7 +4444,7 @@
             </a:extLst>
           </p:cNvPr>
           <p:cNvSpPr>
-            <a:spLocks noChangeArrowheads="1" noTextEdit="1"/>
+            <a:spLocks noGrp="1" noRot="1" noChangeAspect="1" noChangeArrowheads="1" noTextEdit="1"/>
           </p:cNvSpPr>
           <p:nvPr>
             <p:ph type="sldImg"/>
@@ -5469,7 +4700,7 @@
             </a:extLst>
           </p:cNvPr>
           <p:cNvSpPr>
-            <a:spLocks noChangeArrowheads="1" noTextEdit="1"/>
+            <a:spLocks noGrp="1" noRot="1" noChangeAspect="1" noChangeArrowheads="1" noTextEdit="1"/>
           </p:cNvSpPr>
           <p:nvPr>
             <p:ph type="sldImg"/>
@@ -5725,7 +4956,7 @@
             </a:extLst>
           </p:cNvPr>
           <p:cNvSpPr>
-            <a:spLocks noChangeArrowheads="1" noTextEdit="1"/>
+            <a:spLocks noGrp="1" noRot="1" noChangeAspect="1" noChangeArrowheads="1" noTextEdit="1"/>
           </p:cNvSpPr>
           <p:nvPr>
             <p:ph type="sldImg"/>
@@ -5981,7 +5212,7 @@
             </a:extLst>
           </p:cNvPr>
           <p:cNvSpPr>
-            <a:spLocks noChangeArrowheads="1" noTextEdit="1"/>
+            <a:spLocks noGrp="1" noRot="1" noChangeAspect="1" noChangeArrowheads="1" noTextEdit="1"/>
           </p:cNvSpPr>
           <p:nvPr>
             <p:ph type="sldImg"/>
@@ -6237,7 +5468,7 @@
             </a:extLst>
           </p:cNvPr>
           <p:cNvSpPr>
-            <a:spLocks noChangeArrowheads="1" noTextEdit="1"/>
+            <a:spLocks noGrp="1" noRot="1" noChangeAspect="1" noChangeArrowheads="1" noTextEdit="1"/>
           </p:cNvSpPr>
           <p:nvPr>
             <p:ph type="sldImg"/>
@@ -6493,7 +5724,7 @@
             </a:extLst>
           </p:cNvPr>
           <p:cNvSpPr>
-            <a:spLocks noChangeArrowheads="1" noTextEdit="1"/>
+            <a:spLocks noGrp="1" noRot="1" noChangeAspect="1" noChangeArrowheads="1" noTextEdit="1"/>
           </p:cNvSpPr>
           <p:nvPr>
             <p:ph type="sldImg"/>
@@ -6749,7 +5980,7 @@
             </a:extLst>
           </p:cNvPr>
           <p:cNvSpPr>
-            <a:spLocks noChangeArrowheads="1" noTextEdit="1"/>
+            <a:spLocks noGrp="1" noRot="1" noChangeAspect="1" noChangeArrowheads="1" noTextEdit="1"/>
           </p:cNvSpPr>
           <p:nvPr>
             <p:ph type="sldImg"/>
@@ -7005,7 +6236,7 @@
             </a:extLst>
           </p:cNvPr>
           <p:cNvSpPr>
-            <a:spLocks noChangeArrowheads="1" noTextEdit="1"/>
+            <a:spLocks noGrp="1" noRot="1" noChangeAspect="1" noChangeArrowheads="1" noTextEdit="1"/>
           </p:cNvSpPr>
           <p:nvPr>
             <p:ph type="sldImg"/>
@@ -7139,7 +6370,6 @@
             <a:ln>
               <a:noFill/>
             </a:ln>
-            <a:extLst/>
           </p:spPr>
           <p:txBody>
             <a:bodyPr wrap="none" anchor="ctr"/>
@@ -7286,7 +6516,6 @@
             <a:ln>
               <a:noFill/>
             </a:ln>
-            <a:extLst/>
           </p:spPr>
           <p:txBody>
             <a:bodyPr wrap="none" anchor="ctr"/>
@@ -7433,7 +6662,6 @@
             <a:ln>
               <a:noFill/>
             </a:ln>
-            <a:extLst/>
           </p:spPr>
           <p:txBody>
             <a:bodyPr wrap="none" anchor="ctr"/>
@@ -7795,7 +7023,6 @@
             <a:headEnd/>
             <a:tailEnd/>
           </a:ln>
-          <a:extLst/>
         </p:spPr>
         <p:txBody>
           <a:bodyPr wrap="none" lIns="91435" tIns="45718" rIns="91435" bIns="45718" anchor="ctr"/>
@@ -9900,7 +9127,6 @@
           <a:ln>
             <a:noFill/>
           </a:ln>
-          <a:extLst/>
         </p:spPr>
         <p:txBody>
           <a:bodyPr wrap="none" lIns="91435" tIns="45718" rIns="91435" bIns="45718" anchor="ctr"/>
@@ -10096,7 +9322,6 @@
           <a:ln>
             <a:noFill/>
           </a:ln>
-          <a:extLst/>
         </p:spPr>
         <p:txBody>
           <a:bodyPr wrap="none" lIns="91435" tIns="45718" rIns="91435" bIns="45718" anchor="ctr"/>
@@ -10245,7 +9470,6 @@
           <a:ln>
             <a:noFill/>
           </a:ln>
-          <a:extLst/>
         </p:spPr>
         <p:txBody>
           <a:bodyPr wrap="none" lIns="91435" tIns="45718" rIns="91435" bIns="45718" anchor="ctr"/>
@@ -10392,7 +9616,6 @@
           <a:ln>
             <a:noFill/>
           </a:ln>
-          <a:extLst/>
         </p:spPr>
         <p:txBody>
           <a:bodyPr wrap="none" lIns="91435" tIns="45718" rIns="91435" bIns="45718">
@@ -13633,129 +12856,96 @@
       </p:grpSpPr>
       <p:sp>
         <p:nvSpPr>
-          <p:cNvPr id="38913" name="Rectangle 2">
+          <p:cNvPr id="62465" name="Title 1">
             <a:extLst>
               <a:ext uri="{FF2B5EF4-FFF2-40B4-BE49-F238E27FC236}">
-                <a16:creationId xmlns:a16="http://schemas.microsoft.com/office/drawing/2014/main" id="{8330A2EE-B40D-4FE6-B9A4-00C5C35BBDAF}"/>
+                <a16:creationId xmlns:a16="http://schemas.microsoft.com/office/drawing/2014/main" id="{D895C0A9-89AB-4099-9158-09FB3BE2DEA3}"/>
               </a:ext>
             </a:extLst>
           </p:cNvPr>
           <p:cNvSpPr>
-            <a:spLocks noGrp="1" noChangeArrowheads="1"/>
+            <a:spLocks noGrp="1"/>
           </p:cNvSpPr>
           <p:nvPr>
             <p:ph type="title"/>
           </p:nvPr>
         </p:nvSpPr>
-        <p:spPr>
-          <a:xfrm>
-            <a:off x="998538" y="227824"/>
-            <a:ext cx="7688262" cy="576263"/>
-          </a:xfrm>
-        </p:spPr>
+        <p:spPr/>
         <p:txBody>
           <a:bodyPr/>
           <a:lstStyle/>
           <a:p>
-            <a:pPr eaLnBrk="1" hangingPunct="1"/>
-            <a:r>
-              <a:rPr lang="en-US" altLang="en-US" dirty="0"/>
-              <a:t>Linux Synchronization</a:t>
+            <a:r>
+              <a:rPr lang="en-US" altLang="en-US"/>
+              <a:t>Java Synchronization</a:t>
             </a:r>
           </a:p>
         </p:txBody>
       </p:sp>
       <p:sp>
         <p:nvSpPr>
-          <p:cNvPr id="38914" name="Rectangle 3">
+          <p:cNvPr id="62466" name="Content Placeholder 2">
             <a:extLst>
               <a:ext uri="{FF2B5EF4-FFF2-40B4-BE49-F238E27FC236}">
-                <a16:creationId xmlns:a16="http://schemas.microsoft.com/office/drawing/2014/main" id="{E38DE2E8-426D-448D-B9DB-18B8CE9B1538}"/>
+                <a16:creationId xmlns:a16="http://schemas.microsoft.com/office/drawing/2014/main" id="{D0302B4F-6AF2-45B2-A5F9-17764BA578C6}"/>
               </a:ext>
             </a:extLst>
           </p:cNvPr>
           <p:cNvSpPr>
-            <a:spLocks noGrp="1" noChangeArrowheads="1"/>
+            <a:spLocks noGrp="1"/>
           </p:cNvSpPr>
           <p:nvPr>
             <p:ph idx="1"/>
           </p:nvPr>
         </p:nvSpPr>
-        <p:spPr>
-          <a:xfrm>
-            <a:off x="783770" y="1117600"/>
-            <a:ext cx="7809723" cy="4530725"/>
-          </a:xfrm>
-        </p:spPr>
+        <p:spPr/>
         <p:txBody>
           <a:bodyPr/>
           <a:lstStyle/>
           <a:p>
             <a:r>
-              <a:rPr lang="en-US" altLang="en-US" dirty="0"/>
-              <a:t>Linux:</a:t>
-            </a:r>
-          </a:p>
-          <a:p>
-            <a:pPr lvl="1"/>
-            <a:r>
-              <a:rPr lang="en-US" altLang="en-US" dirty="0"/>
-              <a:t>Prior to kernel Version 2.6, disables interrupts to implement short critical sections</a:t>
-            </a:r>
-          </a:p>
-          <a:p>
-            <a:pPr lvl="1"/>
-            <a:r>
-              <a:rPr lang="en-US" altLang="en-US" dirty="0"/>
-              <a:t>Version 2.6 and later, fully preemptive</a:t>
-            </a:r>
-          </a:p>
-          <a:p>
-            <a:r>
-              <a:rPr lang="en-US" altLang="en-US" dirty="0"/>
-              <a:t>Linux provides:</a:t>
-            </a:r>
-          </a:p>
-          <a:p>
-            <a:pPr lvl="1"/>
-            <a:r>
-              <a:rPr lang="en-US" altLang="en-US" dirty="0"/>
+              <a:rPr lang="en-US" altLang="en-US"/>
+              <a:t>Java provides rich set of synchronization features:</a:t>
+            </a:r>
+          </a:p>
+          <a:p>
+            <a:pPr>
+              <a:buFont typeface="Wingdings" panose="05000000000000000000" pitchFamily="2" charset="2"/>
+              <a:buChar char="Ø"/>
+            </a:pPr>
+            <a:r>
+              <a:rPr lang="en-US" altLang="en-US"/>
+              <a:t>Java monitors</a:t>
+            </a:r>
+          </a:p>
+          <a:p>
+            <a:pPr>
+              <a:buFont typeface="Wingdings" panose="05000000000000000000" pitchFamily="2" charset="2"/>
+              <a:buChar char="Ø"/>
+            </a:pPr>
+            <a:r>
+              <a:rPr lang="en-US" altLang="en-US"/>
+              <a:t>Reentrant locks</a:t>
+            </a:r>
+          </a:p>
+          <a:p>
+            <a:pPr>
+              <a:buFont typeface="Wingdings" panose="05000000000000000000" pitchFamily="2" charset="2"/>
+              <a:buChar char="Ø"/>
+            </a:pPr>
+            <a:r>
+              <a:rPr lang="en-US" altLang="en-US"/>
               <a:t>Semaphores</a:t>
             </a:r>
           </a:p>
           <a:p>
-            <a:pPr lvl="1"/>
-            <a:r>
-              <a:rPr lang="en-US" altLang="en-US" dirty="0"/>
-              <a:t>atomic integers</a:t>
-            </a:r>
-          </a:p>
-          <a:p>
-            <a:pPr lvl="1"/>
-            <a:r>
-              <a:rPr lang="en-US" altLang="en-US" dirty="0"/>
-              <a:t>spinlocks</a:t>
-            </a:r>
-          </a:p>
-          <a:p>
-            <a:pPr lvl="1"/>
-            <a:r>
-              <a:rPr lang="en-US" altLang="en-US" dirty="0"/>
-              <a:t>reader-writer versions of both</a:t>
-            </a:r>
-          </a:p>
-          <a:p>
-            <a:r>
-              <a:rPr lang="en-US" altLang="en-US" dirty="0"/>
-              <a:t>On single-</a:t>
-            </a:r>
-            <a:r>
-              <a:rPr lang="en-US" altLang="en-US" dirty="0" err="1"/>
-              <a:t>cpu</a:t>
-            </a:r>
-            <a:r>
-              <a:rPr lang="en-US" altLang="en-US" dirty="0"/>
-              <a:t> system, spinlocks replaced by enabling and disabling kernel preemption</a:t>
+            <a:pPr>
+              <a:buFont typeface="Wingdings" panose="05000000000000000000" pitchFamily="2" charset="2"/>
+              <a:buChar char="Ø"/>
+            </a:pPr>
+            <a:r>
+              <a:rPr lang="en-US" altLang="en-US"/>
+              <a:t>Condition variables</a:t>
             </a:r>
           </a:p>
         </p:txBody>
@@ -13787,204 +12977,100 @@
       </p:grpSpPr>
       <p:sp>
         <p:nvSpPr>
-          <p:cNvPr id="40961" name="Rectangle 2">
+          <p:cNvPr id="63489" name="Title 1">
             <a:extLst>
               <a:ext uri="{FF2B5EF4-FFF2-40B4-BE49-F238E27FC236}">
-                <a16:creationId xmlns:a16="http://schemas.microsoft.com/office/drawing/2014/main" id="{E9CBE34C-01A9-4F51-811B-75F509501856}"/>
+                <a16:creationId xmlns:a16="http://schemas.microsoft.com/office/drawing/2014/main" id="{9B736ABE-D232-4AC2-98B8-80667B9D65C7}"/>
               </a:ext>
             </a:extLst>
           </p:cNvPr>
           <p:cNvSpPr>
-            <a:spLocks noGrp="1" noChangeArrowheads="1"/>
+            <a:spLocks noGrp="1"/>
           </p:cNvSpPr>
           <p:nvPr>
             <p:ph type="title"/>
           </p:nvPr>
         </p:nvSpPr>
-        <p:spPr>
-          <a:xfrm>
-            <a:off x="998538" y="218493"/>
-            <a:ext cx="7688262" cy="576263"/>
-          </a:xfrm>
-        </p:spPr>
+        <p:spPr/>
         <p:txBody>
           <a:bodyPr/>
           <a:lstStyle/>
           <a:p>
-            <a:pPr eaLnBrk="1" hangingPunct="1"/>
-            <a:r>
-              <a:rPr lang="en-US" altLang="en-US" dirty="0"/>
-              <a:t>Linux Synchronization</a:t>
+            <a:r>
+              <a:rPr lang="en-US" altLang="en-US"/>
+              <a:t>Java Monitors</a:t>
             </a:r>
           </a:p>
         </p:txBody>
       </p:sp>
       <p:sp>
         <p:nvSpPr>
-          <p:cNvPr id="40962" name="Rectangle 3">
+          <p:cNvPr id="63490" name="Content Placeholder 2">
             <a:extLst>
               <a:ext uri="{FF2B5EF4-FFF2-40B4-BE49-F238E27FC236}">
-                <a16:creationId xmlns:a16="http://schemas.microsoft.com/office/drawing/2014/main" id="{4EC9C734-E39C-4447-B11A-7FC89B18D5D4}"/>
+                <a16:creationId xmlns:a16="http://schemas.microsoft.com/office/drawing/2014/main" id="{29EC6428-17A6-47A7-B43C-8EA71AF83166}"/>
               </a:ext>
             </a:extLst>
           </p:cNvPr>
           <p:cNvSpPr>
-            <a:spLocks noGrp="1" noChangeArrowheads="1"/>
+            <a:spLocks noGrp="1"/>
           </p:cNvSpPr>
           <p:nvPr>
             <p:ph idx="1"/>
           </p:nvPr>
         </p:nvSpPr>
-        <p:spPr>
-          <a:xfrm>
-            <a:off x="779463" y="1117600"/>
-            <a:ext cx="6781800" cy="4530725"/>
-          </a:xfrm>
-        </p:spPr>
+        <p:spPr/>
         <p:txBody>
           <a:bodyPr/>
           <a:lstStyle/>
           <a:p>
             <a:r>
-              <a:rPr lang="en-US" altLang="en-US" dirty="0"/>
-              <a:t>Atomic variables</a:t>
-            </a:r>
-            <a:br>
-              <a:rPr lang="en-US" altLang="en-US" dirty="0"/>
-            </a:br>
-            <a:br>
-              <a:rPr lang="en-US" altLang="en-US" dirty="0"/>
-            </a:br>
-            <a:r>
-              <a:rPr lang="en-US" altLang="en-US" b="1" dirty="0" err="1">
+              <a:rPr lang="en-US" altLang="en-US"/>
+              <a:t>Every Java object has associated with it a single lock.</a:t>
+            </a:r>
+          </a:p>
+          <a:p>
+            <a:r>
+              <a:rPr lang="en-US" altLang="en-US"/>
+              <a:t>If a method is declared as </a:t>
+            </a:r>
+            <a:r>
+              <a:rPr lang="en-US" altLang="en-US" b="1">
                 <a:latin typeface="Courier New" panose="02070309020205020404" pitchFamily="49" charset="0"/>
                 <a:cs typeface="Courier New" panose="02070309020205020404" pitchFamily="49" charset="0"/>
               </a:rPr>
-              <a:t>atomic_t</a:t>
-            </a:r>
-            <a:r>
-              <a:rPr lang="en-US" altLang="en-US" dirty="0"/>
-              <a:t> is the type for atomic integer</a:t>
-            </a:r>
-          </a:p>
-          <a:p>
-            <a:r>
-              <a:rPr lang="en-US" altLang="en-US" dirty="0"/>
-              <a:t>Consider the variables</a:t>
-            </a:r>
-            <a:br>
-              <a:rPr lang="en-US" altLang="en-US" dirty="0"/>
-            </a:br>
-            <a:br>
-              <a:rPr lang="en-US" altLang="en-US" dirty="0"/>
-            </a:br>
-            <a:r>
-              <a:rPr lang="en-US" altLang="en-US" b="1" dirty="0" err="1">
+              <a:t>synchronized</a:t>
+            </a:r>
+            <a:r>
+              <a:rPr lang="en-US" altLang="en-US"/>
+              <a:t>, a calling thread must own the lock for the object.</a:t>
+            </a:r>
+          </a:p>
+          <a:p>
+            <a:r>
+              <a:rPr lang="en-US" altLang="en-US"/>
+              <a:t>If the lock is owned by another thread, the calling thread must wait for the lock until it is released.</a:t>
+            </a:r>
+          </a:p>
+          <a:p>
+            <a:r>
+              <a:rPr lang="en-US" altLang="en-US"/>
+              <a:t>Locks are released when the owning thread exits the </a:t>
+            </a:r>
+            <a:r>
+              <a:rPr lang="en-US" altLang="en-US" b="1">
                 <a:latin typeface="Courier New" panose="02070309020205020404" pitchFamily="49" charset="0"/>
                 <a:cs typeface="Courier New" panose="02070309020205020404" pitchFamily="49" charset="0"/>
               </a:rPr>
-              <a:t>atomic_t</a:t>
-            </a:r>
-            <a:r>
-              <a:rPr lang="en-US" altLang="en-US" b="1" dirty="0">
-                <a:latin typeface="Courier New" panose="02070309020205020404" pitchFamily="49" charset="0"/>
-                <a:cs typeface="Courier New" panose="02070309020205020404" pitchFamily="49" charset="0"/>
-              </a:rPr>
-              <a:t> counter;</a:t>
-            </a:r>
-            <a:br>
-              <a:rPr lang="en-US" altLang="en-US" b="1" dirty="0">
-                <a:latin typeface="Courier New" panose="02070309020205020404" pitchFamily="49" charset="0"/>
-                <a:cs typeface="Courier New" panose="02070309020205020404" pitchFamily="49" charset="0"/>
-              </a:rPr>
-            </a:br>
-            <a:r>
-              <a:rPr lang="en-US" altLang="en-US" b="1" dirty="0" err="1">
-                <a:latin typeface="Courier New" panose="02070309020205020404" pitchFamily="49" charset="0"/>
-                <a:cs typeface="Courier New" panose="02070309020205020404" pitchFamily="49" charset="0"/>
-              </a:rPr>
-              <a:t>int</a:t>
-            </a:r>
-            <a:r>
-              <a:rPr lang="en-US" altLang="en-US" b="1" dirty="0">
-                <a:latin typeface="Courier New" panose="02070309020205020404" pitchFamily="49" charset="0"/>
-                <a:cs typeface="Courier New" panose="02070309020205020404" pitchFamily="49" charset="0"/>
-              </a:rPr>
-              <a:t> value;</a:t>
-            </a:r>
-            <a:br>
-              <a:rPr lang="en-US" altLang="en-US" b="1" dirty="0">
-                <a:latin typeface="Courier New" panose="02070309020205020404" pitchFamily="49" charset="0"/>
-                <a:cs typeface="Courier New" panose="02070309020205020404" pitchFamily="49" charset="0"/>
-              </a:rPr>
-            </a:br>
-            <a:br>
-              <a:rPr lang="en-US" altLang="en-US" dirty="0"/>
-            </a:br>
-            <a:endParaRPr lang="en-US" altLang="en-US" dirty="0"/>
+              <a:t>synchronized</a:t>
+            </a:r>
+            <a:r>
+              <a:rPr lang="en-US" altLang="en-US"/>
+              <a:t> method.</a:t>
+            </a:r>
           </a:p>
         </p:txBody>
       </p:sp>
-      <p:pic>
-        <p:nvPicPr>
-          <p:cNvPr id="40963" name="Picture 1">
-            <a:extLst>
-              <a:ext uri="{FF2B5EF4-FFF2-40B4-BE49-F238E27FC236}">
-                <a16:creationId xmlns:a16="http://schemas.microsoft.com/office/drawing/2014/main" id="{5A3D2D42-0C95-4635-9D2C-6C8736A00684}"/>
-              </a:ext>
-            </a:extLst>
-          </p:cNvPr>
-          <p:cNvPicPr>
-            <a:picLocks noChangeAspect="1"/>
-          </p:cNvPicPr>
-          <p:nvPr/>
-        </p:nvPicPr>
-        <p:blipFill>
-          <a:blip r:embed="rId3">
-            <a:extLst>
-              <a:ext uri="{28A0092B-C50C-407E-A947-70E740481C1C}">
-                <a14:useLocalDpi xmlns:a14="http://schemas.microsoft.com/office/drawing/2010/main" val="0"/>
-              </a:ext>
-            </a:extLst>
-          </a:blip>
-          <a:srcRect/>
-          <a:stretch>
-            <a:fillRect/>
-          </a:stretch>
-        </p:blipFill>
-        <p:spPr bwMode="auto">
-          <a:xfrm>
-            <a:off x="998538" y="3514725"/>
-            <a:ext cx="6781800" cy="1778000"/>
-          </a:xfrm>
-          <a:prstGeom prst="rect">
-            <a:avLst/>
-          </a:prstGeom>
-          <a:noFill/>
-          <a:ln>
-            <a:noFill/>
-          </a:ln>
-          <a:extLst>
-            <a:ext uri="{909E8E84-426E-40DD-AFC4-6F175D3DCCD1}">
-              <a14:hiddenFill xmlns:a14="http://schemas.microsoft.com/office/drawing/2010/main">
-                <a:solidFill>
-                  <a:srgbClr val="FFFFFF"/>
-                </a:solidFill>
-              </a14:hiddenFill>
-            </a:ext>
-            <a:ext uri="{91240B29-F687-4F45-9708-019B960494DF}">
-              <a14:hiddenLine xmlns:a14="http://schemas.microsoft.com/office/drawing/2010/main" w="9525">
-                <a:solidFill>
-                  <a:srgbClr val="000000"/>
-                </a:solidFill>
-                <a:miter lim="800000"/>
-                <a:headEnd/>
-                <a:tailEnd/>
-              </a14:hiddenLine>
-            </a:ext>
-          </a:extLst>
-        </p:spPr>
-      </p:pic>
     </p:spTree>
   </p:cSld>
   <p:clrMapOvr>
@@ -14082,7 +13168,7 @@
           <a:p>
             <a:r>
               <a:rPr lang="en-US" altLang="en-US" dirty="0"/>
-              <a:t>Describe the tools used by Linux and Windows to solve synchronization problems.</a:t>
+              <a:t>Describe the tools used by Windows to solve synchronization problems.</a:t>
             </a:r>
             <a:br>
               <a:rPr lang="en-US" altLang="en-US" dirty="0"/>
@@ -14092,7 +13178,7 @@
           <a:p>
             <a:r>
               <a:rPr lang="en-US" altLang="en-US" dirty="0"/>
-              <a:t>Illustrate how POSIX and Java can be used to solve process synchronization problems.</a:t>
+              <a:t>Illustrate how Java can be used to solve process synchronization problems.</a:t>
             </a:r>
           </a:p>
         </p:txBody>
@@ -14280,1564 +13366,6 @@
 </file>
 
 <file path=ppt/slides/slide20.xml><?xml version="1.0" encoding="utf-8"?>
-<p:sld xmlns:a="http://schemas.openxmlformats.org/drawingml/2006/main" xmlns:r="http://schemas.openxmlformats.org/officeDocument/2006/relationships" xmlns:p="http://schemas.openxmlformats.org/presentationml/2006/main">
-  <p:cSld>
-    <p:spTree>
-      <p:nvGrpSpPr>
-        <p:cNvPr id="1" name=""/>
-        <p:cNvGrpSpPr/>
-        <p:nvPr/>
-      </p:nvGrpSpPr>
-      <p:grpSpPr>
-        <a:xfrm>
-          <a:off x="0" y="0"/>
-          <a:ext cx="0" cy="0"/>
-          <a:chOff x="0" y="0"/>
-          <a:chExt cx="0" cy="0"/>
-        </a:xfrm>
-      </p:grpSpPr>
-      <p:sp>
-        <p:nvSpPr>
-          <p:cNvPr id="43009" name="Rectangle 2">
-            <a:extLst>
-              <a:ext uri="{FF2B5EF4-FFF2-40B4-BE49-F238E27FC236}">
-                <a16:creationId xmlns:a16="http://schemas.microsoft.com/office/drawing/2014/main" id="{A3BFBC80-8482-4396-985A-22154E9BE317}"/>
-              </a:ext>
-            </a:extLst>
-          </p:cNvPr>
-          <p:cNvSpPr>
-            <a:spLocks noGrp="1" noChangeArrowheads="1"/>
-          </p:cNvSpPr>
-          <p:nvPr>
-            <p:ph type="title"/>
-          </p:nvPr>
-        </p:nvSpPr>
-        <p:spPr>
-          <a:xfrm>
-            <a:off x="1203325" y="218493"/>
-            <a:ext cx="7483475" cy="576263"/>
-          </a:xfrm>
-        </p:spPr>
-        <p:txBody>
-          <a:bodyPr/>
-          <a:lstStyle/>
-          <a:p>
-            <a:pPr eaLnBrk="1" hangingPunct="1"/>
-            <a:r>
-              <a:rPr lang="en-US" altLang="en-US" dirty="0"/>
-              <a:t>POSIX Synchronization</a:t>
-            </a:r>
-          </a:p>
-        </p:txBody>
-      </p:sp>
-      <p:sp>
-        <p:nvSpPr>
-          <p:cNvPr id="43010" name="Rectangle 3">
-            <a:extLst>
-              <a:ext uri="{FF2B5EF4-FFF2-40B4-BE49-F238E27FC236}">
-                <a16:creationId xmlns:a16="http://schemas.microsoft.com/office/drawing/2014/main" id="{0CB899AC-D3DA-40DE-B034-67D8F80391BD}"/>
-              </a:ext>
-            </a:extLst>
-          </p:cNvPr>
-          <p:cNvSpPr>
-            <a:spLocks noGrp="1" noChangeArrowheads="1"/>
-          </p:cNvSpPr>
-          <p:nvPr>
-            <p:ph type="body" sz="half" idx="1"/>
-          </p:nvPr>
-        </p:nvSpPr>
-        <p:spPr>
-          <a:xfrm>
-            <a:off x="793102" y="1224999"/>
-            <a:ext cx="7592608" cy="4613275"/>
-          </a:xfrm>
-        </p:spPr>
-        <p:txBody>
-          <a:bodyPr/>
-          <a:lstStyle/>
-          <a:p>
-            <a:r>
-              <a:rPr lang="en-US" altLang="en-US" dirty="0"/>
-              <a:t>POSIX API provides</a:t>
-            </a:r>
-          </a:p>
-          <a:p>
-            <a:pPr lvl="1"/>
-            <a:r>
-              <a:rPr lang="en-US" altLang="en-US" dirty="0"/>
-              <a:t>mutex locks</a:t>
-            </a:r>
-          </a:p>
-          <a:p>
-            <a:pPr lvl="1"/>
-            <a:r>
-              <a:rPr lang="en-US" altLang="en-US" dirty="0"/>
-              <a:t>semaphores</a:t>
-            </a:r>
-          </a:p>
-          <a:p>
-            <a:pPr lvl="1"/>
-            <a:r>
-              <a:rPr lang="en-US" altLang="en-US" dirty="0"/>
-              <a:t>condition variable</a:t>
-            </a:r>
-          </a:p>
-          <a:p>
-            <a:r>
-              <a:rPr lang="en-US" altLang="en-US" dirty="0"/>
-              <a:t>Widely used on UNIX, Linux, and macOS</a:t>
-            </a:r>
-          </a:p>
-        </p:txBody>
-      </p:sp>
-    </p:spTree>
-  </p:cSld>
-  <p:clrMapOvr>
-    <a:masterClrMapping/>
-  </p:clrMapOvr>
-</p:sld>
-</file>
-
-<file path=ppt/slides/slide21.xml><?xml version="1.0" encoding="utf-8"?>
-<p:sld xmlns:a="http://schemas.openxmlformats.org/drawingml/2006/main" xmlns:r="http://schemas.openxmlformats.org/officeDocument/2006/relationships" xmlns:p="http://schemas.openxmlformats.org/presentationml/2006/main">
-  <p:cSld>
-    <p:spTree>
-      <p:nvGrpSpPr>
-        <p:cNvPr id="1" name=""/>
-        <p:cNvGrpSpPr/>
-        <p:nvPr/>
-      </p:nvGrpSpPr>
-      <p:grpSpPr>
-        <a:xfrm>
-          <a:off x="0" y="0"/>
-          <a:ext cx="0" cy="0"/>
-          <a:chOff x="0" y="0"/>
-          <a:chExt cx="0" cy="0"/>
-        </a:xfrm>
-      </p:grpSpPr>
-      <p:sp>
-        <p:nvSpPr>
-          <p:cNvPr id="56321" name="Title 1">
-            <a:extLst>
-              <a:ext uri="{FF2B5EF4-FFF2-40B4-BE49-F238E27FC236}">
-                <a16:creationId xmlns:a16="http://schemas.microsoft.com/office/drawing/2014/main" id="{19FC13B4-CCA9-41F0-92B9-4DC071D282E4}"/>
-              </a:ext>
-            </a:extLst>
-          </p:cNvPr>
-          <p:cNvSpPr>
-            <a:spLocks noGrp="1"/>
-          </p:cNvSpPr>
-          <p:nvPr>
-            <p:ph type="title"/>
-          </p:nvPr>
-        </p:nvSpPr>
-        <p:spPr/>
-        <p:txBody>
-          <a:bodyPr/>
-          <a:lstStyle/>
-          <a:p>
-            <a:r>
-              <a:rPr lang="en-US" altLang="en-US" dirty="0"/>
-              <a:t>POSIX Mutex Locks</a:t>
-            </a:r>
-          </a:p>
-        </p:txBody>
-      </p:sp>
-      <p:sp>
-        <p:nvSpPr>
-          <p:cNvPr id="56322" name="Content Placeholder 2">
-            <a:extLst>
-              <a:ext uri="{FF2B5EF4-FFF2-40B4-BE49-F238E27FC236}">
-                <a16:creationId xmlns:a16="http://schemas.microsoft.com/office/drawing/2014/main" id="{97B362C6-D2EF-4174-B4FC-ABBA8310629F}"/>
-              </a:ext>
-            </a:extLst>
-          </p:cNvPr>
-          <p:cNvSpPr>
-            <a:spLocks noGrp="1"/>
-          </p:cNvSpPr>
-          <p:nvPr>
-            <p:ph idx="1"/>
-          </p:nvPr>
-        </p:nvSpPr>
-        <p:spPr/>
-        <p:txBody>
-          <a:bodyPr/>
-          <a:lstStyle/>
-          <a:p>
-            <a:r>
-              <a:rPr lang="en-US" altLang="en-US"/>
-              <a:t>Creating and initializing the lock</a:t>
-            </a:r>
-            <a:br>
-              <a:rPr lang="en-US" altLang="en-US"/>
-            </a:br>
-            <a:br>
-              <a:rPr lang="en-US" altLang="en-US"/>
-            </a:br>
-            <a:br>
-              <a:rPr lang="en-US" altLang="en-US"/>
-            </a:br>
-            <a:br>
-              <a:rPr lang="en-US" altLang="en-US"/>
-            </a:br>
-            <a:br>
-              <a:rPr lang="en-US" altLang="en-US"/>
-            </a:br>
-            <a:br>
-              <a:rPr lang="en-US" altLang="en-US"/>
-            </a:br>
-            <a:endParaRPr lang="en-US" altLang="en-US"/>
-          </a:p>
-          <a:p>
-            <a:r>
-              <a:rPr lang="en-US" altLang="en-US"/>
-              <a:t>Acquiring and releasing the lock</a:t>
-            </a:r>
-          </a:p>
-        </p:txBody>
-      </p:sp>
-      <p:pic>
-        <p:nvPicPr>
-          <p:cNvPr id="56323" name="Picture 3">
-            <a:extLst>
-              <a:ext uri="{FF2B5EF4-FFF2-40B4-BE49-F238E27FC236}">
-                <a16:creationId xmlns:a16="http://schemas.microsoft.com/office/drawing/2014/main" id="{7A9B15B6-6321-486B-AAC5-C1A1A243ECD9}"/>
-              </a:ext>
-            </a:extLst>
-          </p:cNvPr>
-          <p:cNvPicPr>
-            <a:picLocks noChangeAspect="1"/>
-          </p:cNvPicPr>
-          <p:nvPr/>
-        </p:nvPicPr>
-        <p:blipFill>
-          <a:blip r:embed="rId2">
-            <a:extLst>
-              <a:ext uri="{28A0092B-C50C-407E-A947-70E740481C1C}">
-                <a14:useLocalDpi xmlns:a14="http://schemas.microsoft.com/office/drawing/2010/main" val="0"/>
-              </a:ext>
-            </a:extLst>
-          </a:blip>
-          <a:srcRect/>
-          <a:stretch>
-            <a:fillRect/>
-          </a:stretch>
-        </p:blipFill>
-        <p:spPr bwMode="auto">
-          <a:xfrm>
-            <a:off x="1766888" y="1571625"/>
-            <a:ext cx="5092700" cy="1663700"/>
-          </a:xfrm>
-          <a:prstGeom prst="rect">
-            <a:avLst/>
-          </a:prstGeom>
-          <a:noFill/>
-          <a:ln>
-            <a:noFill/>
-          </a:ln>
-          <a:extLst>
-            <a:ext uri="{909E8E84-426E-40DD-AFC4-6F175D3DCCD1}">
-              <a14:hiddenFill xmlns:a14="http://schemas.microsoft.com/office/drawing/2010/main">
-                <a:solidFill>
-                  <a:srgbClr val="FFFFFF"/>
-                </a:solidFill>
-              </a14:hiddenFill>
-            </a:ext>
-            <a:ext uri="{91240B29-F687-4F45-9708-019B960494DF}">
-              <a14:hiddenLine xmlns:a14="http://schemas.microsoft.com/office/drawing/2010/main" w="9525">
-                <a:solidFill>
-                  <a:srgbClr val="000000"/>
-                </a:solidFill>
-                <a:miter lim="800000"/>
-                <a:headEnd/>
-                <a:tailEnd/>
-              </a14:hiddenLine>
-            </a:ext>
-          </a:extLst>
-        </p:spPr>
-      </p:pic>
-      <p:pic>
-        <p:nvPicPr>
-          <p:cNvPr id="56324" name="Picture 4">
-            <a:extLst>
-              <a:ext uri="{FF2B5EF4-FFF2-40B4-BE49-F238E27FC236}">
-                <a16:creationId xmlns:a16="http://schemas.microsoft.com/office/drawing/2014/main" id="{43D64EAF-0CE6-4473-BCDA-70225E10C615}"/>
-              </a:ext>
-            </a:extLst>
-          </p:cNvPr>
-          <p:cNvPicPr>
-            <a:picLocks noChangeAspect="1"/>
-          </p:cNvPicPr>
-          <p:nvPr/>
-        </p:nvPicPr>
-        <p:blipFill>
-          <a:blip r:embed="rId3">
-            <a:extLst>
-              <a:ext uri="{28A0092B-C50C-407E-A947-70E740481C1C}">
-                <a14:useLocalDpi xmlns:a14="http://schemas.microsoft.com/office/drawing/2010/main" val="0"/>
-              </a:ext>
-            </a:extLst>
-          </a:blip>
-          <a:srcRect/>
-          <a:stretch>
-            <a:fillRect/>
-          </a:stretch>
-        </p:blipFill>
-        <p:spPr bwMode="auto">
-          <a:xfrm>
-            <a:off x="2100263" y="3770313"/>
-            <a:ext cx="3708400" cy="1917700"/>
-          </a:xfrm>
-          <a:prstGeom prst="rect">
-            <a:avLst/>
-          </a:prstGeom>
-          <a:noFill/>
-          <a:ln>
-            <a:noFill/>
-          </a:ln>
-          <a:extLst>
-            <a:ext uri="{909E8E84-426E-40DD-AFC4-6F175D3DCCD1}">
-              <a14:hiddenFill xmlns:a14="http://schemas.microsoft.com/office/drawing/2010/main">
-                <a:solidFill>
-                  <a:srgbClr val="FFFFFF"/>
-                </a:solidFill>
-              </a14:hiddenFill>
-            </a:ext>
-            <a:ext uri="{91240B29-F687-4F45-9708-019B960494DF}">
-              <a14:hiddenLine xmlns:a14="http://schemas.microsoft.com/office/drawing/2010/main" w="9525">
-                <a:solidFill>
-                  <a:srgbClr val="000000"/>
-                </a:solidFill>
-                <a:miter lim="800000"/>
-                <a:headEnd/>
-                <a:tailEnd/>
-              </a14:hiddenLine>
-            </a:ext>
-          </a:extLst>
-        </p:spPr>
-      </p:pic>
-    </p:spTree>
-  </p:cSld>
-  <p:clrMapOvr>
-    <a:masterClrMapping/>
-  </p:clrMapOvr>
-</p:sld>
-</file>
-
-<file path=ppt/slides/slide22.xml><?xml version="1.0" encoding="utf-8"?>
-<p:sld xmlns:a="http://schemas.openxmlformats.org/drawingml/2006/main" xmlns:r="http://schemas.openxmlformats.org/officeDocument/2006/relationships" xmlns:p="http://schemas.openxmlformats.org/presentationml/2006/main">
-  <p:cSld>
-    <p:spTree>
-      <p:nvGrpSpPr>
-        <p:cNvPr id="1" name=""/>
-        <p:cNvGrpSpPr/>
-        <p:nvPr/>
-      </p:nvGrpSpPr>
-      <p:grpSpPr>
-        <a:xfrm>
-          <a:off x="0" y="0"/>
-          <a:ext cx="0" cy="0"/>
-          <a:chOff x="0" y="0"/>
-          <a:chExt cx="0" cy="0"/>
-        </a:xfrm>
-      </p:grpSpPr>
-      <p:sp>
-        <p:nvSpPr>
-          <p:cNvPr id="57345" name="Title 1">
-            <a:extLst>
-              <a:ext uri="{FF2B5EF4-FFF2-40B4-BE49-F238E27FC236}">
-                <a16:creationId xmlns:a16="http://schemas.microsoft.com/office/drawing/2014/main" id="{31418EEB-44BA-4A35-BF05-9040A02836A2}"/>
-              </a:ext>
-            </a:extLst>
-          </p:cNvPr>
-          <p:cNvSpPr>
-            <a:spLocks noGrp="1"/>
-          </p:cNvSpPr>
-          <p:nvPr>
-            <p:ph type="title"/>
-          </p:nvPr>
-        </p:nvSpPr>
-        <p:spPr/>
-        <p:txBody>
-          <a:bodyPr/>
-          <a:lstStyle/>
-          <a:p>
-            <a:r>
-              <a:rPr lang="en-US" altLang="en-US"/>
-              <a:t>POSIX Semaphores</a:t>
-            </a:r>
-          </a:p>
-        </p:txBody>
-      </p:sp>
-      <p:sp>
-        <p:nvSpPr>
-          <p:cNvPr id="57346" name="Content Placeholder 2">
-            <a:extLst>
-              <a:ext uri="{FF2B5EF4-FFF2-40B4-BE49-F238E27FC236}">
-                <a16:creationId xmlns:a16="http://schemas.microsoft.com/office/drawing/2014/main" id="{88B0DD88-5E60-4AA4-B36D-9E62E5E1C6B8}"/>
-              </a:ext>
-            </a:extLst>
-          </p:cNvPr>
-          <p:cNvSpPr>
-            <a:spLocks noGrp="1"/>
-          </p:cNvSpPr>
-          <p:nvPr>
-            <p:ph idx="1"/>
-          </p:nvPr>
-        </p:nvSpPr>
-        <p:spPr/>
-        <p:txBody>
-          <a:bodyPr/>
-          <a:lstStyle/>
-          <a:p>
-            <a:r>
-              <a:rPr lang="en-US" altLang="en-US"/>
-              <a:t>POSIX provides two versions – </a:t>
-            </a:r>
-            <a:r>
-              <a:rPr lang="en-US" altLang="en-US" b="1"/>
-              <a:t>named</a:t>
-            </a:r>
-            <a:r>
-              <a:rPr lang="en-US" altLang="en-US"/>
-              <a:t> and </a:t>
-            </a:r>
-            <a:r>
-              <a:rPr lang="en-US" altLang="en-US" b="1"/>
-              <a:t>unnamed</a:t>
-            </a:r>
-            <a:r>
-              <a:rPr lang="en-US" altLang="en-US"/>
-              <a:t>.</a:t>
-            </a:r>
-          </a:p>
-          <a:p>
-            <a:r>
-              <a:rPr lang="en-US" altLang="en-US"/>
-              <a:t>Named semaphores can be used by unrelated processes, unnamed cannot.</a:t>
-            </a:r>
-          </a:p>
-        </p:txBody>
-      </p:sp>
-    </p:spTree>
-  </p:cSld>
-  <p:clrMapOvr>
-    <a:masterClrMapping/>
-  </p:clrMapOvr>
-</p:sld>
-</file>
-
-<file path=ppt/slides/slide23.xml><?xml version="1.0" encoding="utf-8"?>
-<p:sld xmlns:a="http://schemas.openxmlformats.org/drawingml/2006/main" xmlns:r="http://schemas.openxmlformats.org/officeDocument/2006/relationships" xmlns:p="http://schemas.openxmlformats.org/presentationml/2006/main">
-  <p:cSld>
-    <p:spTree>
-      <p:nvGrpSpPr>
-        <p:cNvPr id="1" name=""/>
-        <p:cNvGrpSpPr/>
-        <p:nvPr/>
-      </p:nvGrpSpPr>
-      <p:grpSpPr>
-        <a:xfrm>
-          <a:off x="0" y="0"/>
-          <a:ext cx="0" cy="0"/>
-          <a:chOff x="0" y="0"/>
-          <a:chExt cx="0" cy="0"/>
-        </a:xfrm>
-      </p:grpSpPr>
-      <p:sp>
-        <p:nvSpPr>
-          <p:cNvPr id="58369" name="Title 1">
-            <a:extLst>
-              <a:ext uri="{FF2B5EF4-FFF2-40B4-BE49-F238E27FC236}">
-                <a16:creationId xmlns:a16="http://schemas.microsoft.com/office/drawing/2014/main" id="{D1FD5B3A-24E8-4E3E-801B-A57367BA93BC}"/>
-              </a:ext>
-            </a:extLst>
-          </p:cNvPr>
-          <p:cNvSpPr>
-            <a:spLocks noGrp="1"/>
-          </p:cNvSpPr>
-          <p:nvPr>
-            <p:ph type="title"/>
-          </p:nvPr>
-        </p:nvSpPr>
-        <p:spPr/>
-        <p:txBody>
-          <a:bodyPr/>
-          <a:lstStyle/>
-          <a:p>
-            <a:r>
-              <a:rPr lang="en-US" altLang="en-US" dirty="0"/>
-              <a:t>POSIX Named Semaphores</a:t>
-            </a:r>
-          </a:p>
-        </p:txBody>
-      </p:sp>
-      <p:sp>
-        <p:nvSpPr>
-          <p:cNvPr id="58370" name="Content Placeholder 2">
-            <a:extLst>
-              <a:ext uri="{FF2B5EF4-FFF2-40B4-BE49-F238E27FC236}">
-                <a16:creationId xmlns:a16="http://schemas.microsoft.com/office/drawing/2014/main" id="{1C644338-2EA3-4381-B0C2-E9F39074C86D}"/>
-              </a:ext>
-            </a:extLst>
-          </p:cNvPr>
-          <p:cNvSpPr>
-            <a:spLocks noGrp="1"/>
-          </p:cNvSpPr>
-          <p:nvPr>
-            <p:ph idx="1"/>
-          </p:nvPr>
-        </p:nvSpPr>
-        <p:spPr>
-          <a:xfrm>
-            <a:off x="806450" y="1233488"/>
-            <a:ext cx="8229600" cy="5027612"/>
-          </a:xfrm>
-        </p:spPr>
-        <p:txBody>
-          <a:bodyPr/>
-          <a:lstStyle/>
-          <a:p>
-            <a:r>
-              <a:rPr lang="en-US" altLang="en-US"/>
-              <a:t>Creating an initializing the semaphore:</a:t>
-            </a:r>
-            <a:br>
-              <a:rPr lang="en-US" altLang="en-US"/>
-            </a:br>
-            <a:br>
-              <a:rPr lang="en-US" altLang="en-US"/>
-            </a:br>
-            <a:br>
-              <a:rPr lang="en-US" altLang="en-US"/>
-            </a:br>
-            <a:br>
-              <a:rPr lang="en-US" altLang="en-US"/>
-            </a:br>
-            <a:br>
-              <a:rPr lang="en-US" altLang="en-US"/>
-            </a:br>
-            <a:endParaRPr lang="en-US" altLang="en-US"/>
-          </a:p>
-          <a:p>
-            <a:r>
-              <a:rPr lang="en-US" altLang="en-US"/>
-              <a:t>Another process can access the semaphore by referring to its name </a:t>
-            </a:r>
-            <a:r>
-              <a:rPr lang="en-US" altLang="en-US" b="1">
-                <a:latin typeface="Courier New" panose="02070309020205020404" pitchFamily="49" charset="0"/>
-                <a:cs typeface="Courier New" panose="02070309020205020404" pitchFamily="49" charset="0"/>
-              </a:rPr>
-              <a:t>SEM</a:t>
-            </a:r>
-            <a:r>
-              <a:rPr lang="en-US" altLang="en-US"/>
-              <a:t>.</a:t>
-            </a:r>
-          </a:p>
-          <a:p>
-            <a:r>
-              <a:rPr lang="en-US" altLang="en-US"/>
-              <a:t>Acquiring and releasing the semaphore:</a:t>
-            </a:r>
-          </a:p>
-        </p:txBody>
-      </p:sp>
-      <p:pic>
-        <p:nvPicPr>
-          <p:cNvPr id="58371" name="Picture 3">
-            <a:extLst>
-              <a:ext uri="{FF2B5EF4-FFF2-40B4-BE49-F238E27FC236}">
-                <a16:creationId xmlns:a16="http://schemas.microsoft.com/office/drawing/2014/main" id="{E71215B9-85A1-49C0-8E92-98B3705C9065}"/>
-              </a:ext>
-            </a:extLst>
-          </p:cNvPr>
-          <p:cNvPicPr>
-            <a:picLocks noChangeAspect="1"/>
-          </p:cNvPicPr>
-          <p:nvPr/>
-        </p:nvPicPr>
-        <p:blipFill>
-          <a:blip r:embed="rId2">
-            <a:extLst>
-              <a:ext uri="{28A0092B-C50C-407E-A947-70E740481C1C}">
-                <a14:useLocalDpi xmlns:a14="http://schemas.microsoft.com/office/drawing/2010/main" val="0"/>
-              </a:ext>
-            </a:extLst>
-          </a:blip>
-          <a:srcRect/>
-          <a:stretch>
-            <a:fillRect/>
-          </a:stretch>
-        </p:blipFill>
-        <p:spPr bwMode="auto">
-          <a:xfrm>
-            <a:off x="1428750" y="1597025"/>
-            <a:ext cx="6083300" cy="1346200"/>
-          </a:xfrm>
-          <a:prstGeom prst="rect">
-            <a:avLst/>
-          </a:prstGeom>
-          <a:noFill/>
-          <a:ln>
-            <a:noFill/>
-          </a:ln>
-          <a:extLst>
-            <a:ext uri="{909E8E84-426E-40DD-AFC4-6F175D3DCCD1}">
-              <a14:hiddenFill xmlns:a14="http://schemas.microsoft.com/office/drawing/2010/main">
-                <a:solidFill>
-                  <a:srgbClr val="FFFFFF"/>
-                </a:solidFill>
-              </a14:hiddenFill>
-            </a:ext>
-            <a:ext uri="{91240B29-F687-4F45-9708-019B960494DF}">
-              <a14:hiddenLine xmlns:a14="http://schemas.microsoft.com/office/drawing/2010/main" w="9525">
-                <a:solidFill>
-                  <a:srgbClr val="000000"/>
-                </a:solidFill>
-                <a:miter lim="800000"/>
-                <a:headEnd/>
-                <a:tailEnd/>
-              </a14:hiddenLine>
-            </a:ext>
-          </a:extLst>
-        </p:spPr>
-      </p:pic>
-      <p:pic>
-        <p:nvPicPr>
-          <p:cNvPr id="58372" name="Picture 4">
-            <a:extLst>
-              <a:ext uri="{FF2B5EF4-FFF2-40B4-BE49-F238E27FC236}">
-                <a16:creationId xmlns:a16="http://schemas.microsoft.com/office/drawing/2014/main" id="{86CEE521-DD92-43B2-8542-D9F0EF7B4364}"/>
-              </a:ext>
-            </a:extLst>
-          </p:cNvPr>
-          <p:cNvPicPr>
-            <a:picLocks noChangeAspect="1"/>
-          </p:cNvPicPr>
-          <p:nvPr/>
-        </p:nvPicPr>
-        <p:blipFill>
-          <a:blip r:embed="rId3">
-            <a:extLst>
-              <a:ext uri="{28A0092B-C50C-407E-A947-70E740481C1C}">
-                <a14:useLocalDpi xmlns:a14="http://schemas.microsoft.com/office/drawing/2010/main" val="0"/>
-              </a:ext>
-            </a:extLst>
-          </a:blip>
-          <a:srcRect/>
-          <a:stretch>
-            <a:fillRect/>
-          </a:stretch>
-        </p:blipFill>
-        <p:spPr bwMode="auto">
-          <a:xfrm>
-            <a:off x="2135188" y="3843338"/>
-            <a:ext cx="3810000" cy="1841500"/>
-          </a:xfrm>
-          <a:prstGeom prst="rect">
-            <a:avLst/>
-          </a:prstGeom>
-          <a:noFill/>
-          <a:ln>
-            <a:noFill/>
-          </a:ln>
-          <a:extLst>
-            <a:ext uri="{909E8E84-426E-40DD-AFC4-6F175D3DCCD1}">
-              <a14:hiddenFill xmlns:a14="http://schemas.microsoft.com/office/drawing/2010/main">
-                <a:solidFill>
-                  <a:srgbClr val="FFFFFF"/>
-                </a:solidFill>
-              </a14:hiddenFill>
-            </a:ext>
-            <a:ext uri="{91240B29-F687-4F45-9708-019B960494DF}">
-              <a14:hiddenLine xmlns:a14="http://schemas.microsoft.com/office/drawing/2010/main" w="9525">
-                <a:solidFill>
-                  <a:srgbClr val="000000"/>
-                </a:solidFill>
-                <a:miter lim="800000"/>
-                <a:headEnd/>
-                <a:tailEnd/>
-              </a14:hiddenLine>
-            </a:ext>
-          </a:extLst>
-        </p:spPr>
-      </p:pic>
-    </p:spTree>
-  </p:cSld>
-  <p:clrMapOvr>
-    <a:masterClrMapping/>
-  </p:clrMapOvr>
-</p:sld>
-</file>
-
-<file path=ppt/slides/slide24.xml><?xml version="1.0" encoding="utf-8"?>
-<p:sld xmlns:a="http://schemas.openxmlformats.org/drawingml/2006/main" xmlns:r="http://schemas.openxmlformats.org/officeDocument/2006/relationships" xmlns:p="http://schemas.openxmlformats.org/presentationml/2006/main">
-  <p:cSld>
-    <p:spTree>
-      <p:nvGrpSpPr>
-        <p:cNvPr id="1" name=""/>
-        <p:cNvGrpSpPr/>
-        <p:nvPr/>
-      </p:nvGrpSpPr>
-      <p:grpSpPr>
-        <a:xfrm>
-          <a:off x="0" y="0"/>
-          <a:ext cx="0" cy="0"/>
-          <a:chOff x="0" y="0"/>
-          <a:chExt cx="0" cy="0"/>
-        </a:xfrm>
-      </p:grpSpPr>
-      <p:sp>
-        <p:nvSpPr>
-          <p:cNvPr id="59393" name="Title 1">
-            <a:extLst>
-              <a:ext uri="{FF2B5EF4-FFF2-40B4-BE49-F238E27FC236}">
-                <a16:creationId xmlns:a16="http://schemas.microsoft.com/office/drawing/2014/main" id="{4FEE749F-18F0-4920-8F8A-D2AC98A74CC0}"/>
-              </a:ext>
-            </a:extLst>
-          </p:cNvPr>
-          <p:cNvSpPr>
-            <a:spLocks noGrp="1"/>
-          </p:cNvSpPr>
-          <p:nvPr>
-            <p:ph type="title"/>
-          </p:nvPr>
-        </p:nvSpPr>
-        <p:spPr/>
-        <p:txBody>
-          <a:bodyPr/>
-          <a:lstStyle/>
-          <a:p>
-            <a:r>
-              <a:rPr lang="en-US" altLang="en-US" dirty="0"/>
-              <a:t>POSIX Unnamed Semaphores</a:t>
-            </a:r>
-          </a:p>
-        </p:txBody>
-      </p:sp>
-      <p:sp>
-        <p:nvSpPr>
-          <p:cNvPr id="59394" name="Content Placeholder 2">
-            <a:extLst>
-              <a:ext uri="{FF2B5EF4-FFF2-40B4-BE49-F238E27FC236}">
-                <a16:creationId xmlns:a16="http://schemas.microsoft.com/office/drawing/2014/main" id="{51C2AC08-3586-4361-B942-E44CC003DF15}"/>
-              </a:ext>
-            </a:extLst>
-          </p:cNvPr>
-          <p:cNvSpPr>
-            <a:spLocks noGrp="1"/>
-          </p:cNvSpPr>
-          <p:nvPr>
-            <p:ph idx="1"/>
-          </p:nvPr>
-        </p:nvSpPr>
-        <p:spPr/>
-        <p:txBody>
-          <a:bodyPr/>
-          <a:lstStyle/>
-          <a:p>
-            <a:r>
-              <a:rPr lang="en-US" altLang="en-US"/>
-              <a:t>Creating an initializing the semaphore:</a:t>
-            </a:r>
-            <a:br>
-              <a:rPr lang="en-US" altLang="en-US"/>
-            </a:br>
-            <a:br>
-              <a:rPr lang="en-US" altLang="en-US"/>
-            </a:br>
-            <a:br>
-              <a:rPr lang="en-US" altLang="en-US"/>
-            </a:br>
-            <a:br>
-              <a:rPr lang="en-US" altLang="en-US"/>
-            </a:br>
-            <a:br>
-              <a:rPr lang="en-US" altLang="en-US"/>
-            </a:br>
-            <a:br>
-              <a:rPr lang="en-US" altLang="en-US"/>
-            </a:br>
-            <a:endParaRPr lang="en-US" altLang="en-US"/>
-          </a:p>
-          <a:p>
-            <a:r>
-              <a:rPr lang="en-US" altLang="en-US"/>
-              <a:t>Acquiring and releasing the semaphore:</a:t>
-            </a:r>
-          </a:p>
-        </p:txBody>
-      </p:sp>
-      <p:pic>
-        <p:nvPicPr>
-          <p:cNvPr id="59395" name="Picture 5">
-            <a:extLst>
-              <a:ext uri="{FF2B5EF4-FFF2-40B4-BE49-F238E27FC236}">
-                <a16:creationId xmlns:a16="http://schemas.microsoft.com/office/drawing/2014/main" id="{D32AB7B8-29E8-4E15-BE57-7F70C8F0A873}"/>
-              </a:ext>
-            </a:extLst>
-          </p:cNvPr>
-          <p:cNvPicPr>
-            <a:picLocks noChangeAspect="1"/>
-          </p:cNvPicPr>
-          <p:nvPr/>
-        </p:nvPicPr>
-        <p:blipFill>
-          <a:blip r:embed="rId2">
-            <a:extLst>
-              <a:ext uri="{28A0092B-C50C-407E-A947-70E740481C1C}">
-                <a14:useLocalDpi xmlns:a14="http://schemas.microsoft.com/office/drawing/2010/main" val="0"/>
-              </a:ext>
-            </a:extLst>
-          </a:blip>
-          <a:srcRect/>
-          <a:stretch>
-            <a:fillRect/>
-          </a:stretch>
-        </p:blipFill>
-        <p:spPr bwMode="auto">
-          <a:xfrm>
-            <a:off x="1671638" y="1574800"/>
-            <a:ext cx="6083300" cy="1549400"/>
-          </a:xfrm>
-          <a:prstGeom prst="rect">
-            <a:avLst/>
-          </a:prstGeom>
-          <a:noFill/>
-          <a:ln>
-            <a:noFill/>
-          </a:ln>
-          <a:extLst>
-            <a:ext uri="{909E8E84-426E-40DD-AFC4-6F175D3DCCD1}">
-              <a14:hiddenFill xmlns:a14="http://schemas.microsoft.com/office/drawing/2010/main">
-                <a:solidFill>
-                  <a:srgbClr val="FFFFFF"/>
-                </a:solidFill>
-              </a14:hiddenFill>
-            </a:ext>
-            <a:ext uri="{91240B29-F687-4F45-9708-019B960494DF}">
-              <a14:hiddenLine xmlns:a14="http://schemas.microsoft.com/office/drawing/2010/main" w="9525">
-                <a:solidFill>
-                  <a:srgbClr val="000000"/>
-                </a:solidFill>
-                <a:miter lim="800000"/>
-                <a:headEnd/>
-                <a:tailEnd/>
-              </a14:hiddenLine>
-            </a:ext>
-          </a:extLst>
-        </p:spPr>
-      </p:pic>
-      <p:pic>
-        <p:nvPicPr>
-          <p:cNvPr id="59396" name="Picture 6">
-            <a:extLst>
-              <a:ext uri="{FF2B5EF4-FFF2-40B4-BE49-F238E27FC236}">
-                <a16:creationId xmlns:a16="http://schemas.microsoft.com/office/drawing/2014/main" id="{5594141B-2EFA-4DEC-B8C5-755B9FD4E0AC}"/>
-              </a:ext>
-            </a:extLst>
-          </p:cNvPr>
-          <p:cNvPicPr>
-            <a:picLocks noChangeAspect="1"/>
-          </p:cNvPicPr>
-          <p:nvPr/>
-        </p:nvPicPr>
-        <p:blipFill>
-          <a:blip r:embed="rId3">
-            <a:extLst>
-              <a:ext uri="{28A0092B-C50C-407E-A947-70E740481C1C}">
-                <a14:useLocalDpi xmlns:a14="http://schemas.microsoft.com/office/drawing/2010/main" val="0"/>
-              </a:ext>
-            </a:extLst>
-          </a:blip>
-          <a:srcRect/>
-          <a:stretch>
-            <a:fillRect/>
-          </a:stretch>
-        </p:blipFill>
-        <p:spPr bwMode="auto">
-          <a:xfrm>
-            <a:off x="2305050" y="3729038"/>
-            <a:ext cx="4533900" cy="2006600"/>
-          </a:xfrm>
-          <a:prstGeom prst="rect">
-            <a:avLst/>
-          </a:prstGeom>
-          <a:noFill/>
-          <a:ln>
-            <a:noFill/>
-          </a:ln>
-          <a:extLst>
-            <a:ext uri="{909E8E84-426E-40DD-AFC4-6F175D3DCCD1}">
-              <a14:hiddenFill xmlns:a14="http://schemas.microsoft.com/office/drawing/2010/main">
-                <a:solidFill>
-                  <a:srgbClr val="FFFFFF"/>
-                </a:solidFill>
-              </a14:hiddenFill>
-            </a:ext>
-            <a:ext uri="{91240B29-F687-4F45-9708-019B960494DF}">
-              <a14:hiddenLine xmlns:a14="http://schemas.microsoft.com/office/drawing/2010/main" w="9525">
-                <a:solidFill>
-                  <a:srgbClr val="000000"/>
-                </a:solidFill>
-                <a:miter lim="800000"/>
-                <a:headEnd/>
-                <a:tailEnd/>
-              </a14:hiddenLine>
-            </a:ext>
-          </a:extLst>
-        </p:spPr>
-      </p:pic>
-    </p:spTree>
-  </p:cSld>
-  <p:clrMapOvr>
-    <a:masterClrMapping/>
-  </p:clrMapOvr>
-</p:sld>
-</file>
-
-<file path=ppt/slides/slide25.xml><?xml version="1.0" encoding="utf-8"?>
-<p:sld xmlns:a="http://schemas.openxmlformats.org/drawingml/2006/main" xmlns:r="http://schemas.openxmlformats.org/officeDocument/2006/relationships" xmlns:p="http://schemas.openxmlformats.org/presentationml/2006/main">
-  <p:cSld>
-    <p:spTree>
-      <p:nvGrpSpPr>
-        <p:cNvPr id="1" name=""/>
-        <p:cNvGrpSpPr/>
-        <p:nvPr/>
-      </p:nvGrpSpPr>
-      <p:grpSpPr>
-        <a:xfrm>
-          <a:off x="0" y="0"/>
-          <a:ext cx="0" cy="0"/>
-          <a:chOff x="0" y="0"/>
-          <a:chExt cx="0" cy="0"/>
-        </a:xfrm>
-      </p:grpSpPr>
-      <p:sp>
-        <p:nvSpPr>
-          <p:cNvPr id="60417" name="Title 1">
-            <a:extLst>
-              <a:ext uri="{FF2B5EF4-FFF2-40B4-BE49-F238E27FC236}">
-                <a16:creationId xmlns:a16="http://schemas.microsoft.com/office/drawing/2014/main" id="{53F3401E-0D76-4EA7-80E3-C109BF996FAA}"/>
-              </a:ext>
-            </a:extLst>
-          </p:cNvPr>
-          <p:cNvSpPr>
-            <a:spLocks noGrp="1"/>
-          </p:cNvSpPr>
-          <p:nvPr>
-            <p:ph type="title"/>
-          </p:nvPr>
-        </p:nvSpPr>
-        <p:spPr/>
-        <p:txBody>
-          <a:bodyPr/>
-          <a:lstStyle/>
-          <a:p>
-            <a:r>
-              <a:rPr lang="en-US" altLang="en-US"/>
-              <a:t>POSIX Condition Variables</a:t>
-            </a:r>
-          </a:p>
-        </p:txBody>
-      </p:sp>
-      <p:sp>
-        <p:nvSpPr>
-          <p:cNvPr id="60418" name="Content Placeholder 2">
-            <a:extLst>
-              <a:ext uri="{FF2B5EF4-FFF2-40B4-BE49-F238E27FC236}">
-                <a16:creationId xmlns:a16="http://schemas.microsoft.com/office/drawing/2014/main" id="{3044D515-471B-4811-9960-E3A7CF4451C7}"/>
-              </a:ext>
-            </a:extLst>
-          </p:cNvPr>
-          <p:cNvSpPr>
-            <a:spLocks noGrp="1"/>
-          </p:cNvSpPr>
-          <p:nvPr>
-            <p:ph idx="1"/>
-          </p:nvPr>
-        </p:nvSpPr>
-        <p:spPr/>
-        <p:txBody>
-          <a:bodyPr/>
-          <a:lstStyle/>
-          <a:p>
-            <a:r>
-              <a:rPr lang="en-US" altLang="en-US" dirty="0"/>
-              <a:t>Since POSIX is typically used in C/C++ and these languages do not provide a monitor, POSIX condition variables are associated with a POSIX mutex lock to provide mutual exclusion: Creating and initializing the condition variable:</a:t>
-            </a:r>
-            <a:br>
-              <a:rPr lang="en-US" altLang="en-US" dirty="0"/>
-            </a:br>
-            <a:br>
-              <a:rPr lang="en-US" altLang="en-US" dirty="0"/>
-            </a:br>
-            <a:br>
-              <a:rPr lang="en-US" altLang="en-US" dirty="0"/>
-            </a:br>
-            <a:br>
-              <a:rPr lang="en-US" altLang="en-US" dirty="0"/>
-            </a:br>
-            <a:br>
-              <a:rPr lang="en-US" altLang="en-US" dirty="0"/>
-            </a:br>
-            <a:endParaRPr lang="en-US" altLang="en-US" dirty="0"/>
-          </a:p>
-        </p:txBody>
-      </p:sp>
-      <p:pic>
-        <p:nvPicPr>
-          <p:cNvPr id="60419" name="Picture 5">
-            <a:extLst>
-              <a:ext uri="{FF2B5EF4-FFF2-40B4-BE49-F238E27FC236}">
-                <a16:creationId xmlns:a16="http://schemas.microsoft.com/office/drawing/2014/main" id="{53567E63-78B6-4E97-8409-85828A3DD3D9}"/>
-              </a:ext>
-            </a:extLst>
-          </p:cNvPr>
-          <p:cNvPicPr>
-            <a:picLocks noChangeAspect="1"/>
-          </p:cNvPicPr>
-          <p:nvPr/>
-        </p:nvPicPr>
-        <p:blipFill>
-          <a:blip r:embed="rId2">
-            <a:extLst>
-              <a:ext uri="{28A0092B-C50C-407E-A947-70E740481C1C}">
-                <a14:useLocalDpi xmlns:a14="http://schemas.microsoft.com/office/drawing/2010/main" val="0"/>
-              </a:ext>
-            </a:extLst>
-          </a:blip>
-          <a:srcRect/>
-          <a:stretch>
-            <a:fillRect/>
-          </a:stretch>
-        </p:blipFill>
-        <p:spPr bwMode="auto">
-          <a:xfrm>
-            <a:off x="2513013" y="2327275"/>
-            <a:ext cx="3962400" cy="1460500"/>
-          </a:xfrm>
-          <a:prstGeom prst="rect">
-            <a:avLst/>
-          </a:prstGeom>
-          <a:noFill/>
-          <a:ln>
-            <a:noFill/>
-          </a:ln>
-          <a:extLst>
-            <a:ext uri="{909E8E84-426E-40DD-AFC4-6F175D3DCCD1}">
-              <a14:hiddenFill xmlns:a14="http://schemas.microsoft.com/office/drawing/2010/main">
-                <a:solidFill>
-                  <a:srgbClr val="FFFFFF"/>
-                </a:solidFill>
-              </a14:hiddenFill>
-            </a:ext>
-            <a:ext uri="{91240B29-F687-4F45-9708-019B960494DF}">
-              <a14:hiddenLine xmlns:a14="http://schemas.microsoft.com/office/drawing/2010/main" w="9525">
-                <a:solidFill>
-                  <a:srgbClr val="000000"/>
-                </a:solidFill>
-                <a:miter lim="800000"/>
-                <a:headEnd/>
-                <a:tailEnd/>
-              </a14:hiddenLine>
-            </a:ext>
-          </a:extLst>
-        </p:spPr>
-      </p:pic>
-    </p:spTree>
-  </p:cSld>
-  <p:clrMapOvr>
-    <a:masterClrMapping/>
-  </p:clrMapOvr>
-</p:sld>
-</file>
-
-<file path=ppt/slides/slide26.xml><?xml version="1.0" encoding="utf-8"?>
-<p:sld xmlns:a="http://schemas.openxmlformats.org/drawingml/2006/main" xmlns:r="http://schemas.openxmlformats.org/officeDocument/2006/relationships" xmlns:p="http://schemas.openxmlformats.org/presentationml/2006/main">
-  <p:cSld>
-    <p:spTree>
-      <p:nvGrpSpPr>
-        <p:cNvPr id="1" name=""/>
-        <p:cNvGrpSpPr/>
-        <p:nvPr/>
-      </p:nvGrpSpPr>
-      <p:grpSpPr>
-        <a:xfrm>
-          <a:off x="0" y="0"/>
-          <a:ext cx="0" cy="0"/>
-          <a:chOff x="0" y="0"/>
-          <a:chExt cx="0" cy="0"/>
-        </a:xfrm>
-      </p:grpSpPr>
-      <p:sp>
-        <p:nvSpPr>
-          <p:cNvPr id="61441" name="Title 1">
-            <a:extLst>
-              <a:ext uri="{FF2B5EF4-FFF2-40B4-BE49-F238E27FC236}">
-                <a16:creationId xmlns:a16="http://schemas.microsoft.com/office/drawing/2014/main" id="{57A05B56-EBB1-4DC7-BEC6-02B57982E91F}"/>
-              </a:ext>
-            </a:extLst>
-          </p:cNvPr>
-          <p:cNvSpPr>
-            <a:spLocks noGrp="1"/>
-          </p:cNvSpPr>
-          <p:nvPr>
-            <p:ph type="title"/>
-          </p:nvPr>
-        </p:nvSpPr>
-        <p:spPr/>
-        <p:txBody>
-          <a:bodyPr/>
-          <a:lstStyle/>
-          <a:p>
-            <a:r>
-              <a:rPr lang="en-US" altLang="en-US"/>
-              <a:t>POSIX Condition Variables</a:t>
-            </a:r>
-          </a:p>
-        </p:txBody>
-      </p:sp>
-      <p:sp>
-        <p:nvSpPr>
-          <p:cNvPr id="61442" name="Content Placeholder 2">
-            <a:extLst>
-              <a:ext uri="{FF2B5EF4-FFF2-40B4-BE49-F238E27FC236}">
-                <a16:creationId xmlns:a16="http://schemas.microsoft.com/office/drawing/2014/main" id="{B6C9CAA1-E2D2-4CF7-8F9C-0B07CED47113}"/>
-              </a:ext>
-            </a:extLst>
-          </p:cNvPr>
-          <p:cNvSpPr>
-            <a:spLocks noGrp="1"/>
-          </p:cNvSpPr>
-          <p:nvPr>
-            <p:ph idx="1"/>
-          </p:nvPr>
-        </p:nvSpPr>
-        <p:spPr/>
-        <p:txBody>
-          <a:bodyPr/>
-          <a:lstStyle/>
-          <a:p>
-            <a:r>
-              <a:rPr lang="en-US" altLang="en-US"/>
-              <a:t>Thread waiting for the condition </a:t>
-            </a:r>
-            <a:r>
-              <a:rPr lang="en-US" altLang="en-US" b="1">
-                <a:latin typeface="Courier New" panose="02070309020205020404" pitchFamily="49" charset="0"/>
-                <a:cs typeface="Courier New" panose="02070309020205020404" pitchFamily="49" charset="0"/>
-              </a:rPr>
-              <a:t>a == b </a:t>
-            </a:r>
-            <a:r>
-              <a:rPr lang="en-US" altLang="en-US"/>
-              <a:t>to become true:</a:t>
-            </a:r>
-            <a:br>
-              <a:rPr lang="en-US" altLang="en-US"/>
-            </a:br>
-            <a:br>
-              <a:rPr lang="en-US" altLang="en-US"/>
-            </a:br>
-            <a:br>
-              <a:rPr lang="en-US" altLang="en-US"/>
-            </a:br>
-            <a:br>
-              <a:rPr lang="en-US" altLang="en-US"/>
-            </a:br>
-            <a:br>
-              <a:rPr lang="en-US" altLang="en-US"/>
-            </a:br>
-            <a:br>
-              <a:rPr lang="en-US" altLang="en-US"/>
-            </a:br>
-            <a:endParaRPr lang="en-US" altLang="en-US"/>
-          </a:p>
-          <a:p>
-            <a:r>
-              <a:rPr lang="en-US" altLang="en-US"/>
-              <a:t>Thread signaling another thread waiting on the condition variable:</a:t>
-            </a:r>
-          </a:p>
-          <a:p>
-            <a:endParaRPr lang="en-US" altLang="en-US"/>
-          </a:p>
-        </p:txBody>
-      </p:sp>
-      <p:pic>
-        <p:nvPicPr>
-          <p:cNvPr id="61443" name="Picture 6">
-            <a:extLst>
-              <a:ext uri="{FF2B5EF4-FFF2-40B4-BE49-F238E27FC236}">
-                <a16:creationId xmlns:a16="http://schemas.microsoft.com/office/drawing/2014/main" id="{9273925A-CBB6-4438-8E69-C29554E996BD}"/>
-              </a:ext>
-            </a:extLst>
-          </p:cNvPr>
-          <p:cNvPicPr>
-            <a:picLocks noChangeAspect="1"/>
-          </p:cNvPicPr>
-          <p:nvPr/>
-        </p:nvPicPr>
-        <p:blipFill>
-          <a:blip r:embed="rId2">
-            <a:extLst>
-              <a:ext uri="{28A0092B-C50C-407E-A947-70E740481C1C}">
-                <a14:useLocalDpi xmlns:a14="http://schemas.microsoft.com/office/drawing/2010/main" val="0"/>
-              </a:ext>
-            </a:extLst>
-          </a:blip>
-          <a:srcRect/>
-          <a:stretch>
-            <a:fillRect/>
-          </a:stretch>
-        </p:blipFill>
-        <p:spPr bwMode="auto">
-          <a:xfrm>
-            <a:off x="1860550" y="1670050"/>
-            <a:ext cx="4953000" cy="1333500"/>
-          </a:xfrm>
-          <a:prstGeom prst="rect">
-            <a:avLst/>
-          </a:prstGeom>
-          <a:noFill/>
-          <a:ln>
-            <a:noFill/>
-          </a:ln>
-          <a:extLst>
-            <a:ext uri="{909E8E84-426E-40DD-AFC4-6F175D3DCCD1}">
-              <a14:hiddenFill xmlns:a14="http://schemas.microsoft.com/office/drawing/2010/main">
-                <a:solidFill>
-                  <a:srgbClr val="FFFFFF"/>
-                </a:solidFill>
-              </a14:hiddenFill>
-            </a:ext>
-            <a:ext uri="{91240B29-F687-4F45-9708-019B960494DF}">
-              <a14:hiddenLine xmlns:a14="http://schemas.microsoft.com/office/drawing/2010/main" w="9525">
-                <a:solidFill>
-                  <a:srgbClr val="000000"/>
-                </a:solidFill>
-                <a:miter lim="800000"/>
-                <a:headEnd/>
-                <a:tailEnd/>
-              </a14:hiddenLine>
-            </a:ext>
-          </a:extLst>
-        </p:spPr>
-      </p:pic>
-      <p:pic>
-        <p:nvPicPr>
-          <p:cNvPr id="61444" name="Picture 3">
-            <a:extLst>
-              <a:ext uri="{FF2B5EF4-FFF2-40B4-BE49-F238E27FC236}">
-                <a16:creationId xmlns:a16="http://schemas.microsoft.com/office/drawing/2014/main" id="{08E890D1-08BA-421F-B471-95E7600B9890}"/>
-              </a:ext>
-            </a:extLst>
-          </p:cNvPr>
-          <p:cNvPicPr>
-            <a:picLocks noChangeAspect="1"/>
-          </p:cNvPicPr>
-          <p:nvPr/>
-        </p:nvPicPr>
-        <p:blipFill>
-          <a:blip r:embed="rId3">
-            <a:extLst>
-              <a:ext uri="{28A0092B-C50C-407E-A947-70E740481C1C}">
-                <a14:useLocalDpi xmlns:a14="http://schemas.microsoft.com/office/drawing/2010/main" val="0"/>
-              </a:ext>
-            </a:extLst>
-          </a:blip>
-          <a:srcRect/>
-          <a:stretch>
-            <a:fillRect/>
-          </a:stretch>
-        </p:blipFill>
-        <p:spPr bwMode="auto">
-          <a:xfrm>
-            <a:off x="2427288" y="4097338"/>
-            <a:ext cx="3492500" cy="1066800"/>
-          </a:xfrm>
-          <a:prstGeom prst="rect">
-            <a:avLst/>
-          </a:prstGeom>
-          <a:noFill/>
-          <a:ln>
-            <a:noFill/>
-          </a:ln>
-          <a:extLst>
-            <a:ext uri="{909E8E84-426E-40DD-AFC4-6F175D3DCCD1}">
-              <a14:hiddenFill xmlns:a14="http://schemas.microsoft.com/office/drawing/2010/main">
-                <a:solidFill>
-                  <a:srgbClr val="FFFFFF"/>
-                </a:solidFill>
-              </a14:hiddenFill>
-            </a:ext>
-            <a:ext uri="{91240B29-F687-4F45-9708-019B960494DF}">
-              <a14:hiddenLine xmlns:a14="http://schemas.microsoft.com/office/drawing/2010/main" w="9525">
-                <a:solidFill>
-                  <a:srgbClr val="000000"/>
-                </a:solidFill>
-                <a:miter lim="800000"/>
-                <a:headEnd/>
-                <a:tailEnd/>
-              </a14:hiddenLine>
-            </a:ext>
-          </a:extLst>
-        </p:spPr>
-      </p:pic>
-    </p:spTree>
-  </p:cSld>
-  <p:clrMapOvr>
-    <a:masterClrMapping/>
-  </p:clrMapOvr>
-</p:sld>
-</file>
-
-<file path=ppt/slides/slide27.xml><?xml version="1.0" encoding="utf-8"?>
-<p:sld xmlns:a="http://schemas.openxmlformats.org/drawingml/2006/main" xmlns:r="http://schemas.openxmlformats.org/officeDocument/2006/relationships" xmlns:p="http://schemas.openxmlformats.org/presentationml/2006/main">
-  <p:cSld>
-    <p:spTree>
-      <p:nvGrpSpPr>
-        <p:cNvPr id="1" name=""/>
-        <p:cNvGrpSpPr/>
-        <p:nvPr/>
-      </p:nvGrpSpPr>
-      <p:grpSpPr>
-        <a:xfrm>
-          <a:off x="0" y="0"/>
-          <a:ext cx="0" cy="0"/>
-          <a:chOff x="0" y="0"/>
-          <a:chExt cx="0" cy="0"/>
-        </a:xfrm>
-      </p:grpSpPr>
-      <p:sp>
-        <p:nvSpPr>
-          <p:cNvPr id="62465" name="Title 1">
-            <a:extLst>
-              <a:ext uri="{FF2B5EF4-FFF2-40B4-BE49-F238E27FC236}">
-                <a16:creationId xmlns:a16="http://schemas.microsoft.com/office/drawing/2014/main" id="{D895C0A9-89AB-4099-9158-09FB3BE2DEA3}"/>
-              </a:ext>
-            </a:extLst>
-          </p:cNvPr>
-          <p:cNvSpPr>
-            <a:spLocks noGrp="1"/>
-          </p:cNvSpPr>
-          <p:nvPr>
-            <p:ph type="title"/>
-          </p:nvPr>
-        </p:nvSpPr>
-        <p:spPr/>
-        <p:txBody>
-          <a:bodyPr/>
-          <a:lstStyle/>
-          <a:p>
-            <a:r>
-              <a:rPr lang="en-US" altLang="en-US"/>
-              <a:t>Java Synchronization</a:t>
-            </a:r>
-          </a:p>
-        </p:txBody>
-      </p:sp>
-      <p:sp>
-        <p:nvSpPr>
-          <p:cNvPr id="62466" name="Content Placeholder 2">
-            <a:extLst>
-              <a:ext uri="{FF2B5EF4-FFF2-40B4-BE49-F238E27FC236}">
-                <a16:creationId xmlns:a16="http://schemas.microsoft.com/office/drawing/2014/main" id="{D0302B4F-6AF2-45B2-A5F9-17764BA578C6}"/>
-              </a:ext>
-            </a:extLst>
-          </p:cNvPr>
-          <p:cNvSpPr>
-            <a:spLocks noGrp="1"/>
-          </p:cNvSpPr>
-          <p:nvPr>
-            <p:ph idx="1"/>
-          </p:nvPr>
-        </p:nvSpPr>
-        <p:spPr/>
-        <p:txBody>
-          <a:bodyPr/>
-          <a:lstStyle/>
-          <a:p>
-            <a:r>
-              <a:rPr lang="en-US" altLang="en-US"/>
-              <a:t>Java provides rich set of synchronization features:</a:t>
-            </a:r>
-          </a:p>
-          <a:p>
-            <a:pPr>
-              <a:buFont typeface="Wingdings" panose="05000000000000000000" pitchFamily="2" charset="2"/>
-              <a:buChar char="Ø"/>
-            </a:pPr>
-            <a:r>
-              <a:rPr lang="en-US" altLang="en-US"/>
-              <a:t>Java monitors</a:t>
-            </a:r>
-          </a:p>
-          <a:p>
-            <a:pPr>
-              <a:buFont typeface="Wingdings" panose="05000000000000000000" pitchFamily="2" charset="2"/>
-              <a:buChar char="Ø"/>
-            </a:pPr>
-            <a:r>
-              <a:rPr lang="en-US" altLang="en-US"/>
-              <a:t>Reentrant locks</a:t>
-            </a:r>
-          </a:p>
-          <a:p>
-            <a:pPr>
-              <a:buFont typeface="Wingdings" panose="05000000000000000000" pitchFamily="2" charset="2"/>
-              <a:buChar char="Ø"/>
-            </a:pPr>
-            <a:r>
-              <a:rPr lang="en-US" altLang="en-US"/>
-              <a:t>Semaphores</a:t>
-            </a:r>
-          </a:p>
-          <a:p>
-            <a:pPr>
-              <a:buFont typeface="Wingdings" panose="05000000000000000000" pitchFamily="2" charset="2"/>
-              <a:buChar char="Ø"/>
-            </a:pPr>
-            <a:r>
-              <a:rPr lang="en-US" altLang="en-US"/>
-              <a:t>Condition variables</a:t>
-            </a:r>
-          </a:p>
-        </p:txBody>
-      </p:sp>
-    </p:spTree>
-  </p:cSld>
-  <p:clrMapOvr>
-    <a:masterClrMapping/>
-  </p:clrMapOvr>
-</p:sld>
-</file>
-
-<file path=ppt/slides/slide28.xml><?xml version="1.0" encoding="utf-8"?>
-<p:sld xmlns:a="http://schemas.openxmlformats.org/drawingml/2006/main" xmlns:r="http://schemas.openxmlformats.org/officeDocument/2006/relationships" xmlns:p="http://schemas.openxmlformats.org/presentationml/2006/main">
-  <p:cSld>
-    <p:spTree>
-      <p:nvGrpSpPr>
-        <p:cNvPr id="1" name=""/>
-        <p:cNvGrpSpPr/>
-        <p:nvPr/>
-      </p:nvGrpSpPr>
-      <p:grpSpPr>
-        <a:xfrm>
-          <a:off x="0" y="0"/>
-          <a:ext cx="0" cy="0"/>
-          <a:chOff x="0" y="0"/>
-          <a:chExt cx="0" cy="0"/>
-        </a:xfrm>
-      </p:grpSpPr>
-      <p:sp>
-        <p:nvSpPr>
-          <p:cNvPr id="63489" name="Title 1">
-            <a:extLst>
-              <a:ext uri="{FF2B5EF4-FFF2-40B4-BE49-F238E27FC236}">
-                <a16:creationId xmlns:a16="http://schemas.microsoft.com/office/drawing/2014/main" id="{9B736ABE-D232-4AC2-98B8-80667B9D65C7}"/>
-              </a:ext>
-            </a:extLst>
-          </p:cNvPr>
-          <p:cNvSpPr>
-            <a:spLocks noGrp="1"/>
-          </p:cNvSpPr>
-          <p:nvPr>
-            <p:ph type="title"/>
-          </p:nvPr>
-        </p:nvSpPr>
-        <p:spPr/>
-        <p:txBody>
-          <a:bodyPr/>
-          <a:lstStyle/>
-          <a:p>
-            <a:r>
-              <a:rPr lang="en-US" altLang="en-US"/>
-              <a:t>Java Monitors</a:t>
-            </a:r>
-          </a:p>
-        </p:txBody>
-      </p:sp>
-      <p:sp>
-        <p:nvSpPr>
-          <p:cNvPr id="63490" name="Content Placeholder 2">
-            <a:extLst>
-              <a:ext uri="{FF2B5EF4-FFF2-40B4-BE49-F238E27FC236}">
-                <a16:creationId xmlns:a16="http://schemas.microsoft.com/office/drawing/2014/main" id="{29EC6428-17A6-47A7-B43C-8EA71AF83166}"/>
-              </a:ext>
-            </a:extLst>
-          </p:cNvPr>
-          <p:cNvSpPr>
-            <a:spLocks noGrp="1"/>
-          </p:cNvSpPr>
-          <p:nvPr>
-            <p:ph idx="1"/>
-          </p:nvPr>
-        </p:nvSpPr>
-        <p:spPr/>
-        <p:txBody>
-          <a:bodyPr/>
-          <a:lstStyle/>
-          <a:p>
-            <a:r>
-              <a:rPr lang="en-US" altLang="en-US"/>
-              <a:t>Every Java object has associated with it a single lock.</a:t>
-            </a:r>
-          </a:p>
-          <a:p>
-            <a:r>
-              <a:rPr lang="en-US" altLang="en-US"/>
-              <a:t>If a method is declared as </a:t>
-            </a:r>
-            <a:r>
-              <a:rPr lang="en-US" altLang="en-US" b="1">
-                <a:latin typeface="Courier New" panose="02070309020205020404" pitchFamily="49" charset="0"/>
-                <a:cs typeface="Courier New" panose="02070309020205020404" pitchFamily="49" charset="0"/>
-              </a:rPr>
-              <a:t>synchronized</a:t>
-            </a:r>
-            <a:r>
-              <a:rPr lang="en-US" altLang="en-US"/>
-              <a:t>, a calling thread must own the lock for the object.</a:t>
-            </a:r>
-          </a:p>
-          <a:p>
-            <a:r>
-              <a:rPr lang="en-US" altLang="en-US"/>
-              <a:t>If the lock is owned by another thread, the calling thread must wait for the lock until it is released.</a:t>
-            </a:r>
-          </a:p>
-          <a:p>
-            <a:r>
-              <a:rPr lang="en-US" altLang="en-US"/>
-              <a:t>Locks are released when the owning thread exits the </a:t>
-            </a:r>
-            <a:r>
-              <a:rPr lang="en-US" altLang="en-US" b="1">
-                <a:latin typeface="Courier New" panose="02070309020205020404" pitchFamily="49" charset="0"/>
-                <a:cs typeface="Courier New" panose="02070309020205020404" pitchFamily="49" charset="0"/>
-              </a:rPr>
-              <a:t>synchronized</a:t>
-            </a:r>
-            <a:r>
-              <a:rPr lang="en-US" altLang="en-US"/>
-              <a:t> method.</a:t>
-            </a:r>
-          </a:p>
-        </p:txBody>
-      </p:sp>
-    </p:spTree>
-  </p:cSld>
-  <p:clrMapOvr>
-    <a:masterClrMapping/>
-  </p:clrMapOvr>
-</p:sld>
-</file>
-
-<file path=ppt/slides/slide29.xml><?xml version="1.0" encoding="utf-8"?>
 <p:sld xmlns:a="http://schemas.openxmlformats.org/drawingml/2006/main" xmlns:r="http://schemas.openxmlformats.org/officeDocument/2006/relationships" xmlns:p="http://schemas.openxmlformats.org/presentationml/2006/main">
   <p:cSld>
     <p:spTree>
@@ -15913,6 +13441,1617 @@
           <a:xfrm>
             <a:off x="2354263" y="1201738"/>
             <a:ext cx="4706937" cy="4749800"/>
+          </a:xfrm>
+          <a:prstGeom prst="rect">
+            <a:avLst/>
+          </a:prstGeom>
+          <a:noFill/>
+          <a:ln>
+            <a:noFill/>
+          </a:ln>
+          <a:extLst>
+            <a:ext uri="{909E8E84-426E-40DD-AFC4-6F175D3DCCD1}">
+              <a14:hiddenFill xmlns:a14="http://schemas.microsoft.com/office/drawing/2010/main">
+                <a:solidFill>
+                  <a:srgbClr val="FFFFFF"/>
+                </a:solidFill>
+              </a14:hiddenFill>
+            </a:ext>
+            <a:ext uri="{91240B29-F687-4F45-9708-019B960494DF}">
+              <a14:hiddenLine xmlns:a14="http://schemas.microsoft.com/office/drawing/2010/main" w="9525">
+                <a:solidFill>
+                  <a:srgbClr val="000000"/>
+                </a:solidFill>
+                <a:miter lim="800000"/>
+                <a:headEnd/>
+                <a:tailEnd/>
+              </a14:hiddenLine>
+            </a:ext>
+          </a:extLst>
+        </p:spPr>
+      </p:pic>
+    </p:spTree>
+  </p:cSld>
+  <p:clrMapOvr>
+    <a:masterClrMapping/>
+  </p:clrMapOvr>
+</p:sld>
+</file>
+
+<file path=ppt/slides/slide21.xml><?xml version="1.0" encoding="utf-8"?>
+<p:sld xmlns:a="http://schemas.openxmlformats.org/drawingml/2006/main" xmlns:r="http://schemas.openxmlformats.org/officeDocument/2006/relationships" xmlns:p="http://schemas.openxmlformats.org/presentationml/2006/main">
+  <p:cSld>
+    <p:spTree>
+      <p:nvGrpSpPr>
+        <p:cNvPr id="1" name=""/>
+        <p:cNvGrpSpPr/>
+        <p:nvPr/>
+      </p:nvGrpSpPr>
+      <p:grpSpPr>
+        <a:xfrm>
+          <a:off x="0" y="0"/>
+          <a:ext cx="0" cy="0"/>
+          <a:chOff x="0" y="0"/>
+          <a:chExt cx="0" cy="0"/>
+        </a:xfrm>
+      </p:grpSpPr>
+      <p:sp>
+        <p:nvSpPr>
+          <p:cNvPr id="65537" name="Title 1">
+            <a:extLst>
+              <a:ext uri="{FF2B5EF4-FFF2-40B4-BE49-F238E27FC236}">
+                <a16:creationId xmlns:a16="http://schemas.microsoft.com/office/drawing/2014/main" id="{A7063654-3368-408D-9DF3-2B295E85937E}"/>
+              </a:ext>
+            </a:extLst>
+          </p:cNvPr>
+          <p:cNvSpPr>
+            <a:spLocks noGrp="1"/>
+          </p:cNvSpPr>
+          <p:nvPr>
+            <p:ph type="title"/>
+          </p:nvPr>
+        </p:nvSpPr>
+        <p:spPr/>
+        <p:txBody>
+          <a:bodyPr/>
+          <a:lstStyle/>
+          <a:p>
+            <a:r>
+              <a:rPr lang="en-US" altLang="en-US"/>
+              <a:t>Java Synchronization</a:t>
+            </a:r>
+          </a:p>
+        </p:txBody>
+      </p:sp>
+      <p:sp>
+        <p:nvSpPr>
+          <p:cNvPr id="65538" name="Content Placeholder 2">
+            <a:extLst>
+              <a:ext uri="{FF2B5EF4-FFF2-40B4-BE49-F238E27FC236}">
+                <a16:creationId xmlns:a16="http://schemas.microsoft.com/office/drawing/2014/main" id="{6382BE83-2E0A-488C-A3AE-CF46662C19F3}"/>
+              </a:ext>
+            </a:extLst>
+          </p:cNvPr>
+          <p:cNvSpPr>
+            <a:spLocks noGrp="1"/>
+          </p:cNvSpPr>
+          <p:nvPr>
+            <p:ph idx="1"/>
+          </p:nvPr>
+        </p:nvSpPr>
+        <p:spPr/>
+        <p:txBody>
+          <a:bodyPr/>
+          <a:lstStyle/>
+          <a:p>
+            <a:r>
+              <a:rPr lang="en-US" altLang="en-US"/>
+              <a:t>A thread that tries to acquire an unavailable lock is placed in the object’s </a:t>
+            </a:r>
+            <a:r>
+              <a:rPr lang="en-US" altLang="en-US" b="1"/>
+              <a:t>entry set</a:t>
+            </a:r>
+            <a:r>
+              <a:rPr lang="en-US" altLang="en-US"/>
+              <a:t>:</a:t>
+            </a:r>
+          </a:p>
+        </p:txBody>
+      </p:sp>
+      <p:pic>
+        <p:nvPicPr>
+          <p:cNvPr id="65539" name="Picture 5">
+            <a:extLst>
+              <a:ext uri="{FF2B5EF4-FFF2-40B4-BE49-F238E27FC236}">
+                <a16:creationId xmlns:a16="http://schemas.microsoft.com/office/drawing/2014/main" id="{773AA7CA-0382-4D64-8D2A-395FEE719FEA}"/>
+              </a:ext>
+            </a:extLst>
+          </p:cNvPr>
+          <p:cNvPicPr>
+            <a:picLocks noChangeAspect="1"/>
+          </p:cNvPicPr>
+          <p:nvPr/>
+        </p:nvPicPr>
+        <p:blipFill>
+          <a:blip r:embed="rId2">
+            <a:extLst>
+              <a:ext uri="{28A0092B-C50C-407E-A947-70E740481C1C}">
+                <a14:useLocalDpi xmlns:a14="http://schemas.microsoft.com/office/drawing/2010/main" val="0"/>
+              </a:ext>
+            </a:extLst>
+          </a:blip>
+          <a:srcRect/>
+          <a:stretch>
+            <a:fillRect/>
+          </a:stretch>
+        </p:blipFill>
+        <p:spPr bwMode="auto">
+          <a:xfrm>
+            <a:off x="1849438" y="2400300"/>
+            <a:ext cx="5907087" cy="2006600"/>
+          </a:xfrm>
+          <a:prstGeom prst="rect">
+            <a:avLst/>
+          </a:prstGeom>
+          <a:noFill/>
+          <a:ln>
+            <a:noFill/>
+          </a:ln>
+          <a:extLst>
+            <a:ext uri="{909E8E84-426E-40DD-AFC4-6F175D3DCCD1}">
+              <a14:hiddenFill xmlns:a14="http://schemas.microsoft.com/office/drawing/2010/main">
+                <a:solidFill>
+                  <a:srgbClr val="FFFFFF"/>
+                </a:solidFill>
+              </a14:hiddenFill>
+            </a:ext>
+            <a:ext uri="{91240B29-F687-4F45-9708-019B960494DF}">
+              <a14:hiddenLine xmlns:a14="http://schemas.microsoft.com/office/drawing/2010/main" w="9525">
+                <a:solidFill>
+                  <a:srgbClr val="000000"/>
+                </a:solidFill>
+                <a:miter lim="800000"/>
+                <a:headEnd/>
+                <a:tailEnd/>
+              </a14:hiddenLine>
+            </a:ext>
+          </a:extLst>
+        </p:spPr>
+      </p:pic>
+    </p:spTree>
+  </p:cSld>
+  <p:clrMapOvr>
+    <a:masterClrMapping/>
+  </p:clrMapOvr>
+</p:sld>
+</file>
+
+<file path=ppt/slides/slide22.xml><?xml version="1.0" encoding="utf-8"?>
+<p:sld xmlns:a="http://schemas.openxmlformats.org/drawingml/2006/main" xmlns:r="http://schemas.openxmlformats.org/officeDocument/2006/relationships" xmlns:p="http://schemas.openxmlformats.org/presentationml/2006/main">
+  <p:cSld>
+    <p:spTree>
+      <p:nvGrpSpPr>
+        <p:cNvPr id="1" name=""/>
+        <p:cNvGrpSpPr/>
+        <p:nvPr/>
+      </p:nvGrpSpPr>
+      <p:grpSpPr>
+        <a:xfrm>
+          <a:off x="0" y="0"/>
+          <a:ext cx="0" cy="0"/>
+          <a:chOff x="0" y="0"/>
+          <a:chExt cx="0" cy="0"/>
+        </a:xfrm>
+      </p:grpSpPr>
+      <p:sp>
+        <p:nvSpPr>
+          <p:cNvPr id="66561" name="Title 1">
+            <a:extLst>
+              <a:ext uri="{FF2B5EF4-FFF2-40B4-BE49-F238E27FC236}">
+                <a16:creationId xmlns:a16="http://schemas.microsoft.com/office/drawing/2014/main" id="{652E010F-53B0-425D-B083-85B37DE98DBE}"/>
+              </a:ext>
+            </a:extLst>
+          </p:cNvPr>
+          <p:cNvSpPr>
+            <a:spLocks noGrp="1"/>
+          </p:cNvSpPr>
+          <p:nvPr>
+            <p:ph type="title"/>
+          </p:nvPr>
+        </p:nvSpPr>
+        <p:spPr/>
+        <p:txBody>
+          <a:bodyPr/>
+          <a:lstStyle/>
+          <a:p>
+            <a:r>
+              <a:rPr lang="en-US" altLang="en-US"/>
+              <a:t>Java Synchronization</a:t>
+            </a:r>
+          </a:p>
+        </p:txBody>
+      </p:sp>
+      <p:sp>
+        <p:nvSpPr>
+          <p:cNvPr id="3" name="Content Placeholder 2">
+            <a:extLst>
+              <a:ext uri="{FF2B5EF4-FFF2-40B4-BE49-F238E27FC236}">
+                <a16:creationId xmlns:a16="http://schemas.microsoft.com/office/drawing/2014/main" id="{9177042F-4FED-4B9B-A666-AAE92424CD18}"/>
+              </a:ext>
+            </a:extLst>
+          </p:cNvPr>
+          <p:cNvSpPr>
+            <a:spLocks noGrp="1"/>
+          </p:cNvSpPr>
+          <p:nvPr>
+            <p:ph idx="1"/>
+          </p:nvPr>
+        </p:nvSpPr>
+        <p:spPr/>
+        <p:txBody>
+          <a:bodyPr/>
+          <a:lstStyle/>
+          <a:p>
+            <a:pPr>
+              <a:defRPr/>
+            </a:pPr>
+            <a:r>
+              <a:rPr lang="en-US" dirty="0"/>
+              <a:t>Similarly, each object also has a </a:t>
+            </a:r>
+            <a:r>
+              <a:rPr lang="en-US" b="1" dirty="0"/>
+              <a:t>wait set</a:t>
+            </a:r>
+            <a:r>
+              <a:rPr lang="en-US" dirty="0"/>
+              <a:t>.</a:t>
+            </a:r>
+          </a:p>
+          <a:p>
+            <a:pPr>
+              <a:defRPr/>
+            </a:pPr>
+            <a:r>
+              <a:rPr lang="en-US" dirty="0"/>
+              <a:t>When a thread calls </a:t>
+            </a:r>
+            <a:r>
+              <a:rPr lang="en-US" b="1" dirty="0">
+                <a:latin typeface="Courier New" charset="0"/>
+                <a:ea typeface="Courier New" charset="0"/>
+                <a:cs typeface="Courier New" charset="0"/>
+              </a:rPr>
+              <a:t>wait()</a:t>
+            </a:r>
+            <a:r>
+              <a:rPr lang="en-US" dirty="0"/>
+              <a:t>:</a:t>
+            </a:r>
+          </a:p>
+          <a:p>
+            <a:pPr marL="742950" lvl="1" indent="-342900">
+              <a:buFont typeface="+mj-lt"/>
+              <a:buAutoNum type="arabicPeriod"/>
+              <a:defRPr/>
+            </a:pPr>
+            <a:r>
+              <a:rPr lang="en-US" dirty="0"/>
+              <a:t>It releases the lock for the object</a:t>
+            </a:r>
+          </a:p>
+          <a:p>
+            <a:pPr marL="742950" lvl="1" indent="-342900">
+              <a:buFont typeface="+mj-lt"/>
+              <a:buAutoNum type="arabicPeriod"/>
+              <a:defRPr/>
+            </a:pPr>
+            <a:r>
+              <a:rPr lang="en-US" dirty="0"/>
+              <a:t>The state of the thread is set to blocked</a:t>
+            </a:r>
+          </a:p>
+          <a:p>
+            <a:pPr marL="742950" lvl="1" indent="-342900">
+              <a:buFont typeface="+mj-lt"/>
+              <a:buAutoNum type="arabicPeriod"/>
+              <a:defRPr/>
+            </a:pPr>
+            <a:r>
+              <a:rPr lang="en-US" dirty="0"/>
+              <a:t>The thread is placed in the wait set for the object</a:t>
+            </a:r>
+          </a:p>
+        </p:txBody>
+      </p:sp>
+      <p:pic>
+        <p:nvPicPr>
+          <p:cNvPr id="66563" name="Picture 3">
+            <a:extLst>
+              <a:ext uri="{FF2B5EF4-FFF2-40B4-BE49-F238E27FC236}">
+                <a16:creationId xmlns:a16="http://schemas.microsoft.com/office/drawing/2014/main" id="{58D6C7F3-75D5-4822-B482-AC533067BED3}"/>
+              </a:ext>
+            </a:extLst>
+          </p:cNvPr>
+          <p:cNvPicPr>
+            <a:picLocks noChangeAspect="1"/>
+          </p:cNvPicPr>
+          <p:nvPr/>
+        </p:nvPicPr>
+        <p:blipFill>
+          <a:blip r:embed="rId2">
+            <a:extLst>
+              <a:ext uri="{28A0092B-C50C-407E-A947-70E740481C1C}">
+                <a14:useLocalDpi xmlns:a14="http://schemas.microsoft.com/office/drawing/2010/main" val="0"/>
+              </a:ext>
+            </a:extLst>
+          </a:blip>
+          <a:srcRect/>
+          <a:stretch>
+            <a:fillRect/>
+          </a:stretch>
+        </p:blipFill>
+        <p:spPr bwMode="auto">
+          <a:xfrm>
+            <a:off x="1563688" y="3613150"/>
+            <a:ext cx="6223000" cy="1403350"/>
+          </a:xfrm>
+          <a:prstGeom prst="rect">
+            <a:avLst/>
+          </a:prstGeom>
+          <a:noFill/>
+          <a:ln>
+            <a:noFill/>
+          </a:ln>
+          <a:extLst>
+            <a:ext uri="{909E8E84-426E-40DD-AFC4-6F175D3DCCD1}">
+              <a14:hiddenFill xmlns:a14="http://schemas.microsoft.com/office/drawing/2010/main">
+                <a:solidFill>
+                  <a:srgbClr val="FFFFFF"/>
+                </a:solidFill>
+              </a14:hiddenFill>
+            </a:ext>
+            <a:ext uri="{91240B29-F687-4F45-9708-019B960494DF}">
+              <a14:hiddenLine xmlns:a14="http://schemas.microsoft.com/office/drawing/2010/main" w="9525">
+                <a:solidFill>
+                  <a:srgbClr val="000000"/>
+                </a:solidFill>
+                <a:miter lim="800000"/>
+                <a:headEnd/>
+                <a:tailEnd/>
+              </a14:hiddenLine>
+            </a:ext>
+          </a:extLst>
+        </p:spPr>
+      </p:pic>
+    </p:spTree>
+  </p:cSld>
+  <p:clrMapOvr>
+    <a:masterClrMapping/>
+  </p:clrMapOvr>
+</p:sld>
+</file>
+
+<file path=ppt/slides/slide23.xml><?xml version="1.0" encoding="utf-8"?>
+<p:sld xmlns:a="http://schemas.openxmlformats.org/drawingml/2006/main" xmlns:r="http://schemas.openxmlformats.org/officeDocument/2006/relationships" xmlns:p="http://schemas.openxmlformats.org/presentationml/2006/main">
+  <p:cSld>
+    <p:spTree>
+      <p:nvGrpSpPr>
+        <p:cNvPr id="1" name=""/>
+        <p:cNvGrpSpPr/>
+        <p:nvPr/>
+      </p:nvGrpSpPr>
+      <p:grpSpPr>
+        <a:xfrm>
+          <a:off x="0" y="0"/>
+          <a:ext cx="0" cy="0"/>
+          <a:chOff x="0" y="0"/>
+          <a:chExt cx="0" cy="0"/>
+        </a:xfrm>
+      </p:grpSpPr>
+      <p:sp>
+        <p:nvSpPr>
+          <p:cNvPr id="67585" name="Title 1">
+            <a:extLst>
+              <a:ext uri="{FF2B5EF4-FFF2-40B4-BE49-F238E27FC236}">
+                <a16:creationId xmlns:a16="http://schemas.microsoft.com/office/drawing/2014/main" id="{B4675308-EC3D-4611-AF7B-2F36F4847874}"/>
+              </a:ext>
+            </a:extLst>
+          </p:cNvPr>
+          <p:cNvSpPr>
+            <a:spLocks noGrp="1"/>
+          </p:cNvSpPr>
+          <p:nvPr>
+            <p:ph type="title"/>
+          </p:nvPr>
+        </p:nvSpPr>
+        <p:spPr/>
+        <p:txBody>
+          <a:bodyPr/>
+          <a:lstStyle/>
+          <a:p>
+            <a:r>
+              <a:rPr lang="en-US" altLang="en-US"/>
+              <a:t>Java Synchronization</a:t>
+            </a:r>
+          </a:p>
+        </p:txBody>
+      </p:sp>
+      <p:sp>
+        <p:nvSpPr>
+          <p:cNvPr id="3" name="Content Placeholder 2">
+            <a:extLst>
+              <a:ext uri="{FF2B5EF4-FFF2-40B4-BE49-F238E27FC236}">
+                <a16:creationId xmlns:a16="http://schemas.microsoft.com/office/drawing/2014/main" id="{6F82AEE8-8C1E-4697-8E09-54D24E89B8A4}"/>
+              </a:ext>
+            </a:extLst>
+          </p:cNvPr>
+          <p:cNvSpPr>
+            <a:spLocks noGrp="1"/>
+          </p:cNvSpPr>
+          <p:nvPr>
+            <p:ph idx="1"/>
+          </p:nvPr>
+        </p:nvSpPr>
+        <p:spPr/>
+        <p:txBody>
+          <a:bodyPr/>
+          <a:lstStyle/>
+          <a:p>
+            <a:pPr>
+              <a:defRPr/>
+            </a:pPr>
+            <a:r>
+              <a:rPr lang="en-US" dirty="0"/>
+              <a:t>A thread typically calls wait() when it is waiting for a condition to  become true.</a:t>
+            </a:r>
+          </a:p>
+          <a:p>
+            <a:pPr>
+              <a:defRPr/>
+            </a:pPr>
+            <a:r>
+              <a:rPr lang="en-US" dirty="0"/>
+              <a:t>How does a thread get notified?</a:t>
+            </a:r>
+          </a:p>
+          <a:p>
+            <a:pPr>
+              <a:defRPr/>
+            </a:pPr>
+            <a:r>
+              <a:rPr lang="en-US" dirty="0"/>
+              <a:t>When a thread calls </a:t>
+            </a:r>
+            <a:r>
+              <a:rPr lang="en-US" b="1" dirty="0">
+                <a:latin typeface="Courier New" charset="0"/>
+                <a:ea typeface="Courier New" charset="0"/>
+                <a:cs typeface="Courier New" charset="0"/>
+              </a:rPr>
+              <a:t>notify()</a:t>
+            </a:r>
+            <a:r>
+              <a:rPr lang="en-US" dirty="0"/>
+              <a:t>:</a:t>
+            </a:r>
+          </a:p>
+          <a:p>
+            <a:pPr marL="742950" lvl="1" indent="-342900">
+              <a:buFont typeface="+mj-lt"/>
+              <a:buAutoNum type="arabicPeriod"/>
+              <a:defRPr/>
+            </a:pPr>
+            <a:r>
+              <a:rPr lang="en-US" dirty="0"/>
+              <a:t>An arbitrary thread T is selected from the wait set</a:t>
+            </a:r>
+          </a:p>
+          <a:p>
+            <a:pPr marL="742950" lvl="1" indent="-342900">
+              <a:buFont typeface="+mj-lt"/>
+              <a:buAutoNum type="arabicPeriod"/>
+              <a:defRPr/>
+            </a:pPr>
+            <a:r>
+              <a:rPr lang="en-US" dirty="0"/>
+              <a:t>T is moved from the wait set to the entry set</a:t>
+            </a:r>
+          </a:p>
+          <a:p>
+            <a:pPr marL="742950" lvl="1" indent="-342900">
+              <a:buFont typeface="+mj-lt"/>
+              <a:buAutoNum type="arabicPeriod"/>
+              <a:defRPr/>
+            </a:pPr>
+            <a:r>
+              <a:rPr lang="en-US" dirty="0"/>
+              <a:t>Set the state of T from blocked to runnable.</a:t>
+            </a:r>
+          </a:p>
+          <a:p>
+            <a:pPr>
+              <a:defRPr/>
+            </a:pPr>
+            <a:r>
+              <a:rPr lang="en-US" dirty="0"/>
+              <a:t>T can now compete for the lock to check if the condition it was waiting for is now true.</a:t>
+            </a:r>
+          </a:p>
+        </p:txBody>
+      </p:sp>
+    </p:spTree>
+  </p:cSld>
+  <p:clrMapOvr>
+    <a:masterClrMapping/>
+  </p:clrMapOvr>
+</p:sld>
+</file>
+
+<file path=ppt/slides/slide24.xml><?xml version="1.0" encoding="utf-8"?>
+<p:sld xmlns:a="http://schemas.openxmlformats.org/drawingml/2006/main" xmlns:r="http://schemas.openxmlformats.org/officeDocument/2006/relationships" xmlns:p="http://schemas.openxmlformats.org/presentationml/2006/main">
+  <p:cSld>
+    <p:spTree>
+      <p:nvGrpSpPr>
+        <p:cNvPr id="1" name=""/>
+        <p:cNvGrpSpPr/>
+        <p:nvPr/>
+      </p:nvGrpSpPr>
+      <p:grpSpPr>
+        <a:xfrm>
+          <a:off x="0" y="0"/>
+          <a:ext cx="0" cy="0"/>
+          <a:chOff x="0" y="0"/>
+          <a:chExt cx="0" cy="0"/>
+        </a:xfrm>
+      </p:grpSpPr>
+      <p:sp>
+        <p:nvSpPr>
+          <p:cNvPr id="68609" name="Title 1">
+            <a:extLst>
+              <a:ext uri="{FF2B5EF4-FFF2-40B4-BE49-F238E27FC236}">
+                <a16:creationId xmlns:a16="http://schemas.microsoft.com/office/drawing/2014/main" id="{CB0A2A95-A5D7-491D-AF11-3302E5E0B5BC}"/>
+              </a:ext>
+            </a:extLst>
+          </p:cNvPr>
+          <p:cNvSpPr>
+            <a:spLocks noGrp="1"/>
+          </p:cNvSpPr>
+          <p:nvPr>
+            <p:ph type="title"/>
+          </p:nvPr>
+        </p:nvSpPr>
+        <p:spPr>
+          <a:xfrm>
+            <a:off x="1115909" y="233853"/>
+            <a:ext cx="7710854" cy="576262"/>
+          </a:xfrm>
+        </p:spPr>
+        <p:txBody>
+          <a:bodyPr/>
+          <a:lstStyle/>
+          <a:p>
+            <a:r>
+              <a:rPr lang="en-US" altLang="en-US" dirty="0"/>
+              <a:t>Bounded Buffer – Java </a:t>
+            </a:r>
+            <a:r>
+              <a:rPr lang="en-US" altLang="en-US" sz="3000" dirty="0"/>
+              <a:t>Synchronization</a:t>
+            </a:r>
+          </a:p>
+        </p:txBody>
+      </p:sp>
+      <p:pic>
+        <p:nvPicPr>
+          <p:cNvPr id="68610" name="Picture 3">
+            <a:extLst>
+              <a:ext uri="{FF2B5EF4-FFF2-40B4-BE49-F238E27FC236}">
+                <a16:creationId xmlns:a16="http://schemas.microsoft.com/office/drawing/2014/main" id="{3C0AD0FA-0D7E-4059-A18C-3C09FE643F98}"/>
+              </a:ext>
+            </a:extLst>
+          </p:cNvPr>
+          <p:cNvPicPr>
+            <a:picLocks noChangeAspect="1"/>
+          </p:cNvPicPr>
+          <p:nvPr/>
+        </p:nvPicPr>
+        <p:blipFill>
+          <a:blip r:embed="rId2">
+            <a:extLst>
+              <a:ext uri="{28A0092B-C50C-407E-A947-70E740481C1C}">
+                <a14:useLocalDpi xmlns:a14="http://schemas.microsoft.com/office/drawing/2010/main" val="0"/>
+              </a:ext>
+            </a:extLst>
+          </a:blip>
+          <a:srcRect/>
+          <a:stretch>
+            <a:fillRect/>
+          </a:stretch>
+        </p:blipFill>
+        <p:spPr bwMode="auto">
+          <a:xfrm>
+            <a:off x="1981200" y="1430338"/>
+            <a:ext cx="5181600" cy="3683000"/>
+          </a:xfrm>
+          <a:prstGeom prst="rect">
+            <a:avLst/>
+          </a:prstGeom>
+          <a:noFill/>
+          <a:ln>
+            <a:noFill/>
+          </a:ln>
+          <a:extLst>
+            <a:ext uri="{909E8E84-426E-40DD-AFC4-6F175D3DCCD1}">
+              <a14:hiddenFill xmlns:a14="http://schemas.microsoft.com/office/drawing/2010/main">
+                <a:solidFill>
+                  <a:srgbClr val="FFFFFF"/>
+                </a:solidFill>
+              </a14:hiddenFill>
+            </a:ext>
+            <a:ext uri="{91240B29-F687-4F45-9708-019B960494DF}">
+              <a14:hiddenLine xmlns:a14="http://schemas.microsoft.com/office/drawing/2010/main" w="9525">
+                <a:solidFill>
+                  <a:srgbClr val="000000"/>
+                </a:solidFill>
+                <a:miter lim="800000"/>
+                <a:headEnd/>
+                <a:tailEnd/>
+              </a14:hiddenLine>
+            </a:ext>
+          </a:extLst>
+        </p:spPr>
+      </p:pic>
+    </p:spTree>
+  </p:cSld>
+  <p:clrMapOvr>
+    <a:masterClrMapping/>
+  </p:clrMapOvr>
+</p:sld>
+</file>
+
+<file path=ppt/slides/slide25.xml><?xml version="1.0" encoding="utf-8"?>
+<p:sld xmlns:a="http://schemas.openxmlformats.org/drawingml/2006/main" xmlns:r="http://schemas.openxmlformats.org/officeDocument/2006/relationships" xmlns:p="http://schemas.openxmlformats.org/presentationml/2006/main">
+  <p:cSld>
+    <p:spTree>
+      <p:nvGrpSpPr>
+        <p:cNvPr id="1" name=""/>
+        <p:cNvGrpSpPr/>
+        <p:nvPr/>
+      </p:nvGrpSpPr>
+      <p:grpSpPr>
+        <a:xfrm>
+          <a:off x="0" y="0"/>
+          <a:ext cx="0" cy="0"/>
+          <a:chOff x="0" y="0"/>
+          <a:chExt cx="0" cy="0"/>
+        </a:xfrm>
+      </p:grpSpPr>
+      <p:pic>
+        <p:nvPicPr>
+          <p:cNvPr id="69634" name="Picture 2">
+            <a:extLst>
+              <a:ext uri="{FF2B5EF4-FFF2-40B4-BE49-F238E27FC236}">
+                <a16:creationId xmlns:a16="http://schemas.microsoft.com/office/drawing/2014/main" id="{774C936A-0F55-4C6A-A679-31574757C09A}"/>
+              </a:ext>
+            </a:extLst>
+          </p:cNvPr>
+          <p:cNvPicPr>
+            <a:picLocks noChangeAspect="1"/>
+          </p:cNvPicPr>
+          <p:nvPr/>
+        </p:nvPicPr>
+        <p:blipFill>
+          <a:blip r:embed="rId2">
+            <a:extLst>
+              <a:ext uri="{28A0092B-C50C-407E-A947-70E740481C1C}">
+                <a14:useLocalDpi xmlns:a14="http://schemas.microsoft.com/office/drawing/2010/main" val="0"/>
+              </a:ext>
+            </a:extLst>
+          </a:blip>
+          <a:srcRect/>
+          <a:stretch>
+            <a:fillRect/>
+          </a:stretch>
+        </p:blipFill>
+        <p:spPr bwMode="auto">
+          <a:xfrm>
+            <a:off x="2082800" y="1117600"/>
+            <a:ext cx="4978400" cy="4622800"/>
+          </a:xfrm>
+          <a:prstGeom prst="rect">
+            <a:avLst/>
+          </a:prstGeom>
+          <a:noFill/>
+          <a:ln>
+            <a:noFill/>
+          </a:ln>
+          <a:extLst>
+            <a:ext uri="{909E8E84-426E-40DD-AFC4-6F175D3DCCD1}">
+              <a14:hiddenFill xmlns:a14="http://schemas.microsoft.com/office/drawing/2010/main">
+                <a:solidFill>
+                  <a:srgbClr val="FFFFFF"/>
+                </a:solidFill>
+              </a14:hiddenFill>
+            </a:ext>
+            <a:ext uri="{91240B29-F687-4F45-9708-019B960494DF}">
+              <a14:hiddenLine xmlns:a14="http://schemas.microsoft.com/office/drawing/2010/main" w="9525">
+                <a:solidFill>
+                  <a:srgbClr val="000000"/>
+                </a:solidFill>
+                <a:miter lim="800000"/>
+                <a:headEnd/>
+                <a:tailEnd/>
+              </a14:hiddenLine>
+            </a:ext>
+          </a:extLst>
+        </p:spPr>
+      </p:pic>
+      <p:sp>
+        <p:nvSpPr>
+          <p:cNvPr id="6" name="Title 1">
+            <a:extLst>
+              <a:ext uri="{FF2B5EF4-FFF2-40B4-BE49-F238E27FC236}">
+                <a16:creationId xmlns:a16="http://schemas.microsoft.com/office/drawing/2014/main" id="{BA6FADAB-7679-4243-9B89-C3DB7341ED70}"/>
+              </a:ext>
+            </a:extLst>
+          </p:cNvPr>
+          <p:cNvSpPr>
+            <a:spLocks noGrp="1"/>
+          </p:cNvSpPr>
+          <p:nvPr>
+            <p:ph type="title"/>
+          </p:nvPr>
+        </p:nvSpPr>
+        <p:spPr>
+          <a:xfrm>
+            <a:off x="1115908" y="233853"/>
+            <a:ext cx="7710854" cy="576262"/>
+          </a:xfrm>
+        </p:spPr>
+        <p:txBody>
+          <a:bodyPr/>
+          <a:lstStyle/>
+          <a:p>
+            <a:r>
+              <a:rPr lang="en-US" altLang="en-US" dirty="0"/>
+              <a:t>Bounded Buffer – Java </a:t>
+            </a:r>
+            <a:r>
+              <a:rPr lang="en-US" altLang="en-US" sz="3000" dirty="0"/>
+              <a:t>Synchronization</a:t>
+            </a:r>
+          </a:p>
+        </p:txBody>
+      </p:sp>
+    </p:spTree>
+  </p:cSld>
+  <p:clrMapOvr>
+    <a:masterClrMapping/>
+  </p:clrMapOvr>
+</p:sld>
+</file>
+
+<file path=ppt/slides/slide26.xml><?xml version="1.0" encoding="utf-8"?>
+<p:sld xmlns:a="http://schemas.openxmlformats.org/drawingml/2006/main" xmlns:r="http://schemas.openxmlformats.org/officeDocument/2006/relationships" xmlns:p="http://schemas.openxmlformats.org/presentationml/2006/main">
+  <p:cSld>
+    <p:spTree>
+      <p:nvGrpSpPr>
+        <p:cNvPr id="1" name=""/>
+        <p:cNvGrpSpPr/>
+        <p:nvPr/>
+      </p:nvGrpSpPr>
+      <p:grpSpPr>
+        <a:xfrm>
+          <a:off x="0" y="0"/>
+          <a:ext cx="0" cy="0"/>
+          <a:chOff x="0" y="0"/>
+          <a:chExt cx="0" cy="0"/>
+        </a:xfrm>
+      </p:grpSpPr>
+      <p:sp>
+        <p:nvSpPr>
+          <p:cNvPr id="70657" name="Title 1">
+            <a:extLst>
+              <a:ext uri="{FF2B5EF4-FFF2-40B4-BE49-F238E27FC236}">
+                <a16:creationId xmlns:a16="http://schemas.microsoft.com/office/drawing/2014/main" id="{40EB4ADD-CC1F-4359-94C7-3F9CF5B4B298}"/>
+              </a:ext>
+            </a:extLst>
+          </p:cNvPr>
+          <p:cNvSpPr>
+            <a:spLocks noGrp="1"/>
+          </p:cNvSpPr>
+          <p:nvPr>
+            <p:ph type="title"/>
+          </p:nvPr>
+        </p:nvSpPr>
+        <p:spPr>
+          <a:xfrm>
+            <a:off x="975946" y="224522"/>
+            <a:ext cx="7710854" cy="576262"/>
+          </a:xfrm>
+        </p:spPr>
+        <p:txBody>
+          <a:bodyPr/>
+          <a:lstStyle/>
+          <a:p>
+            <a:r>
+              <a:rPr lang="en-US" altLang="en-US" dirty="0"/>
+              <a:t>Java Reentrant Locks</a:t>
+            </a:r>
+          </a:p>
+        </p:txBody>
+      </p:sp>
+      <p:sp>
+        <p:nvSpPr>
+          <p:cNvPr id="70658" name="Content Placeholder 2">
+            <a:extLst>
+              <a:ext uri="{FF2B5EF4-FFF2-40B4-BE49-F238E27FC236}">
+                <a16:creationId xmlns:a16="http://schemas.microsoft.com/office/drawing/2014/main" id="{59E6C93E-7F33-4CC2-9EEF-9C2059B2511F}"/>
+              </a:ext>
+            </a:extLst>
+          </p:cNvPr>
+          <p:cNvSpPr>
+            <a:spLocks noGrp="1"/>
+          </p:cNvSpPr>
+          <p:nvPr>
+            <p:ph idx="1"/>
+          </p:nvPr>
+        </p:nvSpPr>
+        <p:spPr/>
+        <p:txBody>
+          <a:bodyPr/>
+          <a:lstStyle/>
+          <a:p>
+            <a:r>
+              <a:rPr lang="en-US" altLang="en-US"/>
+              <a:t>Similar to mutex locks</a:t>
+            </a:r>
+          </a:p>
+          <a:p>
+            <a:r>
+              <a:rPr lang="en-US" altLang="en-US"/>
+              <a:t>The </a:t>
+            </a:r>
+            <a:r>
+              <a:rPr lang="en-US" altLang="en-US" b="1">
+                <a:latin typeface="Courier New" panose="02070309020205020404" pitchFamily="49" charset="0"/>
+                <a:cs typeface="Courier New" panose="02070309020205020404" pitchFamily="49" charset="0"/>
+              </a:rPr>
+              <a:t>finally</a:t>
+            </a:r>
+            <a:r>
+              <a:rPr lang="en-US" altLang="en-US"/>
+              <a:t> clause ensures the lock will be released in case an exception occurs in the </a:t>
+            </a:r>
+            <a:r>
+              <a:rPr lang="en-US" altLang="en-US" b="1">
+                <a:latin typeface="Courier New" panose="02070309020205020404" pitchFamily="49" charset="0"/>
+                <a:cs typeface="Courier New" panose="02070309020205020404" pitchFamily="49" charset="0"/>
+              </a:rPr>
+              <a:t>try</a:t>
+            </a:r>
+            <a:r>
+              <a:rPr lang="en-US" altLang="en-US"/>
+              <a:t> block.</a:t>
+            </a:r>
+          </a:p>
+          <a:p>
+            <a:endParaRPr lang="en-US" altLang="en-US"/>
+          </a:p>
+        </p:txBody>
+      </p:sp>
+      <p:pic>
+        <p:nvPicPr>
+          <p:cNvPr id="70659" name="Picture 3">
+            <a:extLst>
+              <a:ext uri="{FF2B5EF4-FFF2-40B4-BE49-F238E27FC236}">
+                <a16:creationId xmlns:a16="http://schemas.microsoft.com/office/drawing/2014/main" id="{8B5C645E-E8BC-4552-9C51-283654CC2DB4}"/>
+              </a:ext>
+            </a:extLst>
+          </p:cNvPr>
+          <p:cNvPicPr>
+            <a:picLocks noChangeAspect="1"/>
+          </p:cNvPicPr>
+          <p:nvPr/>
+        </p:nvPicPr>
+        <p:blipFill>
+          <a:blip r:embed="rId2">
+            <a:extLst>
+              <a:ext uri="{28A0092B-C50C-407E-A947-70E740481C1C}">
+                <a14:useLocalDpi xmlns:a14="http://schemas.microsoft.com/office/drawing/2010/main" val="0"/>
+              </a:ext>
+            </a:extLst>
+          </a:blip>
+          <a:srcRect/>
+          <a:stretch>
+            <a:fillRect/>
+          </a:stretch>
+        </p:blipFill>
+        <p:spPr bwMode="auto">
+          <a:xfrm>
+            <a:off x="2628900" y="2298700"/>
+            <a:ext cx="3886200" cy="2260600"/>
+          </a:xfrm>
+          <a:prstGeom prst="rect">
+            <a:avLst/>
+          </a:prstGeom>
+          <a:noFill/>
+          <a:ln>
+            <a:noFill/>
+          </a:ln>
+          <a:extLst>
+            <a:ext uri="{909E8E84-426E-40DD-AFC4-6F175D3DCCD1}">
+              <a14:hiddenFill xmlns:a14="http://schemas.microsoft.com/office/drawing/2010/main">
+                <a:solidFill>
+                  <a:srgbClr val="FFFFFF"/>
+                </a:solidFill>
+              </a14:hiddenFill>
+            </a:ext>
+            <a:ext uri="{91240B29-F687-4F45-9708-019B960494DF}">
+              <a14:hiddenLine xmlns:a14="http://schemas.microsoft.com/office/drawing/2010/main" w="9525">
+                <a:solidFill>
+                  <a:srgbClr val="000000"/>
+                </a:solidFill>
+                <a:miter lim="800000"/>
+                <a:headEnd/>
+                <a:tailEnd/>
+              </a14:hiddenLine>
+            </a:ext>
+          </a:extLst>
+        </p:spPr>
+      </p:pic>
+    </p:spTree>
+  </p:cSld>
+  <p:clrMapOvr>
+    <a:masterClrMapping/>
+  </p:clrMapOvr>
+</p:sld>
+</file>
+
+<file path=ppt/slides/slide27.xml><?xml version="1.0" encoding="utf-8"?>
+<p:sld xmlns:a="http://schemas.openxmlformats.org/drawingml/2006/main" xmlns:r="http://schemas.openxmlformats.org/officeDocument/2006/relationships" xmlns:p="http://schemas.openxmlformats.org/presentationml/2006/main">
+  <p:cSld>
+    <p:spTree>
+      <p:nvGrpSpPr>
+        <p:cNvPr id="1" name=""/>
+        <p:cNvGrpSpPr/>
+        <p:nvPr/>
+      </p:nvGrpSpPr>
+      <p:grpSpPr>
+        <a:xfrm>
+          <a:off x="0" y="0"/>
+          <a:ext cx="0" cy="0"/>
+          <a:chOff x="0" y="0"/>
+          <a:chExt cx="0" cy="0"/>
+        </a:xfrm>
+      </p:grpSpPr>
+      <p:sp>
+        <p:nvSpPr>
+          <p:cNvPr id="71681" name="Title 1">
+            <a:extLst>
+              <a:ext uri="{FF2B5EF4-FFF2-40B4-BE49-F238E27FC236}">
+                <a16:creationId xmlns:a16="http://schemas.microsoft.com/office/drawing/2014/main" id="{E5074858-113B-4B67-8FB6-08771C6D57AB}"/>
+              </a:ext>
+            </a:extLst>
+          </p:cNvPr>
+          <p:cNvSpPr>
+            <a:spLocks noGrp="1"/>
+          </p:cNvSpPr>
+          <p:nvPr>
+            <p:ph type="title"/>
+          </p:nvPr>
+        </p:nvSpPr>
+        <p:spPr>
+          <a:xfrm>
+            <a:off x="975946" y="224522"/>
+            <a:ext cx="7710854" cy="576262"/>
+          </a:xfrm>
+        </p:spPr>
+        <p:txBody>
+          <a:bodyPr/>
+          <a:lstStyle/>
+          <a:p>
+            <a:r>
+              <a:rPr lang="en-US" altLang="en-US" dirty="0"/>
+              <a:t>Java Semaphores</a:t>
+            </a:r>
+          </a:p>
+        </p:txBody>
+      </p:sp>
+      <p:sp>
+        <p:nvSpPr>
+          <p:cNvPr id="71682" name="Content Placeholder 2">
+            <a:extLst>
+              <a:ext uri="{FF2B5EF4-FFF2-40B4-BE49-F238E27FC236}">
+                <a16:creationId xmlns:a16="http://schemas.microsoft.com/office/drawing/2014/main" id="{18E6D7F5-1113-455F-8371-62DEC0AF2280}"/>
+              </a:ext>
+            </a:extLst>
+          </p:cNvPr>
+          <p:cNvSpPr>
+            <a:spLocks noGrp="1"/>
+          </p:cNvSpPr>
+          <p:nvPr>
+            <p:ph idx="1"/>
+          </p:nvPr>
+        </p:nvSpPr>
+        <p:spPr/>
+        <p:txBody>
+          <a:bodyPr/>
+          <a:lstStyle/>
+          <a:p>
+            <a:r>
+              <a:rPr lang="en-US" altLang="en-US"/>
+              <a:t>Constructor:</a:t>
+            </a:r>
+            <a:br>
+              <a:rPr lang="en-US" altLang="en-US"/>
+            </a:br>
+            <a:br>
+              <a:rPr lang="en-US" altLang="en-US"/>
+            </a:br>
+            <a:endParaRPr lang="en-US" altLang="en-US"/>
+          </a:p>
+          <a:p>
+            <a:r>
+              <a:rPr lang="en-US" altLang="en-US"/>
+              <a:t>Usage:</a:t>
+            </a:r>
+          </a:p>
+          <a:p>
+            <a:endParaRPr lang="en-US" altLang="en-US"/>
+          </a:p>
+        </p:txBody>
+      </p:sp>
+      <p:pic>
+        <p:nvPicPr>
+          <p:cNvPr id="71683" name="Picture 4">
+            <a:extLst>
+              <a:ext uri="{FF2B5EF4-FFF2-40B4-BE49-F238E27FC236}">
+                <a16:creationId xmlns:a16="http://schemas.microsoft.com/office/drawing/2014/main" id="{9A958ADA-1FCB-4E3A-953C-B6B05A26B734}"/>
+              </a:ext>
+            </a:extLst>
+          </p:cNvPr>
+          <p:cNvPicPr>
+            <a:picLocks noChangeAspect="1"/>
+          </p:cNvPicPr>
+          <p:nvPr/>
+        </p:nvPicPr>
+        <p:blipFill>
+          <a:blip r:embed="rId2">
+            <a:extLst>
+              <a:ext uri="{28A0092B-C50C-407E-A947-70E740481C1C}">
+                <a14:useLocalDpi xmlns:a14="http://schemas.microsoft.com/office/drawing/2010/main" val="0"/>
+              </a:ext>
+            </a:extLst>
+          </a:blip>
+          <a:srcRect/>
+          <a:stretch>
+            <a:fillRect/>
+          </a:stretch>
+        </p:blipFill>
+        <p:spPr bwMode="auto">
+          <a:xfrm>
+            <a:off x="1981200" y="1614488"/>
+            <a:ext cx="2590800" cy="406400"/>
+          </a:xfrm>
+          <a:prstGeom prst="rect">
+            <a:avLst/>
+          </a:prstGeom>
+          <a:noFill/>
+          <a:ln>
+            <a:noFill/>
+          </a:ln>
+          <a:extLst>
+            <a:ext uri="{909E8E84-426E-40DD-AFC4-6F175D3DCCD1}">
+              <a14:hiddenFill xmlns:a14="http://schemas.microsoft.com/office/drawing/2010/main">
+                <a:solidFill>
+                  <a:srgbClr val="FFFFFF"/>
+                </a:solidFill>
+              </a14:hiddenFill>
+            </a:ext>
+            <a:ext uri="{91240B29-F687-4F45-9708-019B960494DF}">
+              <a14:hiddenLine xmlns:a14="http://schemas.microsoft.com/office/drawing/2010/main" w="9525">
+                <a:solidFill>
+                  <a:srgbClr val="000000"/>
+                </a:solidFill>
+                <a:miter lim="800000"/>
+                <a:headEnd/>
+                <a:tailEnd/>
+              </a14:hiddenLine>
+            </a:ext>
+          </a:extLst>
+        </p:spPr>
+      </p:pic>
+      <p:pic>
+        <p:nvPicPr>
+          <p:cNvPr id="71684" name="Picture 5">
+            <a:extLst>
+              <a:ext uri="{FF2B5EF4-FFF2-40B4-BE49-F238E27FC236}">
+                <a16:creationId xmlns:a16="http://schemas.microsoft.com/office/drawing/2014/main" id="{1EFA6A71-037A-4869-8A12-B495785D6368}"/>
+              </a:ext>
+            </a:extLst>
+          </p:cNvPr>
+          <p:cNvPicPr>
+            <a:picLocks noChangeAspect="1"/>
+          </p:cNvPicPr>
+          <p:nvPr/>
+        </p:nvPicPr>
+        <p:blipFill>
+          <a:blip r:embed="rId3">
+            <a:extLst>
+              <a:ext uri="{28A0092B-C50C-407E-A947-70E740481C1C}">
+                <a14:useLocalDpi xmlns:a14="http://schemas.microsoft.com/office/drawing/2010/main" val="0"/>
+              </a:ext>
+            </a:extLst>
+          </a:blip>
+          <a:srcRect/>
+          <a:stretch>
+            <a:fillRect/>
+          </a:stretch>
+        </p:blipFill>
+        <p:spPr bwMode="auto">
+          <a:xfrm>
+            <a:off x="1911350" y="2720975"/>
+            <a:ext cx="4838700" cy="2552700"/>
+          </a:xfrm>
+          <a:prstGeom prst="rect">
+            <a:avLst/>
+          </a:prstGeom>
+          <a:noFill/>
+          <a:ln>
+            <a:noFill/>
+          </a:ln>
+          <a:extLst>
+            <a:ext uri="{909E8E84-426E-40DD-AFC4-6F175D3DCCD1}">
+              <a14:hiddenFill xmlns:a14="http://schemas.microsoft.com/office/drawing/2010/main">
+                <a:solidFill>
+                  <a:srgbClr val="FFFFFF"/>
+                </a:solidFill>
+              </a14:hiddenFill>
+            </a:ext>
+            <a:ext uri="{91240B29-F687-4F45-9708-019B960494DF}">
+              <a14:hiddenLine xmlns:a14="http://schemas.microsoft.com/office/drawing/2010/main" w="9525">
+                <a:solidFill>
+                  <a:srgbClr val="000000"/>
+                </a:solidFill>
+                <a:miter lim="800000"/>
+                <a:headEnd/>
+                <a:tailEnd/>
+              </a14:hiddenLine>
+            </a:ext>
+          </a:extLst>
+        </p:spPr>
+      </p:pic>
+    </p:spTree>
+  </p:cSld>
+  <p:clrMapOvr>
+    <a:masterClrMapping/>
+  </p:clrMapOvr>
+</p:sld>
+</file>
+
+<file path=ppt/slides/slide28.xml><?xml version="1.0" encoding="utf-8"?>
+<p:sld xmlns:a="http://schemas.openxmlformats.org/drawingml/2006/main" xmlns:r="http://schemas.openxmlformats.org/officeDocument/2006/relationships" xmlns:p="http://schemas.openxmlformats.org/presentationml/2006/main">
+  <p:cSld>
+    <p:spTree>
+      <p:nvGrpSpPr>
+        <p:cNvPr id="1" name=""/>
+        <p:cNvGrpSpPr/>
+        <p:nvPr/>
+      </p:nvGrpSpPr>
+      <p:grpSpPr>
+        <a:xfrm>
+          <a:off x="0" y="0"/>
+          <a:ext cx="0" cy="0"/>
+          <a:chOff x="0" y="0"/>
+          <a:chExt cx="0" cy="0"/>
+        </a:xfrm>
+      </p:grpSpPr>
+      <p:sp>
+        <p:nvSpPr>
+          <p:cNvPr id="72705" name="Title 1">
+            <a:extLst>
+              <a:ext uri="{FF2B5EF4-FFF2-40B4-BE49-F238E27FC236}">
+                <a16:creationId xmlns:a16="http://schemas.microsoft.com/office/drawing/2014/main" id="{D98F2754-6585-4F5C-8778-9F577B8B47B9}"/>
+              </a:ext>
+            </a:extLst>
+          </p:cNvPr>
+          <p:cNvSpPr>
+            <a:spLocks noGrp="1"/>
+          </p:cNvSpPr>
+          <p:nvPr>
+            <p:ph type="title"/>
+          </p:nvPr>
+        </p:nvSpPr>
+        <p:spPr>
+          <a:xfrm>
+            <a:off x="975946" y="224522"/>
+            <a:ext cx="7710854" cy="576262"/>
+          </a:xfrm>
+        </p:spPr>
+        <p:txBody>
+          <a:bodyPr/>
+          <a:lstStyle/>
+          <a:p>
+            <a:r>
+              <a:rPr lang="en-US" altLang="en-US" dirty="0"/>
+              <a:t>Java Condition Variables</a:t>
+            </a:r>
+          </a:p>
+        </p:txBody>
+      </p:sp>
+      <p:sp>
+        <p:nvSpPr>
+          <p:cNvPr id="72706" name="Content Placeholder 2">
+            <a:extLst>
+              <a:ext uri="{FF2B5EF4-FFF2-40B4-BE49-F238E27FC236}">
+                <a16:creationId xmlns:a16="http://schemas.microsoft.com/office/drawing/2014/main" id="{BA141165-0B49-4685-9BA1-00EE0E479147}"/>
+              </a:ext>
+            </a:extLst>
+          </p:cNvPr>
+          <p:cNvSpPr>
+            <a:spLocks noGrp="1"/>
+          </p:cNvSpPr>
+          <p:nvPr>
+            <p:ph idx="1"/>
+          </p:nvPr>
+        </p:nvSpPr>
+        <p:spPr/>
+        <p:txBody>
+          <a:bodyPr/>
+          <a:lstStyle/>
+          <a:p>
+            <a:r>
+              <a:rPr lang="en-US" altLang="en-US" dirty="0"/>
+              <a:t>Condition variables are associated with an </a:t>
+            </a:r>
+            <a:r>
+              <a:rPr lang="en-US" altLang="en-US" b="1" dirty="0" err="1">
+                <a:latin typeface="Courier New" panose="02070309020205020404" pitchFamily="49" charset="0"/>
+                <a:cs typeface="Courier New" panose="02070309020205020404" pitchFamily="49" charset="0"/>
+              </a:rPr>
+              <a:t>ReentrantLock</a:t>
+            </a:r>
+            <a:r>
+              <a:rPr lang="en-US" altLang="en-US" dirty="0"/>
+              <a:t>.</a:t>
+            </a:r>
+          </a:p>
+          <a:p>
+            <a:r>
+              <a:rPr lang="en-US" altLang="en-US" dirty="0"/>
+              <a:t>Creating a condition variable using </a:t>
+            </a:r>
+            <a:r>
+              <a:rPr lang="en-US" altLang="en-US" b="1" dirty="0" err="1">
+                <a:latin typeface="Courier New" panose="02070309020205020404" pitchFamily="49" charset="0"/>
+                <a:cs typeface="Courier New" panose="02070309020205020404" pitchFamily="49" charset="0"/>
+              </a:rPr>
+              <a:t>newCondition</a:t>
+            </a:r>
+            <a:r>
+              <a:rPr lang="en-US" altLang="en-US" b="1" dirty="0">
+                <a:latin typeface="Courier New" panose="02070309020205020404" pitchFamily="49" charset="0"/>
+                <a:cs typeface="Courier New" panose="02070309020205020404" pitchFamily="49" charset="0"/>
+              </a:rPr>
+              <a:t>()</a:t>
+            </a:r>
+            <a:r>
+              <a:rPr lang="en-US" altLang="en-US" dirty="0"/>
+              <a:t> method of </a:t>
+            </a:r>
+            <a:r>
+              <a:rPr lang="en-US" altLang="en-US" b="1" dirty="0" err="1">
+                <a:latin typeface="Courier New" panose="02070309020205020404" pitchFamily="49" charset="0"/>
+                <a:cs typeface="Courier New" panose="02070309020205020404" pitchFamily="49" charset="0"/>
+              </a:rPr>
+              <a:t>ReentrantLock</a:t>
+            </a:r>
+            <a:r>
+              <a:rPr lang="en-US" altLang="en-US" dirty="0"/>
+              <a:t>:</a:t>
+            </a:r>
+            <a:br>
+              <a:rPr lang="en-US" altLang="en-US" dirty="0"/>
+            </a:br>
+            <a:br>
+              <a:rPr lang="en-US" altLang="en-US" dirty="0"/>
+            </a:br>
+            <a:br>
+              <a:rPr lang="en-US" altLang="en-US" dirty="0"/>
+            </a:br>
+            <a:endParaRPr lang="en-US" altLang="en-US" dirty="0"/>
+          </a:p>
+          <a:p>
+            <a:r>
+              <a:rPr lang="en-US" altLang="en-US" dirty="0"/>
+              <a:t>A thread waits by calling the </a:t>
+            </a:r>
+            <a:r>
+              <a:rPr lang="en-US" altLang="en-US" b="1" dirty="0">
+                <a:latin typeface="Courier New" panose="02070309020205020404" pitchFamily="49" charset="0"/>
+                <a:cs typeface="Courier New" panose="02070309020205020404" pitchFamily="49" charset="0"/>
+              </a:rPr>
+              <a:t>await()</a:t>
+            </a:r>
+            <a:r>
+              <a:rPr lang="en-US" altLang="en-US" dirty="0"/>
+              <a:t> method, and signals by calling the </a:t>
+            </a:r>
+            <a:r>
+              <a:rPr lang="en-US" altLang="en-US" b="1" dirty="0">
+                <a:latin typeface="Courier New" panose="02070309020205020404" pitchFamily="49" charset="0"/>
+                <a:cs typeface="Courier New" panose="02070309020205020404" pitchFamily="49" charset="0"/>
+              </a:rPr>
+              <a:t>signal()</a:t>
+            </a:r>
+            <a:r>
+              <a:rPr lang="en-US" altLang="en-US" dirty="0"/>
+              <a:t> method.</a:t>
+            </a:r>
+          </a:p>
+          <a:p>
+            <a:endParaRPr lang="en-US" altLang="en-US" dirty="0"/>
+          </a:p>
+        </p:txBody>
+      </p:sp>
+      <p:pic>
+        <p:nvPicPr>
+          <p:cNvPr id="72707" name="Picture 3">
+            <a:extLst>
+              <a:ext uri="{FF2B5EF4-FFF2-40B4-BE49-F238E27FC236}">
+                <a16:creationId xmlns:a16="http://schemas.microsoft.com/office/drawing/2014/main" id="{319DAF66-BF33-4C59-85BB-AAC5407455F6}"/>
+              </a:ext>
+            </a:extLst>
+          </p:cNvPr>
+          <p:cNvPicPr>
+            <a:picLocks noChangeAspect="1"/>
+          </p:cNvPicPr>
+          <p:nvPr/>
+        </p:nvPicPr>
+        <p:blipFill>
+          <a:blip r:embed="rId2">
+            <a:extLst>
+              <a:ext uri="{28A0092B-C50C-407E-A947-70E740481C1C}">
+                <a14:useLocalDpi xmlns:a14="http://schemas.microsoft.com/office/drawing/2010/main" val="0"/>
+              </a:ext>
+            </a:extLst>
+          </a:blip>
+          <a:srcRect/>
+          <a:stretch>
+            <a:fillRect/>
+          </a:stretch>
+        </p:blipFill>
+        <p:spPr bwMode="auto">
+          <a:xfrm>
+            <a:off x="1998663" y="2382838"/>
+            <a:ext cx="4559300" cy="546100"/>
+          </a:xfrm>
+          <a:prstGeom prst="rect">
+            <a:avLst/>
+          </a:prstGeom>
+          <a:noFill/>
+          <a:ln>
+            <a:noFill/>
+          </a:ln>
+          <a:extLst>
+            <a:ext uri="{909E8E84-426E-40DD-AFC4-6F175D3DCCD1}">
+              <a14:hiddenFill xmlns:a14="http://schemas.microsoft.com/office/drawing/2010/main">
+                <a:solidFill>
+                  <a:srgbClr val="FFFFFF"/>
+                </a:solidFill>
+              </a14:hiddenFill>
+            </a:ext>
+            <a:ext uri="{91240B29-F687-4F45-9708-019B960494DF}">
+              <a14:hiddenLine xmlns:a14="http://schemas.microsoft.com/office/drawing/2010/main" w="9525">
+                <a:solidFill>
+                  <a:srgbClr val="000000"/>
+                </a:solidFill>
+                <a:miter lim="800000"/>
+                <a:headEnd/>
+                <a:tailEnd/>
+              </a14:hiddenLine>
+            </a:ext>
+          </a:extLst>
+        </p:spPr>
+      </p:pic>
+    </p:spTree>
+  </p:cSld>
+  <p:clrMapOvr>
+    <a:masterClrMapping/>
+  </p:clrMapOvr>
+</p:sld>
+</file>
+
+<file path=ppt/slides/slide29.xml><?xml version="1.0" encoding="utf-8"?>
+<p:sld xmlns:a="http://schemas.openxmlformats.org/drawingml/2006/main" xmlns:r="http://schemas.openxmlformats.org/officeDocument/2006/relationships" xmlns:p="http://schemas.openxmlformats.org/presentationml/2006/main">
+  <p:cSld>
+    <p:spTree>
+      <p:nvGrpSpPr>
+        <p:cNvPr id="1" name=""/>
+        <p:cNvGrpSpPr/>
+        <p:nvPr/>
+      </p:nvGrpSpPr>
+      <p:grpSpPr>
+        <a:xfrm>
+          <a:off x="0" y="0"/>
+          <a:ext cx="0" cy="0"/>
+          <a:chOff x="0" y="0"/>
+          <a:chExt cx="0" cy="0"/>
+        </a:xfrm>
+      </p:grpSpPr>
+      <p:sp>
+        <p:nvSpPr>
+          <p:cNvPr id="73729" name="Title 1">
+            <a:extLst>
+              <a:ext uri="{FF2B5EF4-FFF2-40B4-BE49-F238E27FC236}">
+                <a16:creationId xmlns:a16="http://schemas.microsoft.com/office/drawing/2014/main" id="{D682193C-8001-4466-AD49-43F8DFE3660B}"/>
+              </a:ext>
+            </a:extLst>
+          </p:cNvPr>
+          <p:cNvSpPr>
+            <a:spLocks noGrp="1"/>
+          </p:cNvSpPr>
+          <p:nvPr>
+            <p:ph type="title"/>
+          </p:nvPr>
+        </p:nvSpPr>
+        <p:spPr/>
+        <p:txBody>
+          <a:bodyPr/>
+          <a:lstStyle/>
+          <a:p>
+            <a:r>
+              <a:rPr lang="en-US" altLang="en-US" dirty="0"/>
+              <a:t>Java Condition Variables</a:t>
+            </a:r>
+          </a:p>
+        </p:txBody>
+      </p:sp>
+      <p:sp>
+        <p:nvSpPr>
+          <p:cNvPr id="73730" name="Content Placeholder 2">
+            <a:extLst>
+              <a:ext uri="{FF2B5EF4-FFF2-40B4-BE49-F238E27FC236}">
+                <a16:creationId xmlns:a16="http://schemas.microsoft.com/office/drawing/2014/main" id="{2DAA0B1E-86CC-4AED-AB12-015FBBA65409}"/>
+              </a:ext>
+            </a:extLst>
+          </p:cNvPr>
+          <p:cNvSpPr>
+            <a:spLocks noGrp="1"/>
+          </p:cNvSpPr>
+          <p:nvPr>
+            <p:ph idx="1"/>
+          </p:nvPr>
+        </p:nvSpPr>
+        <p:spPr>
+          <a:xfrm>
+            <a:off x="806450" y="1233488"/>
+            <a:ext cx="8229600" cy="4837112"/>
+          </a:xfrm>
+        </p:spPr>
+        <p:txBody>
+          <a:bodyPr/>
+          <a:lstStyle/>
+          <a:p>
+            <a:r>
+              <a:rPr lang="en-US" altLang="en-US"/>
+              <a:t>Example:</a:t>
+            </a:r>
+          </a:p>
+          <a:p>
+            <a:r>
+              <a:rPr lang="en-US" altLang="en-US"/>
+              <a:t>Five threads numbered 0 .. 4</a:t>
+            </a:r>
+          </a:p>
+          <a:p>
+            <a:r>
+              <a:rPr lang="en-US" altLang="en-US"/>
+              <a:t>Shared variable </a:t>
+            </a:r>
+            <a:r>
+              <a:rPr lang="en-US" altLang="en-US" b="1">
+                <a:latin typeface="Courier New" panose="02070309020205020404" pitchFamily="49" charset="0"/>
+                <a:cs typeface="Courier New" panose="02070309020205020404" pitchFamily="49" charset="0"/>
+              </a:rPr>
+              <a:t>turn</a:t>
+            </a:r>
+            <a:r>
+              <a:rPr lang="en-US" altLang="en-US"/>
+              <a:t> indicating which thread’s turn it is.</a:t>
+            </a:r>
+          </a:p>
+          <a:p>
+            <a:r>
+              <a:rPr lang="en-US" altLang="en-US"/>
+              <a:t>Thread calls </a:t>
+            </a:r>
+            <a:r>
+              <a:rPr lang="en-US" altLang="en-US" b="1">
+                <a:latin typeface="Courier New" panose="02070309020205020404" pitchFamily="49" charset="0"/>
+                <a:cs typeface="Courier New" panose="02070309020205020404" pitchFamily="49" charset="0"/>
+              </a:rPr>
+              <a:t>doWork()</a:t>
+            </a:r>
+            <a:r>
+              <a:rPr lang="en-US" altLang="en-US"/>
+              <a:t> when it wishes to do some work. (But it may only do work if it is their turn.</a:t>
+            </a:r>
+          </a:p>
+          <a:p>
+            <a:r>
+              <a:rPr lang="en-US" altLang="en-US"/>
+              <a:t>If not their turn, wait</a:t>
+            </a:r>
+          </a:p>
+          <a:p>
+            <a:r>
+              <a:rPr lang="en-US" altLang="en-US"/>
+              <a:t>If their turn, do some work for awhile </a:t>
+            </a:r>
+            <a:r>
+              <a:rPr lang="is-IS" altLang="en-US"/>
+              <a:t>…...</a:t>
+            </a:r>
+          </a:p>
+          <a:p>
+            <a:r>
+              <a:rPr lang="is-IS" altLang="en-US"/>
+              <a:t>When completed, notify the thread whose turn is next.</a:t>
+            </a:r>
+          </a:p>
+          <a:p>
+            <a:r>
+              <a:rPr lang="is-IS" altLang="en-US"/>
+              <a:t>Necessary data structures:</a:t>
+            </a:r>
+            <a:br>
+              <a:rPr lang="is-IS" altLang="en-US"/>
+            </a:br>
+            <a:br>
+              <a:rPr lang="is-IS" altLang="en-US"/>
+            </a:br>
+            <a:endParaRPr lang="en-US" altLang="en-US"/>
+          </a:p>
+          <a:p>
+            <a:endParaRPr lang="en-US" altLang="en-US"/>
+          </a:p>
+        </p:txBody>
+      </p:sp>
+      <p:pic>
+        <p:nvPicPr>
+          <p:cNvPr id="73731" name="Picture 4">
+            <a:extLst>
+              <a:ext uri="{FF2B5EF4-FFF2-40B4-BE49-F238E27FC236}">
+                <a16:creationId xmlns:a16="http://schemas.microsoft.com/office/drawing/2014/main" id="{0BB7AB9A-0CC7-4E39-9B1A-C10ABE0743B6}"/>
+              </a:ext>
+            </a:extLst>
+          </p:cNvPr>
+          <p:cNvPicPr>
+            <a:picLocks noChangeAspect="1"/>
+          </p:cNvPicPr>
+          <p:nvPr/>
+        </p:nvPicPr>
+        <p:blipFill>
+          <a:blip r:embed="rId2">
+            <a:extLst>
+              <a:ext uri="{28A0092B-C50C-407E-A947-70E740481C1C}">
+                <a14:useLocalDpi xmlns:a14="http://schemas.microsoft.com/office/drawing/2010/main" val="0"/>
+              </a:ext>
+            </a:extLst>
+          </a:blip>
+          <a:srcRect/>
+          <a:stretch>
+            <a:fillRect/>
+          </a:stretch>
+        </p:blipFill>
+        <p:spPr bwMode="auto">
+          <a:xfrm>
+            <a:off x="2016125" y="4508500"/>
+            <a:ext cx="4889500" cy="1219200"/>
           </a:xfrm>
           <a:prstGeom prst="rect">
             <a:avLst/>
@@ -16082,1617 +15221,6 @@
       </p:grpSpPr>
       <p:sp>
         <p:nvSpPr>
-          <p:cNvPr id="65537" name="Title 1">
-            <a:extLst>
-              <a:ext uri="{FF2B5EF4-FFF2-40B4-BE49-F238E27FC236}">
-                <a16:creationId xmlns:a16="http://schemas.microsoft.com/office/drawing/2014/main" id="{A7063654-3368-408D-9DF3-2B295E85937E}"/>
-              </a:ext>
-            </a:extLst>
-          </p:cNvPr>
-          <p:cNvSpPr>
-            <a:spLocks noGrp="1"/>
-          </p:cNvSpPr>
-          <p:nvPr>
-            <p:ph type="title"/>
-          </p:nvPr>
-        </p:nvSpPr>
-        <p:spPr/>
-        <p:txBody>
-          <a:bodyPr/>
-          <a:lstStyle/>
-          <a:p>
-            <a:r>
-              <a:rPr lang="en-US" altLang="en-US"/>
-              <a:t>Java Synchronization</a:t>
-            </a:r>
-          </a:p>
-        </p:txBody>
-      </p:sp>
-      <p:sp>
-        <p:nvSpPr>
-          <p:cNvPr id="65538" name="Content Placeholder 2">
-            <a:extLst>
-              <a:ext uri="{FF2B5EF4-FFF2-40B4-BE49-F238E27FC236}">
-                <a16:creationId xmlns:a16="http://schemas.microsoft.com/office/drawing/2014/main" id="{6382BE83-2E0A-488C-A3AE-CF46662C19F3}"/>
-              </a:ext>
-            </a:extLst>
-          </p:cNvPr>
-          <p:cNvSpPr>
-            <a:spLocks noGrp="1"/>
-          </p:cNvSpPr>
-          <p:nvPr>
-            <p:ph idx="1"/>
-          </p:nvPr>
-        </p:nvSpPr>
-        <p:spPr/>
-        <p:txBody>
-          <a:bodyPr/>
-          <a:lstStyle/>
-          <a:p>
-            <a:r>
-              <a:rPr lang="en-US" altLang="en-US"/>
-              <a:t>A thread that tries to acquire an unavailable lock is placed in the object’s </a:t>
-            </a:r>
-            <a:r>
-              <a:rPr lang="en-US" altLang="en-US" b="1"/>
-              <a:t>entry set</a:t>
-            </a:r>
-            <a:r>
-              <a:rPr lang="en-US" altLang="en-US"/>
-              <a:t>:</a:t>
-            </a:r>
-          </a:p>
-        </p:txBody>
-      </p:sp>
-      <p:pic>
-        <p:nvPicPr>
-          <p:cNvPr id="65539" name="Picture 5">
-            <a:extLst>
-              <a:ext uri="{FF2B5EF4-FFF2-40B4-BE49-F238E27FC236}">
-                <a16:creationId xmlns:a16="http://schemas.microsoft.com/office/drawing/2014/main" id="{773AA7CA-0382-4D64-8D2A-395FEE719FEA}"/>
-              </a:ext>
-            </a:extLst>
-          </p:cNvPr>
-          <p:cNvPicPr>
-            <a:picLocks noChangeAspect="1"/>
-          </p:cNvPicPr>
-          <p:nvPr/>
-        </p:nvPicPr>
-        <p:blipFill>
-          <a:blip r:embed="rId2">
-            <a:extLst>
-              <a:ext uri="{28A0092B-C50C-407E-A947-70E740481C1C}">
-                <a14:useLocalDpi xmlns:a14="http://schemas.microsoft.com/office/drawing/2010/main" val="0"/>
-              </a:ext>
-            </a:extLst>
-          </a:blip>
-          <a:srcRect/>
-          <a:stretch>
-            <a:fillRect/>
-          </a:stretch>
-        </p:blipFill>
-        <p:spPr bwMode="auto">
-          <a:xfrm>
-            <a:off x="1849438" y="2400300"/>
-            <a:ext cx="5907087" cy="2006600"/>
-          </a:xfrm>
-          <a:prstGeom prst="rect">
-            <a:avLst/>
-          </a:prstGeom>
-          <a:noFill/>
-          <a:ln>
-            <a:noFill/>
-          </a:ln>
-          <a:extLst>
-            <a:ext uri="{909E8E84-426E-40DD-AFC4-6F175D3DCCD1}">
-              <a14:hiddenFill xmlns:a14="http://schemas.microsoft.com/office/drawing/2010/main">
-                <a:solidFill>
-                  <a:srgbClr val="FFFFFF"/>
-                </a:solidFill>
-              </a14:hiddenFill>
-            </a:ext>
-            <a:ext uri="{91240B29-F687-4F45-9708-019B960494DF}">
-              <a14:hiddenLine xmlns:a14="http://schemas.microsoft.com/office/drawing/2010/main" w="9525">
-                <a:solidFill>
-                  <a:srgbClr val="000000"/>
-                </a:solidFill>
-                <a:miter lim="800000"/>
-                <a:headEnd/>
-                <a:tailEnd/>
-              </a14:hiddenLine>
-            </a:ext>
-          </a:extLst>
-        </p:spPr>
-      </p:pic>
-    </p:spTree>
-  </p:cSld>
-  <p:clrMapOvr>
-    <a:masterClrMapping/>
-  </p:clrMapOvr>
-</p:sld>
-</file>
-
-<file path=ppt/slides/slide31.xml><?xml version="1.0" encoding="utf-8"?>
-<p:sld xmlns:a="http://schemas.openxmlformats.org/drawingml/2006/main" xmlns:r="http://schemas.openxmlformats.org/officeDocument/2006/relationships" xmlns:p="http://schemas.openxmlformats.org/presentationml/2006/main">
-  <p:cSld>
-    <p:spTree>
-      <p:nvGrpSpPr>
-        <p:cNvPr id="1" name=""/>
-        <p:cNvGrpSpPr/>
-        <p:nvPr/>
-      </p:nvGrpSpPr>
-      <p:grpSpPr>
-        <a:xfrm>
-          <a:off x="0" y="0"/>
-          <a:ext cx="0" cy="0"/>
-          <a:chOff x="0" y="0"/>
-          <a:chExt cx="0" cy="0"/>
-        </a:xfrm>
-      </p:grpSpPr>
-      <p:sp>
-        <p:nvSpPr>
-          <p:cNvPr id="66561" name="Title 1">
-            <a:extLst>
-              <a:ext uri="{FF2B5EF4-FFF2-40B4-BE49-F238E27FC236}">
-                <a16:creationId xmlns:a16="http://schemas.microsoft.com/office/drawing/2014/main" id="{652E010F-53B0-425D-B083-85B37DE98DBE}"/>
-              </a:ext>
-            </a:extLst>
-          </p:cNvPr>
-          <p:cNvSpPr>
-            <a:spLocks noGrp="1"/>
-          </p:cNvSpPr>
-          <p:nvPr>
-            <p:ph type="title"/>
-          </p:nvPr>
-        </p:nvSpPr>
-        <p:spPr/>
-        <p:txBody>
-          <a:bodyPr/>
-          <a:lstStyle/>
-          <a:p>
-            <a:r>
-              <a:rPr lang="en-US" altLang="en-US"/>
-              <a:t>Java Synchronization</a:t>
-            </a:r>
-          </a:p>
-        </p:txBody>
-      </p:sp>
-      <p:sp>
-        <p:nvSpPr>
-          <p:cNvPr id="3" name="Content Placeholder 2">
-            <a:extLst>
-              <a:ext uri="{FF2B5EF4-FFF2-40B4-BE49-F238E27FC236}">
-                <a16:creationId xmlns:a16="http://schemas.microsoft.com/office/drawing/2014/main" id="{9177042F-4FED-4B9B-A666-AAE92424CD18}"/>
-              </a:ext>
-            </a:extLst>
-          </p:cNvPr>
-          <p:cNvSpPr>
-            <a:spLocks noGrp="1"/>
-          </p:cNvSpPr>
-          <p:nvPr>
-            <p:ph idx="1"/>
-          </p:nvPr>
-        </p:nvSpPr>
-        <p:spPr/>
-        <p:txBody>
-          <a:bodyPr/>
-          <a:lstStyle/>
-          <a:p>
-            <a:pPr>
-              <a:defRPr/>
-            </a:pPr>
-            <a:r>
-              <a:rPr lang="en-US" dirty="0"/>
-              <a:t>Similarly, each object also has a </a:t>
-            </a:r>
-            <a:r>
-              <a:rPr lang="en-US" b="1" dirty="0"/>
-              <a:t>wait set</a:t>
-            </a:r>
-            <a:r>
-              <a:rPr lang="en-US" dirty="0"/>
-              <a:t>.</a:t>
-            </a:r>
-          </a:p>
-          <a:p>
-            <a:pPr>
-              <a:defRPr/>
-            </a:pPr>
-            <a:r>
-              <a:rPr lang="en-US" dirty="0"/>
-              <a:t>When a thread calls </a:t>
-            </a:r>
-            <a:r>
-              <a:rPr lang="en-US" b="1" dirty="0">
-                <a:latin typeface="Courier New" charset="0"/>
-                <a:ea typeface="Courier New" charset="0"/>
-                <a:cs typeface="Courier New" charset="0"/>
-              </a:rPr>
-              <a:t>wait()</a:t>
-            </a:r>
-            <a:r>
-              <a:rPr lang="en-US" dirty="0"/>
-              <a:t>:</a:t>
-            </a:r>
-          </a:p>
-          <a:p>
-            <a:pPr marL="742950" lvl="1" indent="-342900">
-              <a:buFont typeface="+mj-lt"/>
-              <a:buAutoNum type="arabicPeriod"/>
-              <a:defRPr/>
-            </a:pPr>
-            <a:r>
-              <a:rPr lang="en-US" dirty="0"/>
-              <a:t>It releases the lock for the object</a:t>
-            </a:r>
-          </a:p>
-          <a:p>
-            <a:pPr marL="742950" lvl="1" indent="-342900">
-              <a:buFont typeface="+mj-lt"/>
-              <a:buAutoNum type="arabicPeriod"/>
-              <a:defRPr/>
-            </a:pPr>
-            <a:r>
-              <a:rPr lang="en-US" dirty="0"/>
-              <a:t>The state of the thread is set to blocked</a:t>
-            </a:r>
-          </a:p>
-          <a:p>
-            <a:pPr marL="742950" lvl="1" indent="-342900">
-              <a:buFont typeface="+mj-lt"/>
-              <a:buAutoNum type="arabicPeriod"/>
-              <a:defRPr/>
-            </a:pPr>
-            <a:r>
-              <a:rPr lang="en-US" dirty="0"/>
-              <a:t>The thread is placed in the wait set for the object</a:t>
-            </a:r>
-          </a:p>
-        </p:txBody>
-      </p:sp>
-      <p:pic>
-        <p:nvPicPr>
-          <p:cNvPr id="66563" name="Picture 3">
-            <a:extLst>
-              <a:ext uri="{FF2B5EF4-FFF2-40B4-BE49-F238E27FC236}">
-                <a16:creationId xmlns:a16="http://schemas.microsoft.com/office/drawing/2014/main" id="{58D6C7F3-75D5-4822-B482-AC533067BED3}"/>
-              </a:ext>
-            </a:extLst>
-          </p:cNvPr>
-          <p:cNvPicPr>
-            <a:picLocks noChangeAspect="1"/>
-          </p:cNvPicPr>
-          <p:nvPr/>
-        </p:nvPicPr>
-        <p:blipFill>
-          <a:blip r:embed="rId2">
-            <a:extLst>
-              <a:ext uri="{28A0092B-C50C-407E-A947-70E740481C1C}">
-                <a14:useLocalDpi xmlns:a14="http://schemas.microsoft.com/office/drawing/2010/main" val="0"/>
-              </a:ext>
-            </a:extLst>
-          </a:blip>
-          <a:srcRect/>
-          <a:stretch>
-            <a:fillRect/>
-          </a:stretch>
-        </p:blipFill>
-        <p:spPr bwMode="auto">
-          <a:xfrm>
-            <a:off x="1563688" y="3613150"/>
-            <a:ext cx="6223000" cy="1403350"/>
-          </a:xfrm>
-          <a:prstGeom prst="rect">
-            <a:avLst/>
-          </a:prstGeom>
-          <a:noFill/>
-          <a:ln>
-            <a:noFill/>
-          </a:ln>
-          <a:extLst>
-            <a:ext uri="{909E8E84-426E-40DD-AFC4-6F175D3DCCD1}">
-              <a14:hiddenFill xmlns:a14="http://schemas.microsoft.com/office/drawing/2010/main">
-                <a:solidFill>
-                  <a:srgbClr val="FFFFFF"/>
-                </a:solidFill>
-              </a14:hiddenFill>
-            </a:ext>
-            <a:ext uri="{91240B29-F687-4F45-9708-019B960494DF}">
-              <a14:hiddenLine xmlns:a14="http://schemas.microsoft.com/office/drawing/2010/main" w="9525">
-                <a:solidFill>
-                  <a:srgbClr val="000000"/>
-                </a:solidFill>
-                <a:miter lim="800000"/>
-                <a:headEnd/>
-                <a:tailEnd/>
-              </a14:hiddenLine>
-            </a:ext>
-          </a:extLst>
-        </p:spPr>
-      </p:pic>
-    </p:spTree>
-  </p:cSld>
-  <p:clrMapOvr>
-    <a:masterClrMapping/>
-  </p:clrMapOvr>
-</p:sld>
-</file>
-
-<file path=ppt/slides/slide32.xml><?xml version="1.0" encoding="utf-8"?>
-<p:sld xmlns:a="http://schemas.openxmlformats.org/drawingml/2006/main" xmlns:r="http://schemas.openxmlformats.org/officeDocument/2006/relationships" xmlns:p="http://schemas.openxmlformats.org/presentationml/2006/main">
-  <p:cSld>
-    <p:spTree>
-      <p:nvGrpSpPr>
-        <p:cNvPr id="1" name=""/>
-        <p:cNvGrpSpPr/>
-        <p:nvPr/>
-      </p:nvGrpSpPr>
-      <p:grpSpPr>
-        <a:xfrm>
-          <a:off x="0" y="0"/>
-          <a:ext cx="0" cy="0"/>
-          <a:chOff x="0" y="0"/>
-          <a:chExt cx="0" cy="0"/>
-        </a:xfrm>
-      </p:grpSpPr>
-      <p:sp>
-        <p:nvSpPr>
-          <p:cNvPr id="67585" name="Title 1">
-            <a:extLst>
-              <a:ext uri="{FF2B5EF4-FFF2-40B4-BE49-F238E27FC236}">
-                <a16:creationId xmlns:a16="http://schemas.microsoft.com/office/drawing/2014/main" id="{B4675308-EC3D-4611-AF7B-2F36F4847874}"/>
-              </a:ext>
-            </a:extLst>
-          </p:cNvPr>
-          <p:cNvSpPr>
-            <a:spLocks noGrp="1"/>
-          </p:cNvSpPr>
-          <p:nvPr>
-            <p:ph type="title"/>
-          </p:nvPr>
-        </p:nvSpPr>
-        <p:spPr/>
-        <p:txBody>
-          <a:bodyPr/>
-          <a:lstStyle/>
-          <a:p>
-            <a:r>
-              <a:rPr lang="en-US" altLang="en-US"/>
-              <a:t>Java Synchronization</a:t>
-            </a:r>
-          </a:p>
-        </p:txBody>
-      </p:sp>
-      <p:sp>
-        <p:nvSpPr>
-          <p:cNvPr id="3" name="Content Placeholder 2">
-            <a:extLst>
-              <a:ext uri="{FF2B5EF4-FFF2-40B4-BE49-F238E27FC236}">
-                <a16:creationId xmlns:a16="http://schemas.microsoft.com/office/drawing/2014/main" id="{6F82AEE8-8C1E-4697-8E09-54D24E89B8A4}"/>
-              </a:ext>
-            </a:extLst>
-          </p:cNvPr>
-          <p:cNvSpPr>
-            <a:spLocks noGrp="1"/>
-          </p:cNvSpPr>
-          <p:nvPr>
-            <p:ph idx="1"/>
-          </p:nvPr>
-        </p:nvSpPr>
-        <p:spPr/>
-        <p:txBody>
-          <a:bodyPr/>
-          <a:lstStyle/>
-          <a:p>
-            <a:pPr>
-              <a:defRPr/>
-            </a:pPr>
-            <a:r>
-              <a:rPr lang="en-US" dirty="0"/>
-              <a:t>A thread typically calls wait() when it is waiting for a condition to  become true.</a:t>
-            </a:r>
-          </a:p>
-          <a:p>
-            <a:pPr>
-              <a:defRPr/>
-            </a:pPr>
-            <a:r>
-              <a:rPr lang="en-US" dirty="0"/>
-              <a:t>How does a thread get notified?</a:t>
-            </a:r>
-          </a:p>
-          <a:p>
-            <a:pPr>
-              <a:defRPr/>
-            </a:pPr>
-            <a:r>
-              <a:rPr lang="en-US" dirty="0"/>
-              <a:t>When a thread calls </a:t>
-            </a:r>
-            <a:r>
-              <a:rPr lang="en-US" b="1" dirty="0">
-                <a:latin typeface="Courier New" charset="0"/>
-                <a:ea typeface="Courier New" charset="0"/>
-                <a:cs typeface="Courier New" charset="0"/>
-              </a:rPr>
-              <a:t>notify()</a:t>
-            </a:r>
-            <a:r>
-              <a:rPr lang="en-US" dirty="0"/>
-              <a:t>:</a:t>
-            </a:r>
-          </a:p>
-          <a:p>
-            <a:pPr marL="742950" lvl="1" indent="-342900">
-              <a:buFont typeface="+mj-lt"/>
-              <a:buAutoNum type="arabicPeriod"/>
-              <a:defRPr/>
-            </a:pPr>
-            <a:r>
-              <a:rPr lang="en-US" dirty="0"/>
-              <a:t>An arbitrary thread T is selected from the wait set</a:t>
-            </a:r>
-          </a:p>
-          <a:p>
-            <a:pPr marL="742950" lvl="1" indent="-342900">
-              <a:buFont typeface="+mj-lt"/>
-              <a:buAutoNum type="arabicPeriod"/>
-              <a:defRPr/>
-            </a:pPr>
-            <a:r>
-              <a:rPr lang="en-US" dirty="0"/>
-              <a:t>T is moved from the wait set to the entry set</a:t>
-            </a:r>
-          </a:p>
-          <a:p>
-            <a:pPr marL="742950" lvl="1" indent="-342900">
-              <a:buFont typeface="+mj-lt"/>
-              <a:buAutoNum type="arabicPeriod"/>
-              <a:defRPr/>
-            </a:pPr>
-            <a:r>
-              <a:rPr lang="en-US" dirty="0"/>
-              <a:t>Set the state of T from blocked to runnable.</a:t>
-            </a:r>
-          </a:p>
-          <a:p>
-            <a:pPr>
-              <a:defRPr/>
-            </a:pPr>
-            <a:r>
-              <a:rPr lang="en-US" dirty="0"/>
-              <a:t>T can now compete for the lock to check if the condition it was waiting for is now true.</a:t>
-            </a:r>
-          </a:p>
-        </p:txBody>
-      </p:sp>
-    </p:spTree>
-  </p:cSld>
-  <p:clrMapOvr>
-    <a:masterClrMapping/>
-  </p:clrMapOvr>
-</p:sld>
-</file>
-
-<file path=ppt/slides/slide33.xml><?xml version="1.0" encoding="utf-8"?>
-<p:sld xmlns:a="http://schemas.openxmlformats.org/drawingml/2006/main" xmlns:r="http://schemas.openxmlformats.org/officeDocument/2006/relationships" xmlns:p="http://schemas.openxmlformats.org/presentationml/2006/main">
-  <p:cSld>
-    <p:spTree>
-      <p:nvGrpSpPr>
-        <p:cNvPr id="1" name=""/>
-        <p:cNvGrpSpPr/>
-        <p:nvPr/>
-      </p:nvGrpSpPr>
-      <p:grpSpPr>
-        <a:xfrm>
-          <a:off x="0" y="0"/>
-          <a:ext cx="0" cy="0"/>
-          <a:chOff x="0" y="0"/>
-          <a:chExt cx="0" cy="0"/>
-        </a:xfrm>
-      </p:grpSpPr>
-      <p:sp>
-        <p:nvSpPr>
-          <p:cNvPr id="68609" name="Title 1">
-            <a:extLst>
-              <a:ext uri="{FF2B5EF4-FFF2-40B4-BE49-F238E27FC236}">
-                <a16:creationId xmlns:a16="http://schemas.microsoft.com/office/drawing/2014/main" id="{CB0A2A95-A5D7-491D-AF11-3302E5E0B5BC}"/>
-              </a:ext>
-            </a:extLst>
-          </p:cNvPr>
-          <p:cNvSpPr>
-            <a:spLocks noGrp="1"/>
-          </p:cNvSpPr>
-          <p:nvPr>
-            <p:ph type="title"/>
-          </p:nvPr>
-        </p:nvSpPr>
-        <p:spPr>
-          <a:xfrm>
-            <a:off x="1115909" y="233853"/>
-            <a:ext cx="7710854" cy="576262"/>
-          </a:xfrm>
-        </p:spPr>
-        <p:txBody>
-          <a:bodyPr/>
-          <a:lstStyle/>
-          <a:p>
-            <a:r>
-              <a:rPr lang="en-US" altLang="en-US" dirty="0"/>
-              <a:t>Bounded Buffer – Java </a:t>
-            </a:r>
-            <a:r>
-              <a:rPr lang="en-US" altLang="en-US" sz="3000" dirty="0"/>
-              <a:t>Synchronization</a:t>
-            </a:r>
-          </a:p>
-        </p:txBody>
-      </p:sp>
-      <p:pic>
-        <p:nvPicPr>
-          <p:cNvPr id="68610" name="Picture 3">
-            <a:extLst>
-              <a:ext uri="{FF2B5EF4-FFF2-40B4-BE49-F238E27FC236}">
-                <a16:creationId xmlns:a16="http://schemas.microsoft.com/office/drawing/2014/main" id="{3C0AD0FA-0D7E-4059-A18C-3C09FE643F98}"/>
-              </a:ext>
-            </a:extLst>
-          </p:cNvPr>
-          <p:cNvPicPr>
-            <a:picLocks noChangeAspect="1"/>
-          </p:cNvPicPr>
-          <p:nvPr/>
-        </p:nvPicPr>
-        <p:blipFill>
-          <a:blip r:embed="rId2">
-            <a:extLst>
-              <a:ext uri="{28A0092B-C50C-407E-A947-70E740481C1C}">
-                <a14:useLocalDpi xmlns:a14="http://schemas.microsoft.com/office/drawing/2010/main" val="0"/>
-              </a:ext>
-            </a:extLst>
-          </a:blip>
-          <a:srcRect/>
-          <a:stretch>
-            <a:fillRect/>
-          </a:stretch>
-        </p:blipFill>
-        <p:spPr bwMode="auto">
-          <a:xfrm>
-            <a:off x="1981200" y="1430338"/>
-            <a:ext cx="5181600" cy="3683000"/>
-          </a:xfrm>
-          <a:prstGeom prst="rect">
-            <a:avLst/>
-          </a:prstGeom>
-          <a:noFill/>
-          <a:ln>
-            <a:noFill/>
-          </a:ln>
-          <a:extLst>
-            <a:ext uri="{909E8E84-426E-40DD-AFC4-6F175D3DCCD1}">
-              <a14:hiddenFill xmlns:a14="http://schemas.microsoft.com/office/drawing/2010/main">
-                <a:solidFill>
-                  <a:srgbClr val="FFFFFF"/>
-                </a:solidFill>
-              </a14:hiddenFill>
-            </a:ext>
-            <a:ext uri="{91240B29-F687-4F45-9708-019B960494DF}">
-              <a14:hiddenLine xmlns:a14="http://schemas.microsoft.com/office/drawing/2010/main" w="9525">
-                <a:solidFill>
-                  <a:srgbClr val="000000"/>
-                </a:solidFill>
-                <a:miter lim="800000"/>
-                <a:headEnd/>
-                <a:tailEnd/>
-              </a14:hiddenLine>
-            </a:ext>
-          </a:extLst>
-        </p:spPr>
-      </p:pic>
-    </p:spTree>
-  </p:cSld>
-  <p:clrMapOvr>
-    <a:masterClrMapping/>
-  </p:clrMapOvr>
-</p:sld>
-</file>
-
-<file path=ppt/slides/slide34.xml><?xml version="1.0" encoding="utf-8"?>
-<p:sld xmlns:a="http://schemas.openxmlformats.org/drawingml/2006/main" xmlns:r="http://schemas.openxmlformats.org/officeDocument/2006/relationships" xmlns:p="http://schemas.openxmlformats.org/presentationml/2006/main">
-  <p:cSld>
-    <p:spTree>
-      <p:nvGrpSpPr>
-        <p:cNvPr id="1" name=""/>
-        <p:cNvGrpSpPr/>
-        <p:nvPr/>
-      </p:nvGrpSpPr>
-      <p:grpSpPr>
-        <a:xfrm>
-          <a:off x="0" y="0"/>
-          <a:ext cx="0" cy="0"/>
-          <a:chOff x="0" y="0"/>
-          <a:chExt cx="0" cy="0"/>
-        </a:xfrm>
-      </p:grpSpPr>
-      <p:pic>
-        <p:nvPicPr>
-          <p:cNvPr id="69634" name="Picture 2">
-            <a:extLst>
-              <a:ext uri="{FF2B5EF4-FFF2-40B4-BE49-F238E27FC236}">
-                <a16:creationId xmlns:a16="http://schemas.microsoft.com/office/drawing/2014/main" id="{774C936A-0F55-4C6A-A679-31574757C09A}"/>
-              </a:ext>
-            </a:extLst>
-          </p:cNvPr>
-          <p:cNvPicPr>
-            <a:picLocks noChangeAspect="1"/>
-          </p:cNvPicPr>
-          <p:nvPr/>
-        </p:nvPicPr>
-        <p:blipFill>
-          <a:blip r:embed="rId2">
-            <a:extLst>
-              <a:ext uri="{28A0092B-C50C-407E-A947-70E740481C1C}">
-                <a14:useLocalDpi xmlns:a14="http://schemas.microsoft.com/office/drawing/2010/main" val="0"/>
-              </a:ext>
-            </a:extLst>
-          </a:blip>
-          <a:srcRect/>
-          <a:stretch>
-            <a:fillRect/>
-          </a:stretch>
-        </p:blipFill>
-        <p:spPr bwMode="auto">
-          <a:xfrm>
-            <a:off x="2082800" y="1117600"/>
-            <a:ext cx="4978400" cy="4622800"/>
-          </a:xfrm>
-          <a:prstGeom prst="rect">
-            <a:avLst/>
-          </a:prstGeom>
-          <a:noFill/>
-          <a:ln>
-            <a:noFill/>
-          </a:ln>
-          <a:extLst>
-            <a:ext uri="{909E8E84-426E-40DD-AFC4-6F175D3DCCD1}">
-              <a14:hiddenFill xmlns:a14="http://schemas.microsoft.com/office/drawing/2010/main">
-                <a:solidFill>
-                  <a:srgbClr val="FFFFFF"/>
-                </a:solidFill>
-              </a14:hiddenFill>
-            </a:ext>
-            <a:ext uri="{91240B29-F687-4F45-9708-019B960494DF}">
-              <a14:hiddenLine xmlns:a14="http://schemas.microsoft.com/office/drawing/2010/main" w="9525">
-                <a:solidFill>
-                  <a:srgbClr val="000000"/>
-                </a:solidFill>
-                <a:miter lim="800000"/>
-                <a:headEnd/>
-                <a:tailEnd/>
-              </a14:hiddenLine>
-            </a:ext>
-          </a:extLst>
-        </p:spPr>
-      </p:pic>
-      <p:sp>
-        <p:nvSpPr>
-          <p:cNvPr id="6" name="Title 1">
-            <a:extLst>
-              <a:ext uri="{FF2B5EF4-FFF2-40B4-BE49-F238E27FC236}">
-                <a16:creationId xmlns:a16="http://schemas.microsoft.com/office/drawing/2014/main" id="{BA6FADAB-7679-4243-9B89-C3DB7341ED70}"/>
-              </a:ext>
-            </a:extLst>
-          </p:cNvPr>
-          <p:cNvSpPr>
-            <a:spLocks noGrp="1"/>
-          </p:cNvSpPr>
-          <p:nvPr>
-            <p:ph type="title"/>
-          </p:nvPr>
-        </p:nvSpPr>
-        <p:spPr>
-          <a:xfrm>
-            <a:off x="1115908" y="233853"/>
-            <a:ext cx="7710854" cy="576262"/>
-          </a:xfrm>
-        </p:spPr>
-        <p:txBody>
-          <a:bodyPr/>
-          <a:lstStyle/>
-          <a:p>
-            <a:r>
-              <a:rPr lang="en-US" altLang="en-US" dirty="0"/>
-              <a:t>Bounded Buffer – Java </a:t>
-            </a:r>
-            <a:r>
-              <a:rPr lang="en-US" altLang="en-US" sz="3000" dirty="0"/>
-              <a:t>Synchronization</a:t>
-            </a:r>
-          </a:p>
-        </p:txBody>
-      </p:sp>
-    </p:spTree>
-  </p:cSld>
-  <p:clrMapOvr>
-    <a:masterClrMapping/>
-  </p:clrMapOvr>
-</p:sld>
-</file>
-
-<file path=ppt/slides/slide35.xml><?xml version="1.0" encoding="utf-8"?>
-<p:sld xmlns:a="http://schemas.openxmlformats.org/drawingml/2006/main" xmlns:r="http://schemas.openxmlformats.org/officeDocument/2006/relationships" xmlns:p="http://schemas.openxmlformats.org/presentationml/2006/main">
-  <p:cSld>
-    <p:spTree>
-      <p:nvGrpSpPr>
-        <p:cNvPr id="1" name=""/>
-        <p:cNvGrpSpPr/>
-        <p:nvPr/>
-      </p:nvGrpSpPr>
-      <p:grpSpPr>
-        <a:xfrm>
-          <a:off x="0" y="0"/>
-          <a:ext cx="0" cy="0"/>
-          <a:chOff x="0" y="0"/>
-          <a:chExt cx="0" cy="0"/>
-        </a:xfrm>
-      </p:grpSpPr>
-      <p:sp>
-        <p:nvSpPr>
-          <p:cNvPr id="70657" name="Title 1">
-            <a:extLst>
-              <a:ext uri="{FF2B5EF4-FFF2-40B4-BE49-F238E27FC236}">
-                <a16:creationId xmlns:a16="http://schemas.microsoft.com/office/drawing/2014/main" id="{40EB4ADD-CC1F-4359-94C7-3F9CF5B4B298}"/>
-              </a:ext>
-            </a:extLst>
-          </p:cNvPr>
-          <p:cNvSpPr>
-            <a:spLocks noGrp="1"/>
-          </p:cNvSpPr>
-          <p:nvPr>
-            <p:ph type="title"/>
-          </p:nvPr>
-        </p:nvSpPr>
-        <p:spPr>
-          <a:xfrm>
-            <a:off x="975946" y="224522"/>
-            <a:ext cx="7710854" cy="576262"/>
-          </a:xfrm>
-        </p:spPr>
-        <p:txBody>
-          <a:bodyPr/>
-          <a:lstStyle/>
-          <a:p>
-            <a:r>
-              <a:rPr lang="en-US" altLang="en-US" dirty="0"/>
-              <a:t>Java Reentrant Locks</a:t>
-            </a:r>
-          </a:p>
-        </p:txBody>
-      </p:sp>
-      <p:sp>
-        <p:nvSpPr>
-          <p:cNvPr id="70658" name="Content Placeholder 2">
-            <a:extLst>
-              <a:ext uri="{FF2B5EF4-FFF2-40B4-BE49-F238E27FC236}">
-                <a16:creationId xmlns:a16="http://schemas.microsoft.com/office/drawing/2014/main" id="{59E6C93E-7F33-4CC2-9EEF-9C2059B2511F}"/>
-              </a:ext>
-            </a:extLst>
-          </p:cNvPr>
-          <p:cNvSpPr>
-            <a:spLocks noGrp="1"/>
-          </p:cNvSpPr>
-          <p:nvPr>
-            <p:ph idx="1"/>
-          </p:nvPr>
-        </p:nvSpPr>
-        <p:spPr/>
-        <p:txBody>
-          <a:bodyPr/>
-          <a:lstStyle/>
-          <a:p>
-            <a:r>
-              <a:rPr lang="en-US" altLang="en-US"/>
-              <a:t>Similar to mutex locks</a:t>
-            </a:r>
-          </a:p>
-          <a:p>
-            <a:r>
-              <a:rPr lang="en-US" altLang="en-US"/>
-              <a:t>The </a:t>
-            </a:r>
-            <a:r>
-              <a:rPr lang="en-US" altLang="en-US" b="1">
-                <a:latin typeface="Courier New" panose="02070309020205020404" pitchFamily="49" charset="0"/>
-                <a:cs typeface="Courier New" panose="02070309020205020404" pitchFamily="49" charset="0"/>
-              </a:rPr>
-              <a:t>finally</a:t>
-            </a:r>
-            <a:r>
-              <a:rPr lang="en-US" altLang="en-US"/>
-              <a:t> clause ensures the lock will be released in case an exception occurs in the </a:t>
-            </a:r>
-            <a:r>
-              <a:rPr lang="en-US" altLang="en-US" b="1">
-                <a:latin typeface="Courier New" panose="02070309020205020404" pitchFamily="49" charset="0"/>
-                <a:cs typeface="Courier New" panose="02070309020205020404" pitchFamily="49" charset="0"/>
-              </a:rPr>
-              <a:t>try</a:t>
-            </a:r>
-            <a:r>
-              <a:rPr lang="en-US" altLang="en-US"/>
-              <a:t> block.</a:t>
-            </a:r>
-          </a:p>
-          <a:p>
-            <a:endParaRPr lang="en-US" altLang="en-US"/>
-          </a:p>
-        </p:txBody>
-      </p:sp>
-      <p:pic>
-        <p:nvPicPr>
-          <p:cNvPr id="70659" name="Picture 3">
-            <a:extLst>
-              <a:ext uri="{FF2B5EF4-FFF2-40B4-BE49-F238E27FC236}">
-                <a16:creationId xmlns:a16="http://schemas.microsoft.com/office/drawing/2014/main" id="{8B5C645E-E8BC-4552-9C51-283654CC2DB4}"/>
-              </a:ext>
-            </a:extLst>
-          </p:cNvPr>
-          <p:cNvPicPr>
-            <a:picLocks noChangeAspect="1"/>
-          </p:cNvPicPr>
-          <p:nvPr/>
-        </p:nvPicPr>
-        <p:blipFill>
-          <a:blip r:embed="rId2">
-            <a:extLst>
-              <a:ext uri="{28A0092B-C50C-407E-A947-70E740481C1C}">
-                <a14:useLocalDpi xmlns:a14="http://schemas.microsoft.com/office/drawing/2010/main" val="0"/>
-              </a:ext>
-            </a:extLst>
-          </a:blip>
-          <a:srcRect/>
-          <a:stretch>
-            <a:fillRect/>
-          </a:stretch>
-        </p:blipFill>
-        <p:spPr bwMode="auto">
-          <a:xfrm>
-            <a:off x="2628900" y="2298700"/>
-            <a:ext cx="3886200" cy="2260600"/>
-          </a:xfrm>
-          <a:prstGeom prst="rect">
-            <a:avLst/>
-          </a:prstGeom>
-          <a:noFill/>
-          <a:ln>
-            <a:noFill/>
-          </a:ln>
-          <a:extLst>
-            <a:ext uri="{909E8E84-426E-40DD-AFC4-6F175D3DCCD1}">
-              <a14:hiddenFill xmlns:a14="http://schemas.microsoft.com/office/drawing/2010/main">
-                <a:solidFill>
-                  <a:srgbClr val="FFFFFF"/>
-                </a:solidFill>
-              </a14:hiddenFill>
-            </a:ext>
-            <a:ext uri="{91240B29-F687-4F45-9708-019B960494DF}">
-              <a14:hiddenLine xmlns:a14="http://schemas.microsoft.com/office/drawing/2010/main" w="9525">
-                <a:solidFill>
-                  <a:srgbClr val="000000"/>
-                </a:solidFill>
-                <a:miter lim="800000"/>
-                <a:headEnd/>
-                <a:tailEnd/>
-              </a14:hiddenLine>
-            </a:ext>
-          </a:extLst>
-        </p:spPr>
-      </p:pic>
-    </p:spTree>
-  </p:cSld>
-  <p:clrMapOvr>
-    <a:masterClrMapping/>
-  </p:clrMapOvr>
-</p:sld>
-</file>
-
-<file path=ppt/slides/slide36.xml><?xml version="1.0" encoding="utf-8"?>
-<p:sld xmlns:a="http://schemas.openxmlformats.org/drawingml/2006/main" xmlns:r="http://schemas.openxmlformats.org/officeDocument/2006/relationships" xmlns:p="http://schemas.openxmlformats.org/presentationml/2006/main">
-  <p:cSld>
-    <p:spTree>
-      <p:nvGrpSpPr>
-        <p:cNvPr id="1" name=""/>
-        <p:cNvGrpSpPr/>
-        <p:nvPr/>
-      </p:nvGrpSpPr>
-      <p:grpSpPr>
-        <a:xfrm>
-          <a:off x="0" y="0"/>
-          <a:ext cx="0" cy="0"/>
-          <a:chOff x="0" y="0"/>
-          <a:chExt cx="0" cy="0"/>
-        </a:xfrm>
-      </p:grpSpPr>
-      <p:sp>
-        <p:nvSpPr>
-          <p:cNvPr id="71681" name="Title 1">
-            <a:extLst>
-              <a:ext uri="{FF2B5EF4-FFF2-40B4-BE49-F238E27FC236}">
-                <a16:creationId xmlns:a16="http://schemas.microsoft.com/office/drawing/2014/main" id="{E5074858-113B-4B67-8FB6-08771C6D57AB}"/>
-              </a:ext>
-            </a:extLst>
-          </p:cNvPr>
-          <p:cNvSpPr>
-            <a:spLocks noGrp="1"/>
-          </p:cNvSpPr>
-          <p:nvPr>
-            <p:ph type="title"/>
-          </p:nvPr>
-        </p:nvSpPr>
-        <p:spPr>
-          <a:xfrm>
-            <a:off x="975946" y="224522"/>
-            <a:ext cx="7710854" cy="576262"/>
-          </a:xfrm>
-        </p:spPr>
-        <p:txBody>
-          <a:bodyPr/>
-          <a:lstStyle/>
-          <a:p>
-            <a:r>
-              <a:rPr lang="en-US" altLang="en-US" dirty="0"/>
-              <a:t>Java Semaphores</a:t>
-            </a:r>
-          </a:p>
-        </p:txBody>
-      </p:sp>
-      <p:sp>
-        <p:nvSpPr>
-          <p:cNvPr id="71682" name="Content Placeholder 2">
-            <a:extLst>
-              <a:ext uri="{FF2B5EF4-FFF2-40B4-BE49-F238E27FC236}">
-                <a16:creationId xmlns:a16="http://schemas.microsoft.com/office/drawing/2014/main" id="{18E6D7F5-1113-455F-8371-62DEC0AF2280}"/>
-              </a:ext>
-            </a:extLst>
-          </p:cNvPr>
-          <p:cNvSpPr>
-            <a:spLocks noGrp="1"/>
-          </p:cNvSpPr>
-          <p:nvPr>
-            <p:ph idx="1"/>
-          </p:nvPr>
-        </p:nvSpPr>
-        <p:spPr/>
-        <p:txBody>
-          <a:bodyPr/>
-          <a:lstStyle/>
-          <a:p>
-            <a:r>
-              <a:rPr lang="en-US" altLang="en-US"/>
-              <a:t>Constructor:</a:t>
-            </a:r>
-            <a:br>
-              <a:rPr lang="en-US" altLang="en-US"/>
-            </a:br>
-            <a:br>
-              <a:rPr lang="en-US" altLang="en-US"/>
-            </a:br>
-            <a:endParaRPr lang="en-US" altLang="en-US"/>
-          </a:p>
-          <a:p>
-            <a:r>
-              <a:rPr lang="en-US" altLang="en-US"/>
-              <a:t>Usage:</a:t>
-            </a:r>
-          </a:p>
-          <a:p>
-            <a:endParaRPr lang="en-US" altLang="en-US"/>
-          </a:p>
-        </p:txBody>
-      </p:sp>
-      <p:pic>
-        <p:nvPicPr>
-          <p:cNvPr id="71683" name="Picture 4">
-            <a:extLst>
-              <a:ext uri="{FF2B5EF4-FFF2-40B4-BE49-F238E27FC236}">
-                <a16:creationId xmlns:a16="http://schemas.microsoft.com/office/drawing/2014/main" id="{9A958ADA-1FCB-4E3A-953C-B6B05A26B734}"/>
-              </a:ext>
-            </a:extLst>
-          </p:cNvPr>
-          <p:cNvPicPr>
-            <a:picLocks noChangeAspect="1"/>
-          </p:cNvPicPr>
-          <p:nvPr/>
-        </p:nvPicPr>
-        <p:blipFill>
-          <a:blip r:embed="rId2">
-            <a:extLst>
-              <a:ext uri="{28A0092B-C50C-407E-A947-70E740481C1C}">
-                <a14:useLocalDpi xmlns:a14="http://schemas.microsoft.com/office/drawing/2010/main" val="0"/>
-              </a:ext>
-            </a:extLst>
-          </a:blip>
-          <a:srcRect/>
-          <a:stretch>
-            <a:fillRect/>
-          </a:stretch>
-        </p:blipFill>
-        <p:spPr bwMode="auto">
-          <a:xfrm>
-            <a:off x="1981200" y="1614488"/>
-            <a:ext cx="2590800" cy="406400"/>
-          </a:xfrm>
-          <a:prstGeom prst="rect">
-            <a:avLst/>
-          </a:prstGeom>
-          <a:noFill/>
-          <a:ln>
-            <a:noFill/>
-          </a:ln>
-          <a:extLst>
-            <a:ext uri="{909E8E84-426E-40DD-AFC4-6F175D3DCCD1}">
-              <a14:hiddenFill xmlns:a14="http://schemas.microsoft.com/office/drawing/2010/main">
-                <a:solidFill>
-                  <a:srgbClr val="FFFFFF"/>
-                </a:solidFill>
-              </a14:hiddenFill>
-            </a:ext>
-            <a:ext uri="{91240B29-F687-4F45-9708-019B960494DF}">
-              <a14:hiddenLine xmlns:a14="http://schemas.microsoft.com/office/drawing/2010/main" w="9525">
-                <a:solidFill>
-                  <a:srgbClr val="000000"/>
-                </a:solidFill>
-                <a:miter lim="800000"/>
-                <a:headEnd/>
-                <a:tailEnd/>
-              </a14:hiddenLine>
-            </a:ext>
-          </a:extLst>
-        </p:spPr>
-      </p:pic>
-      <p:pic>
-        <p:nvPicPr>
-          <p:cNvPr id="71684" name="Picture 5">
-            <a:extLst>
-              <a:ext uri="{FF2B5EF4-FFF2-40B4-BE49-F238E27FC236}">
-                <a16:creationId xmlns:a16="http://schemas.microsoft.com/office/drawing/2014/main" id="{1EFA6A71-037A-4869-8A12-B495785D6368}"/>
-              </a:ext>
-            </a:extLst>
-          </p:cNvPr>
-          <p:cNvPicPr>
-            <a:picLocks noChangeAspect="1"/>
-          </p:cNvPicPr>
-          <p:nvPr/>
-        </p:nvPicPr>
-        <p:blipFill>
-          <a:blip r:embed="rId3">
-            <a:extLst>
-              <a:ext uri="{28A0092B-C50C-407E-A947-70E740481C1C}">
-                <a14:useLocalDpi xmlns:a14="http://schemas.microsoft.com/office/drawing/2010/main" val="0"/>
-              </a:ext>
-            </a:extLst>
-          </a:blip>
-          <a:srcRect/>
-          <a:stretch>
-            <a:fillRect/>
-          </a:stretch>
-        </p:blipFill>
-        <p:spPr bwMode="auto">
-          <a:xfrm>
-            <a:off x="1911350" y="2720975"/>
-            <a:ext cx="4838700" cy="2552700"/>
-          </a:xfrm>
-          <a:prstGeom prst="rect">
-            <a:avLst/>
-          </a:prstGeom>
-          <a:noFill/>
-          <a:ln>
-            <a:noFill/>
-          </a:ln>
-          <a:extLst>
-            <a:ext uri="{909E8E84-426E-40DD-AFC4-6F175D3DCCD1}">
-              <a14:hiddenFill xmlns:a14="http://schemas.microsoft.com/office/drawing/2010/main">
-                <a:solidFill>
-                  <a:srgbClr val="FFFFFF"/>
-                </a:solidFill>
-              </a14:hiddenFill>
-            </a:ext>
-            <a:ext uri="{91240B29-F687-4F45-9708-019B960494DF}">
-              <a14:hiddenLine xmlns:a14="http://schemas.microsoft.com/office/drawing/2010/main" w="9525">
-                <a:solidFill>
-                  <a:srgbClr val="000000"/>
-                </a:solidFill>
-                <a:miter lim="800000"/>
-                <a:headEnd/>
-                <a:tailEnd/>
-              </a14:hiddenLine>
-            </a:ext>
-          </a:extLst>
-        </p:spPr>
-      </p:pic>
-    </p:spTree>
-  </p:cSld>
-  <p:clrMapOvr>
-    <a:masterClrMapping/>
-  </p:clrMapOvr>
-</p:sld>
-</file>
-
-<file path=ppt/slides/slide37.xml><?xml version="1.0" encoding="utf-8"?>
-<p:sld xmlns:a="http://schemas.openxmlformats.org/drawingml/2006/main" xmlns:r="http://schemas.openxmlformats.org/officeDocument/2006/relationships" xmlns:p="http://schemas.openxmlformats.org/presentationml/2006/main">
-  <p:cSld>
-    <p:spTree>
-      <p:nvGrpSpPr>
-        <p:cNvPr id="1" name=""/>
-        <p:cNvGrpSpPr/>
-        <p:nvPr/>
-      </p:nvGrpSpPr>
-      <p:grpSpPr>
-        <a:xfrm>
-          <a:off x="0" y="0"/>
-          <a:ext cx="0" cy="0"/>
-          <a:chOff x="0" y="0"/>
-          <a:chExt cx="0" cy="0"/>
-        </a:xfrm>
-      </p:grpSpPr>
-      <p:sp>
-        <p:nvSpPr>
-          <p:cNvPr id="72705" name="Title 1">
-            <a:extLst>
-              <a:ext uri="{FF2B5EF4-FFF2-40B4-BE49-F238E27FC236}">
-                <a16:creationId xmlns:a16="http://schemas.microsoft.com/office/drawing/2014/main" id="{D98F2754-6585-4F5C-8778-9F577B8B47B9}"/>
-              </a:ext>
-            </a:extLst>
-          </p:cNvPr>
-          <p:cNvSpPr>
-            <a:spLocks noGrp="1"/>
-          </p:cNvSpPr>
-          <p:nvPr>
-            <p:ph type="title"/>
-          </p:nvPr>
-        </p:nvSpPr>
-        <p:spPr>
-          <a:xfrm>
-            <a:off x="975946" y="224522"/>
-            <a:ext cx="7710854" cy="576262"/>
-          </a:xfrm>
-        </p:spPr>
-        <p:txBody>
-          <a:bodyPr/>
-          <a:lstStyle/>
-          <a:p>
-            <a:r>
-              <a:rPr lang="en-US" altLang="en-US" dirty="0"/>
-              <a:t>Java Condition Variables</a:t>
-            </a:r>
-          </a:p>
-        </p:txBody>
-      </p:sp>
-      <p:sp>
-        <p:nvSpPr>
-          <p:cNvPr id="72706" name="Content Placeholder 2">
-            <a:extLst>
-              <a:ext uri="{FF2B5EF4-FFF2-40B4-BE49-F238E27FC236}">
-                <a16:creationId xmlns:a16="http://schemas.microsoft.com/office/drawing/2014/main" id="{BA141165-0B49-4685-9BA1-00EE0E479147}"/>
-              </a:ext>
-            </a:extLst>
-          </p:cNvPr>
-          <p:cNvSpPr>
-            <a:spLocks noGrp="1"/>
-          </p:cNvSpPr>
-          <p:nvPr>
-            <p:ph idx="1"/>
-          </p:nvPr>
-        </p:nvSpPr>
-        <p:spPr/>
-        <p:txBody>
-          <a:bodyPr/>
-          <a:lstStyle/>
-          <a:p>
-            <a:r>
-              <a:rPr lang="en-US" altLang="en-US" dirty="0"/>
-              <a:t>Condition variables are associated with an </a:t>
-            </a:r>
-            <a:r>
-              <a:rPr lang="en-US" altLang="en-US" b="1" dirty="0" err="1">
-                <a:latin typeface="Courier New" panose="02070309020205020404" pitchFamily="49" charset="0"/>
-                <a:cs typeface="Courier New" panose="02070309020205020404" pitchFamily="49" charset="0"/>
-              </a:rPr>
-              <a:t>ReentrantLock</a:t>
-            </a:r>
-            <a:r>
-              <a:rPr lang="en-US" altLang="en-US" dirty="0"/>
-              <a:t>.</a:t>
-            </a:r>
-          </a:p>
-          <a:p>
-            <a:r>
-              <a:rPr lang="en-US" altLang="en-US" dirty="0"/>
-              <a:t>Creating a condition variable using </a:t>
-            </a:r>
-            <a:r>
-              <a:rPr lang="en-US" altLang="en-US" b="1" dirty="0" err="1">
-                <a:latin typeface="Courier New" panose="02070309020205020404" pitchFamily="49" charset="0"/>
-                <a:cs typeface="Courier New" panose="02070309020205020404" pitchFamily="49" charset="0"/>
-              </a:rPr>
-              <a:t>newCondition</a:t>
-            </a:r>
-            <a:r>
-              <a:rPr lang="en-US" altLang="en-US" b="1" dirty="0">
-                <a:latin typeface="Courier New" panose="02070309020205020404" pitchFamily="49" charset="0"/>
-                <a:cs typeface="Courier New" panose="02070309020205020404" pitchFamily="49" charset="0"/>
-              </a:rPr>
-              <a:t>()</a:t>
-            </a:r>
-            <a:r>
-              <a:rPr lang="en-US" altLang="en-US" dirty="0"/>
-              <a:t> method of </a:t>
-            </a:r>
-            <a:r>
-              <a:rPr lang="en-US" altLang="en-US" b="1" dirty="0" err="1">
-                <a:latin typeface="Courier New" panose="02070309020205020404" pitchFamily="49" charset="0"/>
-                <a:cs typeface="Courier New" panose="02070309020205020404" pitchFamily="49" charset="0"/>
-              </a:rPr>
-              <a:t>ReentrantLock</a:t>
-            </a:r>
-            <a:r>
-              <a:rPr lang="en-US" altLang="en-US" dirty="0"/>
-              <a:t>:</a:t>
-            </a:r>
-            <a:br>
-              <a:rPr lang="en-US" altLang="en-US" dirty="0"/>
-            </a:br>
-            <a:br>
-              <a:rPr lang="en-US" altLang="en-US" dirty="0"/>
-            </a:br>
-            <a:br>
-              <a:rPr lang="en-US" altLang="en-US" dirty="0"/>
-            </a:br>
-            <a:endParaRPr lang="en-US" altLang="en-US" dirty="0"/>
-          </a:p>
-          <a:p>
-            <a:r>
-              <a:rPr lang="en-US" altLang="en-US" dirty="0"/>
-              <a:t>A thread waits by calling the </a:t>
-            </a:r>
-            <a:r>
-              <a:rPr lang="en-US" altLang="en-US" b="1" dirty="0">
-                <a:latin typeface="Courier New" panose="02070309020205020404" pitchFamily="49" charset="0"/>
-                <a:cs typeface="Courier New" panose="02070309020205020404" pitchFamily="49" charset="0"/>
-              </a:rPr>
-              <a:t>await()</a:t>
-            </a:r>
-            <a:r>
-              <a:rPr lang="en-US" altLang="en-US" dirty="0"/>
-              <a:t> method, and signals by calling the </a:t>
-            </a:r>
-            <a:r>
-              <a:rPr lang="en-US" altLang="en-US" b="1" dirty="0">
-                <a:latin typeface="Courier New" panose="02070309020205020404" pitchFamily="49" charset="0"/>
-                <a:cs typeface="Courier New" panose="02070309020205020404" pitchFamily="49" charset="0"/>
-              </a:rPr>
-              <a:t>signal()</a:t>
-            </a:r>
-            <a:r>
-              <a:rPr lang="en-US" altLang="en-US" dirty="0"/>
-              <a:t> method.</a:t>
-            </a:r>
-          </a:p>
-          <a:p>
-            <a:endParaRPr lang="en-US" altLang="en-US" dirty="0"/>
-          </a:p>
-        </p:txBody>
-      </p:sp>
-      <p:pic>
-        <p:nvPicPr>
-          <p:cNvPr id="72707" name="Picture 3">
-            <a:extLst>
-              <a:ext uri="{FF2B5EF4-FFF2-40B4-BE49-F238E27FC236}">
-                <a16:creationId xmlns:a16="http://schemas.microsoft.com/office/drawing/2014/main" id="{319DAF66-BF33-4C59-85BB-AAC5407455F6}"/>
-              </a:ext>
-            </a:extLst>
-          </p:cNvPr>
-          <p:cNvPicPr>
-            <a:picLocks noChangeAspect="1"/>
-          </p:cNvPicPr>
-          <p:nvPr/>
-        </p:nvPicPr>
-        <p:blipFill>
-          <a:blip r:embed="rId2">
-            <a:extLst>
-              <a:ext uri="{28A0092B-C50C-407E-A947-70E740481C1C}">
-                <a14:useLocalDpi xmlns:a14="http://schemas.microsoft.com/office/drawing/2010/main" val="0"/>
-              </a:ext>
-            </a:extLst>
-          </a:blip>
-          <a:srcRect/>
-          <a:stretch>
-            <a:fillRect/>
-          </a:stretch>
-        </p:blipFill>
-        <p:spPr bwMode="auto">
-          <a:xfrm>
-            <a:off x="1998663" y="2382838"/>
-            <a:ext cx="4559300" cy="546100"/>
-          </a:xfrm>
-          <a:prstGeom prst="rect">
-            <a:avLst/>
-          </a:prstGeom>
-          <a:noFill/>
-          <a:ln>
-            <a:noFill/>
-          </a:ln>
-          <a:extLst>
-            <a:ext uri="{909E8E84-426E-40DD-AFC4-6F175D3DCCD1}">
-              <a14:hiddenFill xmlns:a14="http://schemas.microsoft.com/office/drawing/2010/main">
-                <a:solidFill>
-                  <a:srgbClr val="FFFFFF"/>
-                </a:solidFill>
-              </a14:hiddenFill>
-            </a:ext>
-            <a:ext uri="{91240B29-F687-4F45-9708-019B960494DF}">
-              <a14:hiddenLine xmlns:a14="http://schemas.microsoft.com/office/drawing/2010/main" w="9525">
-                <a:solidFill>
-                  <a:srgbClr val="000000"/>
-                </a:solidFill>
-                <a:miter lim="800000"/>
-                <a:headEnd/>
-                <a:tailEnd/>
-              </a14:hiddenLine>
-            </a:ext>
-          </a:extLst>
-        </p:spPr>
-      </p:pic>
-    </p:spTree>
-  </p:cSld>
-  <p:clrMapOvr>
-    <a:masterClrMapping/>
-  </p:clrMapOvr>
-</p:sld>
-</file>
-
-<file path=ppt/slides/slide38.xml><?xml version="1.0" encoding="utf-8"?>
-<p:sld xmlns:a="http://schemas.openxmlformats.org/drawingml/2006/main" xmlns:r="http://schemas.openxmlformats.org/officeDocument/2006/relationships" xmlns:p="http://schemas.openxmlformats.org/presentationml/2006/main">
-  <p:cSld>
-    <p:spTree>
-      <p:nvGrpSpPr>
-        <p:cNvPr id="1" name=""/>
-        <p:cNvGrpSpPr/>
-        <p:nvPr/>
-      </p:nvGrpSpPr>
-      <p:grpSpPr>
-        <a:xfrm>
-          <a:off x="0" y="0"/>
-          <a:ext cx="0" cy="0"/>
-          <a:chOff x="0" y="0"/>
-          <a:chExt cx="0" cy="0"/>
-        </a:xfrm>
-      </p:grpSpPr>
-      <p:sp>
-        <p:nvSpPr>
-          <p:cNvPr id="73729" name="Title 1">
-            <a:extLst>
-              <a:ext uri="{FF2B5EF4-FFF2-40B4-BE49-F238E27FC236}">
-                <a16:creationId xmlns:a16="http://schemas.microsoft.com/office/drawing/2014/main" id="{D682193C-8001-4466-AD49-43F8DFE3660B}"/>
-              </a:ext>
-            </a:extLst>
-          </p:cNvPr>
-          <p:cNvSpPr>
-            <a:spLocks noGrp="1"/>
-          </p:cNvSpPr>
-          <p:nvPr>
-            <p:ph type="title"/>
-          </p:nvPr>
-        </p:nvSpPr>
-        <p:spPr/>
-        <p:txBody>
-          <a:bodyPr/>
-          <a:lstStyle/>
-          <a:p>
-            <a:r>
-              <a:rPr lang="en-US" altLang="en-US" dirty="0"/>
-              <a:t>Java Condition Variables</a:t>
-            </a:r>
-          </a:p>
-        </p:txBody>
-      </p:sp>
-      <p:sp>
-        <p:nvSpPr>
-          <p:cNvPr id="73730" name="Content Placeholder 2">
-            <a:extLst>
-              <a:ext uri="{FF2B5EF4-FFF2-40B4-BE49-F238E27FC236}">
-                <a16:creationId xmlns:a16="http://schemas.microsoft.com/office/drawing/2014/main" id="{2DAA0B1E-86CC-4AED-AB12-015FBBA65409}"/>
-              </a:ext>
-            </a:extLst>
-          </p:cNvPr>
-          <p:cNvSpPr>
-            <a:spLocks noGrp="1"/>
-          </p:cNvSpPr>
-          <p:nvPr>
-            <p:ph idx="1"/>
-          </p:nvPr>
-        </p:nvSpPr>
-        <p:spPr>
-          <a:xfrm>
-            <a:off x="806450" y="1233488"/>
-            <a:ext cx="8229600" cy="4837112"/>
-          </a:xfrm>
-        </p:spPr>
-        <p:txBody>
-          <a:bodyPr/>
-          <a:lstStyle/>
-          <a:p>
-            <a:r>
-              <a:rPr lang="en-US" altLang="en-US"/>
-              <a:t>Example:</a:t>
-            </a:r>
-          </a:p>
-          <a:p>
-            <a:r>
-              <a:rPr lang="en-US" altLang="en-US"/>
-              <a:t>Five threads numbered 0 .. 4</a:t>
-            </a:r>
-          </a:p>
-          <a:p>
-            <a:r>
-              <a:rPr lang="en-US" altLang="en-US"/>
-              <a:t>Shared variable </a:t>
-            </a:r>
-            <a:r>
-              <a:rPr lang="en-US" altLang="en-US" b="1">
-                <a:latin typeface="Courier New" panose="02070309020205020404" pitchFamily="49" charset="0"/>
-                <a:cs typeface="Courier New" panose="02070309020205020404" pitchFamily="49" charset="0"/>
-              </a:rPr>
-              <a:t>turn</a:t>
-            </a:r>
-            <a:r>
-              <a:rPr lang="en-US" altLang="en-US"/>
-              <a:t> indicating which thread’s turn it is.</a:t>
-            </a:r>
-          </a:p>
-          <a:p>
-            <a:r>
-              <a:rPr lang="en-US" altLang="en-US"/>
-              <a:t>Thread calls </a:t>
-            </a:r>
-            <a:r>
-              <a:rPr lang="en-US" altLang="en-US" b="1">
-                <a:latin typeface="Courier New" panose="02070309020205020404" pitchFamily="49" charset="0"/>
-                <a:cs typeface="Courier New" panose="02070309020205020404" pitchFamily="49" charset="0"/>
-              </a:rPr>
-              <a:t>doWork()</a:t>
-            </a:r>
-            <a:r>
-              <a:rPr lang="en-US" altLang="en-US"/>
-              <a:t> when it wishes to do some work. (But it may only do work if it is their turn.</a:t>
-            </a:r>
-          </a:p>
-          <a:p>
-            <a:r>
-              <a:rPr lang="en-US" altLang="en-US"/>
-              <a:t>If not their turn, wait</a:t>
-            </a:r>
-          </a:p>
-          <a:p>
-            <a:r>
-              <a:rPr lang="en-US" altLang="en-US"/>
-              <a:t>If their turn, do some work for awhile </a:t>
-            </a:r>
-            <a:r>
-              <a:rPr lang="is-IS" altLang="en-US"/>
-              <a:t>…...</a:t>
-            </a:r>
-          </a:p>
-          <a:p>
-            <a:r>
-              <a:rPr lang="is-IS" altLang="en-US"/>
-              <a:t>When completed, notify the thread whose turn is next.</a:t>
-            </a:r>
-          </a:p>
-          <a:p>
-            <a:r>
-              <a:rPr lang="is-IS" altLang="en-US"/>
-              <a:t>Necessary data structures:</a:t>
-            </a:r>
-            <a:br>
-              <a:rPr lang="is-IS" altLang="en-US"/>
-            </a:br>
-            <a:br>
-              <a:rPr lang="is-IS" altLang="en-US"/>
-            </a:br>
-            <a:endParaRPr lang="en-US" altLang="en-US"/>
-          </a:p>
-          <a:p>
-            <a:endParaRPr lang="en-US" altLang="en-US"/>
-          </a:p>
-        </p:txBody>
-      </p:sp>
-      <p:pic>
-        <p:nvPicPr>
-          <p:cNvPr id="73731" name="Picture 4">
-            <a:extLst>
-              <a:ext uri="{FF2B5EF4-FFF2-40B4-BE49-F238E27FC236}">
-                <a16:creationId xmlns:a16="http://schemas.microsoft.com/office/drawing/2014/main" id="{0BB7AB9A-0CC7-4E39-9B1A-C10ABE0743B6}"/>
-              </a:ext>
-            </a:extLst>
-          </p:cNvPr>
-          <p:cNvPicPr>
-            <a:picLocks noChangeAspect="1"/>
-          </p:cNvPicPr>
-          <p:nvPr/>
-        </p:nvPicPr>
-        <p:blipFill>
-          <a:blip r:embed="rId2">
-            <a:extLst>
-              <a:ext uri="{28A0092B-C50C-407E-A947-70E740481C1C}">
-                <a14:useLocalDpi xmlns:a14="http://schemas.microsoft.com/office/drawing/2010/main" val="0"/>
-              </a:ext>
-            </a:extLst>
-          </a:blip>
-          <a:srcRect/>
-          <a:stretch>
-            <a:fillRect/>
-          </a:stretch>
-        </p:blipFill>
-        <p:spPr bwMode="auto">
-          <a:xfrm>
-            <a:off x="2016125" y="4508500"/>
-            <a:ext cx="4889500" cy="1219200"/>
-          </a:xfrm>
-          <a:prstGeom prst="rect">
-            <a:avLst/>
-          </a:prstGeom>
-          <a:noFill/>
-          <a:ln>
-            <a:noFill/>
-          </a:ln>
-          <a:extLst>
-            <a:ext uri="{909E8E84-426E-40DD-AFC4-6F175D3DCCD1}">
-              <a14:hiddenFill xmlns:a14="http://schemas.microsoft.com/office/drawing/2010/main">
-                <a:solidFill>
-                  <a:srgbClr val="FFFFFF"/>
-                </a:solidFill>
-              </a14:hiddenFill>
-            </a:ext>
-            <a:ext uri="{91240B29-F687-4F45-9708-019B960494DF}">
-              <a14:hiddenLine xmlns:a14="http://schemas.microsoft.com/office/drawing/2010/main" w="9525">
-                <a:solidFill>
-                  <a:srgbClr val="000000"/>
-                </a:solidFill>
-                <a:miter lim="800000"/>
-                <a:headEnd/>
-                <a:tailEnd/>
-              </a14:hiddenLine>
-            </a:ext>
-          </a:extLst>
-        </p:spPr>
-      </p:pic>
-    </p:spTree>
-  </p:cSld>
-  <p:clrMapOvr>
-    <a:masterClrMapping/>
-  </p:clrMapOvr>
-</p:sld>
-</file>
-
-<file path=ppt/slides/slide39.xml><?xml version="1.0" encoding="utf-8"?>
-<p:sld xmlns:a="http://schemas.openxmlformats.org/drawingml/2006/main" xmlns:r="http://schemas.openxmlformats.org/officeDocument/2006/relationships" xmlns:p="http://schemas.openxmlformats.org/presentationml/2006/main">
-  <p:cSld>
-    <p:spTree>
-      <p:nvGrpSpPr>
-        <p:cNvPr id="1" name=""/>
-        <p:cNvGrpSpPr/>
-        <p:nvPr/>
-      </p:nvGrpSpPr>
-      <p:grpSpPr>
-        <a:xfrm>
-          <a:off x="0" y="0"/>
-          <a:ext cx="0" cy="0"/>
-          <a:chOff x="0" y="0"/>
-          <a:chExt cx="0" cy="0"/>
-        </a:xfrm>
-      </p:grpSpPr>
-      <p:sp>
-        <p:nvSpPr>
           <p:cNvPr id="74753" name="Title 1">
             <a:extLst>
               <a:ext uri="{FF2B5EF4-FFF2-40B4-BE49-F238E27FC236}">
@@ -17779,6 +15307,1442 @@
           </a:extLst>
         </p:spPr>
       </p:pic>
+    </p:spTree>
+  </p:cSld>
+  <p:clrMapOvr>
+    <a:masterClrMapping/>
+  </p:clrMapOvr>
+</p:sld>
+</file>
+
+<file path=ppt/slides/slide31.xml><?xml version="1.0" encoding="utf-8"?>
+<p:sld xmlns:a="http://schemas.openxmlformats.org/drawingml/2006/main" xmlns:r="http://schemas.openxmlformats.org/officeDocument/2006/relationships" xmlns:p="http://schemas.openxmlformats.org/presentationml/2006/main">
+  <p:cSld>
+    <p:spTree>
+      <p:nvGrpSpPr>
+        <p:cNvPr id="1" name=""/>
+        <p:cNvGrpSpPr/>
+        <p:nvPr/>
+      </p:nvGrpSpPr>
+      <p:grpSpPr>
+        <a:xfrm>
+          <a:off x="0" y="0"/>
+          <a:ext cx="0" cy="0"/>
+          <a:chOff x="0" y="0"/>
+          <a:chExt cx="0" cy="0"/>
+        </a:xfrm>
+      </p:grpSpPr>
+      <p:sp>
+        <p:nvSpPr>
+          <p:cNvPr id="45057" name="Rectangle 2">
+            <a:extLst>
+              <a:ext uri="{FF2B5EF4-FFF2-40B4-BE49-F238E27FC236}">
+                <a16:creationId xmlns:a16="http://schemas.microsoft.com/office/drawing/2014/main" id="{3B57EE46-1C7A-4918-8405-158CA65293DF}"/>
+              </a:ext>
+            </a:extLst>
+          </p:cNvPr>
+          <p:cNvSpPr>
+            <a:spLocks noGrp="1" noChangeArrowheads="1"/>
+          </p:cNvSpPr>
+          <p:nvPr>
+            <p:ph type="title"/>
+          </p:nvPr>
+        </p:nvSpPr>
+        <p:spPr>
+          <a:xfrm>
+            <a:off x="1203325" y="227824"/>
+            <a:ext cx="7483475" cy="576263"/>
+          </a:xfrm>
+        </p:spPr>
+        <p:txBody>
+          <a:bodyPr/>
+          <a:lstStyle/>
+          <a:p>
+            <a:pPr eaLnBrk="1" hangingPunct="1"/>
+            <a:r>
+              <a:rPr lang="en-US" altLang="en-US" dirty="0"/>
+              <a:t>Alternative Approaches</a:t>
+            </a:r>
+          </a:p>
+        </p:txBody>
+      </p:sp>
+      <p:sp>
+        <p:nvSpPr>
+          <p:cNvPr id="45058" name="Rectangle 3">
+            <a:extLst>
+              <a:ext uri="{FF2B5EF4-FFF2-40B4-BE49-F238E27FC236}">
+                <a16:creationId xmlns:a16="http://schemas.microsoft.com/office/drawing/2014/main" id="{C6A1BEE2-3DDB-401E-8AEA-ACA01E7F0B54}"/>
+              </a:ext>
+            </a:extLst>
+          </p:cNvPr>
+          <p:cNvSpPr>
+            <a:spLocks noGrp="1" noChangeArrowheads="1"/>
+          </p:cNvSpPr>
+          <p:nvPr>
+            <p:ph type="body" sz="half" idx="1"/>
+          </p:nvPr>
+        </p:nvSpPr>
+        <p:spPr>
+          <a:xfrm>
+            <a:off x="935038" y="1181100"/>
+            <a:ext cx="7429500" cy="4613275"/>
+          </a:xfrm>
+        </p:spPr>
+        <p:txBody>
+          <a:bodyPr/>
+          <a:lstStyle/>
+          <a:p>
+            <a:r>
+              <a:rPr lang="en-US" altLang="en-US"/>
+              <a:t>Transactional Memory</a:t>
+            </a:r>
+            <a:br>
+              <a:rPr lang="en-US" altLang="en-US"/>
+            </a:br>
+            <a:endParaRPr lang="en-US" altLang="en-US"/>
+          </a:p>
+          <a:p>
+            <a:r>
+              <a:rPr lang="en-US" altLang="en-US"/>
+              <a:t>OpenMP</a:t>
+            </a:r>
+            <a:br>
+              <a:rPr lang="en-US" altLang="en-US"/>
+            </a:br>
+            <a:endParaRPr lang="en-US" altLang="en-US"/>
+          </a:p>
+          <a:p>
+            <a:r>
+              <a:rPr lang="en-US" altLang="en-US"/>
+              <a:t>Functional Programming Languages</a:t>
+            </a:r>
+          </a:p>
+        </p:txBody>
+      </p:sp>
+    </p:spTree>
+  </p:cSld>
+  <p:clrMapOvr>
+    <a:masterClrMapping/>
+  </p:clrMapOvr>
+</p:sld>
+</file>
+
+<file path=ppt/slides/slide32.xml><?xml version="1.0" encoding="utf-8"?>
+<p:sld xmlns:a="http://schemas.openxmlformats.org/drawingml/2006/main" xmlns:r="http://schemas.openxmlformats.org/officeDocument/2006/relationships" xmlns:p="http://schemas.openxmlformats.org/presentationml/2006/main">
+  <p:cSld>
+    <p:spTree>
+      <p:nvGrpSpPr>
+        <p:cNvPr id="1" name=""/>
+        <p:cNvGrpSpPr/>
+        <p:nvPr/>
+      </p:nvGrpSpPr>
+      <p:grpSpPr>
+        <a:xfrm>
+          <a:off x="0" y="0"/>
+          <a:ext cx="0" cy="0"/>
+          <a:chOff x="0" y="0"/>
+          <a:chExt cx="0" cy="0"/>
+        </a:xfrm>
+      </p:grpSpPr>
+      <p:sp>
+        <p:nvSpPr>
+          <p:cNvPr id="47105" name="Rectangle 3">
+            <a:extLst>
+              <a:ext uri="{FF2B5EF4-FFF2-40B4-BE49-F238E27FC236}">
+                <a16:creationId xmlns:a16="http://schemas.microsoft.com/office/drawing/2014/main" id="{C187FFE3-B997-442C-B2F6-983AA853640A}"/>
+              </a:ext>
+            </a:extLst>
+          </p:cNvPr>
+          <p:cNvSpPr>
+            <a:spLocks noGrp="1" noChangeArrowheads="1"/>
+          </p:cNvSpPr>
+          <p:nvPr>
+            <p:ph idx="1"/>
+          </p:nvPr>
+        </p:nvSpPr>
+        <p:spPr>
+          <a:xfrm>
+            <a:off x="928688" y="771525"/>
+            <a:ext cx="7021512" cy="5678488"/>
+          </a:xfrm>
+        </p:spPr>
+        <p:txBody>
+          <a:bodyPr/>
+          <a:lstStyle/>
+          <a:p>
+            <a:pPr marL="0" indent="0">
+              <a:lnSpc>
+                <a:spcPct val="80000"/>
+              </a:lnSpc>
+              <a:buNone/>
+            </a:pPr>
+            <a:endParaRPr lang="en-US" altLang="en-US" dirty="0"/>
+          </a:p>
+          <a:p>
+            <a:r>
+              <a:rPr lang="en-US" altLang="en-US" dirty="0"/>
+              <a:t>Consider a function update() that must be called atomically. One option is to use mutex locks:</a:t>
+            </a:r>
+            <a:br>
+              <a:rPr lang="en-US" altLang="en-US" dirty="0"/>
+            </a:br>
+            <a:br>
+              <a:rPr lang="en-US" altLang="en-US" dirty="0"/>
+            </a:br>
+            <a:br>
+              <a:rPr lang="en-US" altLang="en-US" dirty="0"/>
+            </a:br>
+            <a:br>
+              <a:rPr lang="en-US" altLang="en-US" dirty="0"/>
+            </a:br>
+            <a:br>
+              <a:rPr lang="en-US" altLang="en-US" dirty="0"/>
+            </a:br>
+            <a:endParaRPr lang="en-US" altLang="en-US" sz="1000" dirty="0"/>
+          </a:p>
+          <a:p>
+            <a:endParaRPr lang="en-US" altLang="en-US" sz="1000" dirty="0"/>
+          </a:p>
+          <a:p>
+            <a:endParaRPr lang="en-US" altLang="en-US" sz="1000" dirty="0"/>
+          </a:p>
+          <a:p>
+            <a:endParaRPr lang="en-US" altLang="en-US" dirty="0"/>
+          </a:p>
+          <a:p>
+            <a:r>
+              <a:rPr lang="en-US" altLang="en-US" dirty="0"/>
+              <a:t>A </a:t>
+            </a:r>
+            <a:r>
+              <a:rPr lang="en-US" altLang="en-US" b="1" dirty="0"/>
+              <a:t>memory transaction </a:t>
+            </a:r>
+            <a:r>
+              <a:rPr lang="en-US" altLang="en-US" dirty="0"/>
+              <a:t>is a sequence of read-write operations to memory that are performed atomically. A transaction can be completed by adding </a:t>
+            </a:r>
+            <a:r>
+              <a:rPr lang="en-US" altLang="en-US" b="1" dirty="0">
+                <a:latin typeface="Courier New" panose="02070309020205020404" pitchFamily="49" charset="0"/>
+                <a:cs typeface="Courier New" panose="02070309020205020404" pitchFamily="49" charset="0"/>
+              </a:rPr>
+              <a:t>atomic{S}</a:t>
+            </a:r>
+            <a:r>
+              <a:rPr lang="en-US" altLang="en-US" dirty="0"/>
+              <a:t> which ensure statements in </a:t>
+            </a:r>
+            <a:r>
+              <a:rPr lang="en-US" altLang="en-US" b="1" dirty="0">
+                <a:latin typeface="Courier New" panose="02070309020205020404" pitchFamily="49" charset="0"/>
+                <a:cs typeface="Courier New" panose="02070309020205020404" pitchFamily="49" charset="0"/>
+              </a:rPr>
+              <a:t>S</a:t>
+            </a:r>
+            <a:r>
+              <a:rPr lang="en-US" altLang="en-US" dirty="0"/>
+              <a:t> are executed atomically:</a:t>
+            </a:r>
+          </a:p>
+          <a:p>
+            <a:pPr>
+              <a:lnSpc>
+                <a:spcPct val="80000"/>
+              </a:lnSpc>
+            </a:pPr>
+            <a:endParaRPr lang="en-US" altLang="en-US" dirty="0"/>
+          </a:p>
+          <a:p>
+            <a:pPr>
+              <a:lnSpc>
+                <a:spcPct val="80000"/>
+              </a:lnSpc>
+              <a:buFont typeface="Monotype Sorts" pitchFamily="-84" charset="2"/>
+              <a:buNone/>
+            </a:pPr>
+            <a:endParaRPr lang="en-US" altLang="en-US" b="1" dirty="0">
+              <a:solidFill>
+                <a:srgbClr val="000000"/>
+              </a:solidFill>
+              <a:latin typeface="Courier New" panose="02070309020205020404" pitchFamily="49" charset="0"/>
+            </a:endParaRPr>
+          </a:p>
+          <a:p>
+            <a:pPr>
+              <a:lnSpc>
+                <a:spcPct val="80000"/>
+              </a:lnSpc>
+              <a:buFont typeface="Monotype Sorts" pitchFamily="-84" charset="2"/>
+              <a:buNone/>
+            </a:pPr>
+            <a:r>
+              <a:rPr lang="en-US" altLang="en-US" b="1" dirty="0">
+                <a:solidFill>
+                  <a:srgbClr val="000000"/>
+                </a:solidFill>
+                <a:latin typeface="Courier New" panose="02070309020205020404" pitchFamily="49" charset="0"/>
+              </a:rPr>
+              <a:t>              </a:t>
+            </a:r>
+            <a:endParaRPr lang="en-US" altLang="en-US" dirty="0">
+              <a:solidFill>
+                <a:srgbClr val="0000FF"/>
+              </a:solidFill>
+            </a:endParaRPr>
+          </a:p>
+          <a:p>
+            <a:pPr>
+              <a:lnSpc>
+                <a:spcPct val="80000"/>
+              </a:lnSpc>
+              <a:buFont typeface="Monotype Sorts" pitchFamily="-84" charset="2"/>
+              <a:buNone/>
+            </a:pPr>
+            <a:endParaRPr lang="en-US" altLang="en-US" i="1" dirty="0">
+              <a:solidFill>
+                <a:srgbClr val="0000FF"/>
+              </a:solidFill>
+            </a:endParaRPr>
+          </a:p>
+          <a:p>
+            <a:pPr>
+              <a:lnSpc>
+                <a:spcPct val="80000"/>
+              </a:lnSpc>
+              <a:buFont typeface="Monotype Sorts" pitchFamily="-84" charset="2"/>
+              <a:buNone/>
+            </a:pPr>
+            <a:endParaRPr lang="en-US" altLang="en-US" dirty="0">
+              <a:solidFill>
+                <a:srgbClr val="0000FF"/>
+              </a:solidFill>
+            </a:endParaRPr>
+          </a:p>
+        </p:txBody>
+      </p:sp>
+      <p:sp>
+        <p:nvSpPr>
+          <p:cNvPr id="47106" name="Rectangle 2">
+            <a:extLst>
+              <a:ext uri="{FF2B5EF4-FFF2-40B4-BE49-F238E27FC236}">
+                <a16:creationId xmlns:a16="http://schemas.microsoft.com/office/drawing/2014/main" id="{5C367A7E-459E-409E-89AA-861F0B1798D3}"/>
+              </a:ext>
+            </a:extLst>
+          </p:cNvPr>
+          <p:cNvSpPr>
+            <a:spLocks noChangeArrowheads="1"/>
+          </p:cNvSpPr>
+          <p:nvPr/>
+        </p:nvSpPr>
+        <p:spPr bwMode="auto">
+          <a:xfrm>
+            <a:off x="715733" y="160563"/>
+            <a:ext cx="7916863" cy="638175"/>
+          </a:xfrm>
+          <a:prstGeom prst="rect">
+            <a:avLst/>
+          </a:prstGeom>
+          <a:noFill/>
+          <a:ln>
+            <a:noFill/>
+          </a:ln>
+          <a:extLst>
+            <a:ext uri="{909E8E84-426E-40DD-AFC4-6F175D3DCCD1}">
+              <a14:hiddenFill xmlns:a14="http://schemas.microsoft.com/office/drawing/2010/main">
+                <a:solidFill>
+                  <a:srgbClr val="FFFFFF"/>
+                </a:solidFill>
+              </a14:hiddenFill>
+            </a:ext>
+            <a:ext uri="{91240B29-F687-4F45-9708-019B960494DF}">
+              <a14:hiddenLine xmlns:a14="http://schemas.microsoft.com/office/drawing/2010/main" w="9525">
+                <a:solidFill>
+                  <a:srgbClr val="000000"/>
+                </a:solidFill>
+                <a:miter lim="800000"/>
+                <a:headEnd/>
+                <a:tailEnd/>
+              </a14:hiddenLine>
+            </a:ext>
+          </a:extLst>
+        </p:spPr>
+        <p:txBody>
+          <a:bodyPr lIns="91426" tIns="45714" rIns="91426" bIns="45714" anchor="b"/>
+          <a:lstStyle>
+            <a:lvl1pPr>
+              <a:defRPr>
+                <a:solidFill>
+                  <a:schemeClr val="tx1"/>
+                </a:solidFill>
+                <a:latin typeface="Verdana" panose="020B0604030504040204" pitchFamily="34" charset="0"/>
+                <a:ea typeface="MS PGothic" panose="020B0600070205080204" pitchFamily="34" charset="-128"/>
+              </a:defRPr>
+            </a:lvl1pPr>
+            <a:lvl2pPr marL="742950" indent="-285750">
+              <a:defRPr>
+                <a:solidFill>
+                  <a:schemeClr val="tx1"/>
+                </a:solidFill>
+                <a:latin typeface="Verdana" panose="020B0604030504040204" pitchFamily="34" charset="0"/>
+                <a:ea typeface="MS PGothic" panose="020B0600070205080204" pitchFamily="34" charset="-128"/>
+              </a:defRPr>
+            </a:lvl2pPr>
+            <a:lvl3pPr marL="1143000" indent="-228600">
+              <a:defRPr>
+                <a:solidFill>
+                  <a:schemeClr val="tx1"/>
+                </a:solidFill>
+                <a:latin typeface="Verdana" panose="020B0604030504040204" pitchFamily="34" charset="0"/>
+                <a:ea typeface="MS PGothic" panose="020B0600070205080204" pitchFamily="34" charset="-128"/>
+              </a:defRPr>
+            </a:lvl3pPr>
+            <a:lvl4pPr marL="1600200" indent="-228600">
+              <a:defRPr>
+                <a:solidFill>
+                  <a:schemeClr val="tx1"/>
+                </a:solidFill>
+                <a:latin typeface="Verdana" panose="020B0604030504040204" pitchFamily="34" charset="0"/>
+                <a:ea typeface="MS PGothic" panose="020B0600070205080204" pitchFamily="34" charset="-128"/>
+              </a:defRPr>
+            </a:lvl4pPr>
+            <a:lvl5pPr marL="2057400" indent="-228600">
+              <a:defRPr>
+                <a:solidFill>
+                  <a:schemeClr val="tx1"/>
+                </a:solidFill>
+                <a:latin typeface="Verdana" panose="020B0604030504040204" pitchFamily="34" charset="0"/>
+                <a:ea typeface="MS PGothic" panose="020B0600070205080204" pitchFamily="34" charset="-128"/>
+              </a:defRPr>
+            </a:lvl5pPr>
+            <a:lvl6pPr marL="2514600" indent="-228600" eaLnBrk="0" fontAlgn="base" hangingPunct="0">
+              <a:spcBef>
+                <a:spcPct val="0"/>
+              </a:spcBef>
+              <a:spcAft>
+                <a:spcPct val="0"/>
+              </a:spcAft>
+              <a:defRPr>
+                <a:solidFill>
+                  <a:schemeClr val="tx1"/>
+                </a:solidFill>
+                <a:latin typeface="Verdana" panose="020B0604030504040204" pitchFamily="34" charset="0"/>
+                <a:ea typeface="MS PGothic" panose="020B0600070205080204" pitchFamily="34" charset="-128"/>
+              </a:defRPr>
+            </a:lvl6pPr>
+            <a:lvl7pPr marL="2971800" indent="-228600" eaLnBrk="0" fontAlgn="base" hangingPunct="0">
+              <a:spcBef>
+                <a:spcPct val="0"/>
+              </a:spcBef>
+              <a:spcAft>
+                <a:spcPct val="0"/>
+              </a:spcAft>
+              <a:defRPr>
+                <a:solidFill>
+                  <a:schemeClr val="tx1"/>
+                </a:solidFill>
+                <a:latin typeface="Verdana" panose="020B0604030504040204" pitchFamily="34" charset="0"/>
+                <a:ea typeface="MS PGothic" panose="020B0600070205080204" pitchFamily="34" charset="-128"/>
+              </a:defRPr>
+            </a:lvl7pPr>
+            <a:lvl8pPr marL="3429000" indent="-228600" eaLnBrk="0" fontAlgn="base" hangingPunct="0">
+              <a:spcBef>
+                <a:spcPct val="0"/>
+              </a:spcBef>
+              <a:spcAft>
+                <a:spcPct val="0"/>
+              </a:spcAft>
+              <a:defRPr>
+                <a:solidFill>
+                  <a:schemeClr val="tx1"/>
+                </a:solidFill>
+                <a:latin typeface="Verdana" panose="020B0604030504040204" pitchFamily="34" charset="0"/>
+                <a:ea typeface="MS PGothic" panose="020B0600070205080204" pitchFamily="34" charset="-128"/>
+              </a:defRPr>
+            </a:lvl8pPr>
+            <a:lvl9pPr marL="3886200" indent="-228600" eaLnBrk="0" fontAlgn="base" hangingPunct="0">
+              <a:spcBef>
+                <a:spcPct val="0"/>
+              </a:spcBef>
+              <a:spcAft>
+                <a:spcPct val="0"/>
+              </a:spcAft>
+              <a:defRPr>
+                <a:solidFill>
+                  <a:schemeClr val="tx1"/>
+                </a:solidFill>
+                <a:latin typeface="Verdana" panose="020B0604030504040204" pitchFamily="34" charset="0"/>
+                <a:ea typeface="MS PGothic" panose="020B0600070205080204" pitchFamily="34" charset="-128"/>
+              </a:defRPr>
+            </a:lvl9pPr>
+          </a:lstStyle>
+          <a:p>
+            <a:pPr algn="ctr" eaLnBrk="1" hangingPunct="1"/>
+            <a:r>
+              <a:rPr lang="en-US" altLang="en-US" sz="3200" b="1" dirty="0">
+                <a:solidFill>
+                  <a:srgbClr val="006699"/>
+                </a:solidFill>
+                <a:latin typeface="Arial" panose="020B0604020202020204" pitchFamily="34" charset="0"/>
+              </a:rPr>
+              <a:t>Transactional Memory</a:t>
+            </a:r>
+          </a:p>
+        </p:txBody>
+      </p:sp>
+      <p:pic>
+        <p:nvPicPr>
+          <p:cNvPr id="47107" name="Picture 1">
+            <a:extLst>
+              <a:ext uri="{FF2B5EF4-FFF2-40B4-BE49-F238E27FC236}">
+                <a16:creationId xmlns:a16="http://schemas.microsoft.com/office/drawing/2014/main" id="{BBB00BB2-4E55-476D-A2A6-79F3004100BD}"/>
+              </a:ext>
+            </a:extLst>
+          </p:cNvPr>
+          <p:cNvPicPr>
+            <a:picLocks noChangeAspect="1"/>
+          </p:cNvPicPr>
+          <p:nvPr/>
+        </p:nvPicPr>
+        <p:blipFill>
+          <a:blip r:embed="rId3">
+            <a:extLst>
+              <a:ext uri="{28A0092B-C50C-407E-A947-70E740481C1C}">
+                <a14:useLocalDpi xmlns:a14="http://schemas.microsoft.com/office/drawing/2010/main" val="0"/>
+              </a:ext>
+            </a:extLst>
+          </a:blip>
+          <a:srcRect/>
+          <a:stretch>
+            <a:fillRect/>
+          </a:stretch>
+        </p:blipFill>
+        <p:spPr bwMode="auto">
+          <a:xfrm>
+            <a:off x="2620963" y="1811450"/>
+            <a:ext cx="3373437" cy="1976438"/>
+          </a:xfrm>
+          <a:prstGeom prst="rect">
+            <a:avLst/>
+          </a:prstGeom>
+          <a:noFill/>
+          <a:ln>
+            <a:noFill/>
+          </a:ln>
+          <a:extLst>
+            <a:ext uri="{909E8E84-426E-40DD-AFC4-6F175D3DCCD1}">
+              <a14:hiddenFill xmlns:a14="http://schemas.microsoft.com/office/drawing/2010/main">
+                <a:solidFill>
+                  <a:srgbClr val="FFFFFF"/>
+                </a:solidFill>
+              </a14:hiddenFill>
+            </a:ext>
+            <a:ext uri="{91240B29-F687-4F45-9708-019B960494DF}">
+              <a14:hiddenLine xmlns:a14="http://schemas.microsoft.com/office/drawing/2010/main" w="9525">
+                <a:solidFill>
+                  <a:srgbClr val="000000"/>
+                </a:solidFill>
+                <a:miter lim="800000"/>
+                <a:headEnd/>
+                <a:tailEnd/>
+              </a14:hiddenLine>
+            </a:ext>
+          </a:extLst>
+        </p:spPr>
+      </p:pic>
+      <p:pic>
+        <p:nvPicPr>
+          <p:cNvPr id="47108" name="Picture 2">
+            <a:extLst>
+              <a:ext uri="{FF2B5EF4-FFF2-40B4-BE49-F238E27FC236}">
+                <a16:creationId xmlns:a16="http://schemas.microsoft.com/office/drawing/2014/main" id="{203EA14E-3ABE-49DE-A97D-83909A6BA0DC}"/>
+              </a:ext>
+            </a:extLst>
+          </p:cNvPr>
+          <p:cNvPicPr>
+            <a:picLocks noChangeAspect="1"/>
+          </p:cNvPicPr>
+          <p:nvPr/>
+        </p:nvPicPr>
+        <p:blipFill>
+          <a:blip r:embed="rId4">
+            <a:extLst>
+              <a:ext uri="{28A0092B-C50C-407E-A947-70E740481C1C}">
+                <a14:useLocalDpi xmlns:a14="http://schemas.microsoft.com/office/drawing/2010/main" val="0"/>
+              </a:ext>
+            </a:extLst>
+          </a:blip>
+          <a:srcRect/>
+          <a:stretch>
+            <a:fillRect/>
+          </a:stretch>
+        </p:blipFill>
+        <p:spPr bwMode="auto">
+          <a:xfrm>
+            <a:off x="2629694" y="5015204"/>
+            <a:ext cx="3619500" cy="1562100"/>
+          </a:xfrm>
+          <a:prstGeom prst="rect">
+            <a:avLst/>
+          </a:prstGeom>
+          <a:noFill/>
+          <a:ln>
+            <a:noFill/>
+          </a:ln>
+          <a:extLst>
+            <a:ext uri="{909E8E84-426E-40DD-AFC4-6F175D3DCCD1}">
+              <a14:hiddenFill xmlns:a14="http://schemas.microsoft.com/office/drawing/2010/main">
+                <a:solidFill>
+                  <a:srgbClr val="FFFFFF"/>
+                </a:solidFill>
+              </a14:hiddenFill>
+            </a:ext>
+            <a:ext uri="{91240B29-F687-4F45-9708-019B960494DF}">
+              <a14:hiddenLine xmlns:a14="http://schemas.microsoft.com/office/drawing/2010/main" w="9525">
+                <a:solidFill>
+                  <a:srgbClr val="000000"/>
+                </a:solidFill>
+                <a:miter lim="800000"/>
+                <a:headEnd/>
+                <a:tailEnd/>
+              </a14:hiddenLine>
+            </a:ext>
+          </a:extLst>
+        </p:spPr>
+      </p:pic>
+    </p:spTree>
+  </p:cSld>
+  <p:clrMapOvr>
+    <a:masterClrMapping/>
+  </p:clrMapOvr>
+</p:sld>
+</file>
+
+<file path=ppt/slides/slide33.xml><?xml version="1.0" encoding="utf-8"?>
+<p:sld xmlns:a="http://schemas.openxmlformats.org/drawingml/2006/main" xmlns:r="http://schemas.openxmlformats.org/officeDocument/2006/relationships" xmlns:p="http://schemas.openxmlformats.org/presentationml/2006/main">
+  <p:cSld>
+    <p:spTree>
+      <p:nvGrpSpPr>
+        <p:cNvPr id="1" name=""/>
+        <p:cNvGrpSpPr/>
+        <p:nvPr/>
+      </p:nvGrpSpPr>
+      <p:grpSpPr>
+        <a:xfrm>
+          <a:off x="0" y="0"/>
+          <a:ext cx="0" cy="0"/>
+          <a:chOff x="0" y="0"/>
+          <a:chExt cx="0" cy="0"/>
+        </a:xfrm>
+      </p:grpSpPr>
+      <p:sp>
+        <p:nvSpPr>
+          <p:cNvPr id="49153" name="Rectangle 3">
+            <a:extLst>
+              <a:ext uri="{FF2B5EF4-FFF2-40B4-BE49-F238E27FC236}">
+                <a16:creationId xmlns:a16="http://schemas.microsoft.com/office/drawing/2014/main" id="{890F933E-4773-4C54-A0AD-CCEA2CC1BE5D}"/>
+              </a:ext>
+            </a:extLst>
+          </p:cNvPr>
+          <p:cNvSpPr>
+            <a:spLocks noGrp="1" noChangeArrowheads="1"/>
+          </p:cNvSpPr>
+          <p:nvPr>
+            <p:ph idx="1"/>
+          </p:nvPr>
+        </p:nvSpPr>
+        <p:spPr>
+          <a:xfrm>
+            <a:off x="928688" y="771525"/>
+            <a:ext cx="7021512" cy="5268913"/>
+          </a:xfrm>
+        </p:spPr>
+        <p:txBody>
+          <a:bodyPr/>
+          <a:lstStyle/>
+          <a:p>
+            <a:pPr>
+              <a:lnSpc>
+                <a:spcPct val="80000"/>
+              </a:lnSpc>
+              <a:buFont typeface="Monotype Sorts" pitchFamily="-84" charset="2"/>
+              <a:buNone/>
+            </a:pPr>
+            <a:endParaRPr lang="en-US" altLang="en-US" sz="1600" dirty="0">
+              <a:solidFill>
+                <a:srgbClr val="0000FF"/>
+              </a:solidFill>
+            </a:endParaRPr>
+          </a:p>
+          <a:p>
+            <a:r>
+              <a:rPr lang="en-US" altLang="en-US" dirty="0"/>
+              <a:t>OpenMP is a set of compiler directives and API that support parallel </a:t>
+            </a:r>
+            <a:r>
+              <a:rPr lang="en-US" altLang="en-US" dirty="0" err="1"/>
+              <a:t>progamming</a:t>
+            </a:r>
+            <a:r>
+              <a:rPr lang="en-US" altLang="en-US" dirty="0"/>
+              <a:t>.</a:t>
+            </a:r>
+          </a:p>
+          <a:p>
+            <a:pPr>
+              <a:lnSpc>
+                <a:spcPct val="80000"/>
+              </a:lnSpc>
+              <a:buFont typeface="Monotype Sorts" pitchFamily="-84" charset="2"/>
+              <a:buNone/>
+            </a:pPr>
+            <a:endParaRPr lang="en-US" altLang="en-US" b="1" dirty="0">
+              <a:solidFill>
+                <a:srgbClr val="000000"/>
+              </a:solidFill>
+              <a:latin typeface="Courier New" panose="02070309020205020404" pitchFamily="49" charset="0"/>
+            </a:endParaRPr>
+          </a:p>
+          <a:p>
+            <a:pPr>
+              <a:lnSpc>
+                <a:spcPct val="80000"/>
+              </a:lnSpc>
+              <a:buFont typeface="Monotype Sorts" pitchFamily="-84" charset="2"/>
+              <a:buNone/>
+            </a:pPr>
+            <a:r>
+              <a:rPr lang="en-US" altLang="en-US" b="1" dirty="0">
+                <a:solidFill>
+                  <a:srgbClr val="000000"/>
+                </a:solidFill>
+                <a:latin typeface="Courier New" panose="02070309020205020404" pitchFamily="49" charset="0"/>
+              </a:rPr>
+              <a:t>              </a:t>
+            </a:r>
+            <a:r>
+              <a:rPr lang="en-US" altLang="en-US" sz="2000" b="1" dirty="0">
+                <a:solidFill>
+                  <a:srgbClr val="000000"/>
+                </a:solidFill>
+                <a:latin typeface="Courier New" panose="02070309020205020404" pitchFamily="49" charset="0"/>
+              </a:rPr>
+              <a:t>void update(</a:t>
+            </a:r>
+            <a:r>
+              <a:rPr lang="en-US" altLang="en-US" sz="2000" b="1" dirty="0" err="1">
+                <a:solidFill>
+                  <a:srgbClr val="000000"/>
+                </a:solidFill>
+                <a:latin typeface="Courier New" panose="02070309020205020404" pitchFamily="49" charset="0"/>
+              </a:rPr>
+              <a:t>int</a:t>
+            </a:r>
+            <a:r>
+              <a:rPr lang="en-US" altLang="en-US" sz="2000" b="1" dirty="0">
+                <a:solidFill>
+                  <a:srgbClr val="000000"/>
+                </a:solidFill>
+                <a:latin typeface="Courier New" panose="02070309020205020404" pitchFamily="49" charset="0"/>
+              </a:rPr>
+              <a:t> value)</a:t>
+            </a:r>
+          </a:p>
+          <a:p>
+            <a:pPr>
+              <a:lnSpc>
+                <a:spcPct val="80000"/>
+              </a:lnSpc>
+              <a:buFont typeface="Monotype Sorts" pitchFamily="-84" charset="2"/>
+              <a:buNone/>
+            </a:pPr>
+            <a:r>
+              <a:rPr lang="en-US" altLang="en-US" sz="2000" b="1" dirty="0">
+                <a:solidFill>
+                  <a:srgbClr val="000000"/>
+                </a:solidFill>
+                <a:latin typeface="Courier New" panose="02070309020205020404" pitchFamily="49" charset="0"/>
+              </a:rPr>
+              <a:t>			 {</a:t>
+            </a:r>
+          </a:p>
+          <a:p>
+            <a:pPr>
+              <a:lnSpc>
+                <a:spcPct val="80000"/>
+              </a:lnSpc>
+              <a:buFont typeface="Monotype Sorts" pitchFamily="-84" charset="2"/>
+              <a:buNone/>
+            </a:pPr>
+            <a:r>
+              <a:rPr lang="en-US" altLang="en-US" sz="2000" b="1" dirty="0">
+                <a:solidFill>
+                  <a:srgbClr val="000000"/>
+                </a:solidFill>
+                <a:latin typeface="Courier New" panose="02070309020205020404" pitchFamily="49" charset="0"/>
+              </a:rPr>
+              <a:t>				#pragma </a:t>
+            </a:r>
+            <a:r>
+              <a:rPr lang="en-US" altLang="en-US" sz="2000" b="1" dirty="0" err="1">
+                <a:solidFill>
+                  <a:srgbClr val="000000"/>
+                </a:solidFill>
+                <a:latin typeface="Courier New" panose="02070309020205020404" pitchFamily="49" charset="0"/>
+              </a:rPr>
+              <a:t>omp</a:t>
+            </a:r>
+            <a:r>
+              <a:rPr lang="en-US" altLang="en-US" sz="2000" b="1" dirty="0">
+                <a:solidFill>
+                  <a:srgbClr val="000000"/>
+                </a:solidFill>
+                <a:latin typeface="Courier New" panose="02070309020205020404" pitchFamily="49" charset="0"/>
+              </a:rPr>
+              <a:t> critical</a:t>
+            </a:r>
+          </a:p>
+          <a:p>
+            <a:pPr>
+              <a:lnSpc>
+                <a:spcPct val="80000"/>
+              </a:lnSpc>
+              <a:buFont typeface="Monotype Sorts" pitchFamily="-84" charset="2"/>
+              <a:buNone/>
+            </a:pPr>
+            <a:r>
+              <a:rPr lang="en-US" altLang="en-US" sz="2000" b="1" dirty="0">
+                <a:solidFill>
+                  <a:srgbClr val="000000"/>
+                </a:solidFill>
+                <a:latin typeface="Courier New" panose="02070309020205020404" pitchFamily="49" charset="0"/>
+              </a:rPr>
+              <a:t>				{</a:t>
+            </a:r>
+          </a:p>
+          <a:p>
+            <a:pPr>
+              <a:lnSpc>
+                <a:spcPct val="80000"/>
+              </a:lnSpc>
+              <a:buFont typeface="Monotype Sorts" pitchFamily="-84" charset="2"/>
+              <a:buNone/>
+            </a:pPr>
+            <a:r>
+              <a:rPr lang="en-US" altLang="en-US" sz="2000" b="1" dirty="0">
+                <a:solidFill>
+                  <a:srgbClr val="000000"/>
+                </a:solidFill>
+                <a:latin typeface="Courier New" panose="02070309020205020404" pitchFamily="49" charset="0"/>
+              </a:rPr>
+              <a:t>					count += value</a:t>
+            </a:r>
+          </a:p>
+          <a:p>
+            <a:pPr>
+              <a:lnSpc>
+                <a:spcPct val="80000"/>
+              </a:lnSpc>
+              <a:buFont typeface="Monotype Sorts" pitchFamily="-84" charset="2"/>
+              <a:buNone/>
+            </a:pPr>
+            <a:r>
+              <a:rPr lang="en-US" altLang="en-US" sz="2000" b="1" dirty="0">
+                <a:solidFill>
+                  <a:srgbClr val="000000"/>
+                </a:solidFill>
+                <a:latin typeface="Courier New" panose="02070309020205020404" pitchFamily="49" charset="0"/>
+              </a:rPr>
+              <a:t>				}</a:t>
+            </a:r>
+          </a:p>
+          <a:p>
+            <a:pPr>
+              <a:lnSpc>
+                <a:spcPct val="80000"/>
+              </a:lnSpc>
+              <a:buFont typeface="Monotype Sorts" pitchFamily="-84" charset="2"/>
+              <a:buNone/>
+            </a:pPr>
+            <a:r>
+              <a:rPr lang="en-US" altLang="en-US" sz="2000" b="1" dirty="0">
+                <a:solidFill>
+                  <a:srgbClr val="000000"/>
+                </a:solidFill>
+                <a:latin typeface="Courier New" panose="02070309020205020404" pitchFamily="49" charset="0"/>
+              </a:rPr>
+              <a:t>			  }</a:t>
+            </a:r>
+          </a:p>
+          <a:p>
+            <a:pPr>
+              <a:lnSpc>
+                <a:spcPct val="80000"/>
+              </a:lnSpc>
+              <a:buFont typeface="Monotype Sorts" pitchFamily="-84" charset="2"/>
+              <a:buNone/>
+            </a:pPr>
+            <a:endParaRPr lang="en-US" altLang="en-US" dirty="0">
+              <a:solidFill>
+                <a:srgbClr val="0000FF"/>
+              </a:solidFill>
+            </a:endParaRPr>
+          </a:p>
+          <a:p>
+            <a:r>
+              <a:rPr lang="en-US" altLang="en-US" dirty="0"/>
+              <a:t>The code contained within the </a:t>
+            </a:r>
+            <a:r>
+              <a:rPr lang="en-US" altLang="en-US" b="1" dirty="0">
+                <a:latin typeface="Courier New" panose="02070309020205020404" pitchFamily="49" charset="0"/>
+              </a:rPr>
+              <a:t>#pragma </a:t>
+            </a:r>
+            <a:r>
+              <a:rPr lang="en-US" altLang="en-US" b="1" dirty="0" err="1">
+                <a:latin typeface="Courier New" panose="02070309020205020404" pitchFamily="49" charset="0"/>
+              </a:rPr>
+              <a:t>omp</a:t>
+            </a:r>
+            <a:r>
+              <a:rPr lang="en-US" altLang="en-US" b="1" dirty="0">
+                <a:latin typeface="Courier New" panose="02070309020205020404" pitchFamily="49" charset="0"/>
+              </a:rPr>
+              <a:t> critical </a:t>
+            </a:r>
+            <a:r>
+              <a:rPr lang="en-US" altLang="en-US" dirty="0"/>
+              <a:t>directive is treated as a critical section and performed atomically.</a:t>
+            </a:r>
+          </a:p>
+          <a:p>
+            <a:pPr>
+              <a:lnSpc>
+                <a:spcPct val="80000"/>
+              </a:lnSpc>
+              <a:buFont typeface="Monotype Sorts" pitchFamily="-84" charset="2"/>
+              <a:buNone/>
+            </a:pPr>
+            <a:endParaRPr lang="en-US" altLang="en-US" dirty="0">
+              <a:solidFill>
+                <a:srgbClr val="0000FF"/>
+              </a:solidFill>
+            </a:endParaRPr>
+          </a:p>
+        </p:txBody>
+      </p:sp>
+      <p:sp>
+        <p:nvSpPr>
+          <p:cNvPr id="49154" name="Rectangle 2">
+            <a:extLst>
+              <a:ext uri="{FF2B5EF4-FFF2-40B4-BE49-F238E27FC236}">
+                <a16:creationId xmlns:a16="http://schemas.microsoft.com/office/drawing/2014/main" id="{0C92B3FE-3AC2-4C5E-B6DA-D168D0F06766}"/>
+              </a:ext>
+            </a:extLst>
+          </p:cNvPr>
+          <p:cNvSpPr>
+            <a:spLocks noChangeArrowheads="1"/>
+          </p:cNvSpPr>
+          <p:nvPr/>
+        </p:nvSpPr>
+        <p:spPr bwMode="auto">
+          <a:xfrm>
+            <a:off x="445148" y="160566"/>
+            <a:ext cx="7916863" cy="638175"/>
+          </a:xfrm>
+          <a:prstGeom prst="rect">
+            <a:avLst/>
+          </a:prstGeom>
+          <a:noFill/>
+          <a:ln>
+            <a:noFill/>
+          </a:ln>
+          <a:extLst>
+            <a:ext uri="{909E8E84-426E-40DD-AFC4-6F175D3DCCD1}">
+              <a14:hiddenFill xmlns:a14="http://schemas.microsoft.com/office/drawing/2010/main">
+                <a:solidFill>
+                  <a:srgbClr val="FFFFFF"/>
+                </a:solidFill>
+              </a14:hiddenFill>
+            </a:ext>
+            <a:ext uri="{91240B29-F687-4F45-9708-019B960494DF}">
+              <a14:hiddenLine xmlns:a14="http://schemas.microsoft.com/office/drawing/2010/main" w="9525">
+                <a:solidFill>
+                  <a:srgbClr val="000000"/>
+                </a:solidFill>
+                <a:miter lim="800000"/>
+                <a:headEnd/>
+                <a:tailEnd/>
+              </a14:hiddenLine>
+            </a:ext>
+          </a:extLst>
+        </p:spPr>
+        <p:txBody>
+          <a:bodyPr lIns="91426" tIns="45714" rIns="91426" bIns="45714" anchor="b"/>
+          <a:lstStyle>
+            <a:lvl1pPr>
+              <a:defRPr>
+                <a:solidFill>
+                  <a:schemeClr val="tx1"/>
+                </a:solidFill>
+                <a:latin typeface="Verdana" panose="020B0604030504040204" pitchFamily="34" charset="0"/>
+                <a:ea typeface="MS PGothic" panose="020B0600070205080204" pitchFamily="34" charset="-128"/>
+              </a:defRPr>
+            </a:lvl1pPr>
+            <a:lvl2pPr marL="742950" indent="-285750">
+              <a:defRPr>
+                <a:solidFill>
+                  <a:schemeClr val="tx1"/>
+                </a:solidFill>
+                <a:latin typeface="Verdana" panose="020B0604030504040204" pitchFamily="34" charset="0"/>
+                <a:ea typeface="MS PGothic" panose="020B0600070205080204" pitchFamily="34" charset="-128"/>
+              </a:defRPr>
+            </a:lvl2pPr>
+            <a:lvl3pPr marL="1143000" indent="-228600">
+              <a:defRPr>
+                <a:solidFill>
+                  <a:schemeClr val="tx1"/>
+                </a:solidFill>
+                <a:latin typeface="Verdana" panose="020B0604030504040204" pitchFamily="34" charset="0"/>
+                <a:ea typeface="MS PGothic" panose="020B0600070205080204" pitchFamily="34" charset="-128"/>
+              </a:defRPr>
+            </a:lvl3pPr>
+            <a:lvl4pPr marL="1600200" indent="-228600">
+              <a:defRPr>
+                <a:solidFill>
+                  <a:schemeClr val="tx1"/>
+                </a:solidFill>
+                <a:latin typeface="Verdana" panose="020B0604030504040204" pitchFamily="34" charset="0"/>
+                <a:ea typeface="MS PGothic" panose="020B0600070205080204" pitchFamily="34" charset="-128"/>
+              </a:defRPr>
+            </a:lvl4pPr>
+            <a:lvl5pPr marL="2057400" indent="-228600">
+              <a:defRPr>
+                <a:solidFill>
+                  <a:schemeClr val="tx1"/>
+                </a:solidFill>
+                <a:latin typeface="Verdana" panose="020B0604030504040204" pitchFamily="34" charset="0"/>
+                <a:ea typeface="MS PGothic" panose="020B0600070205080204" pitchFamily="34" charset="-128"/>
+              </a:defRPr>
+            </a:lvl5pPr>
+            <a:lvl6pPr marL="2514600" indent="-228600" eaLnBrk="0" fontAlgn="base" hangingPunct="0">
+              <a:spcBef>
+                <a:spcPct val="0"/>
+              </a:spcBef>
+              <a:spcAft>
+                <a:spcPct val="0"/>
+              </a:spcAft>
+              <a:defRPr>
+                <a:solidFill>
+                  <a:schemeClr val="tx1"/>
+                </a:solidFill>
+                <a:latin typeface="Verdana" panose="020B0604030504040204" pitchFamily="34" charset="0"/>
+                <a:ea typeface="MS PGothic" panose="020B0600070205080204" pitchFamily="34" charset="-128"/>
+              </a:defRPr>
+            </a:lvl6pPr>
+            <a:lvl7pPr marL="2971800" indent="-228600" eaLnBrk="0" fontAlgn="base" hangingPunct="0">
+              <a:spcBef>
+                <a:spcPct val="0"/>
+              </a:spcBef>
+              <a:spcAft>
+                <a:spcPct val="0"/>
+              </a:spcAft>
+              <a:defRPr>
+                <a:solidFill>
+                  <a:schemeClr val="tx1"/>
+                </a:solidFill>
+                <a:latin typeface="Verdana" panose="020B0604030504040204" pitchFamily="34" charset="0"/>
+                <a:ea typeface="MS PGothic" panose="020B0600070205080204" pitchFamily="34" charset="-128"/>
+              </a:defRPr>
+            </a:lvl7pPr>
+            <a:lvl8pPr marL="3429000" indent="-228600" eaLnBrk="0" fontAlgn="base" hangingPunct="0">
+              <a:spcBef>
+                <a:spcPct val="0"/>
+              </a:spcBef>
+              <a:spcAft>
+                <a:spcPct val="0"/>
+              </a:spcAft>
+              <a:defRPr>
+                <a:solidFill>
+                  <a:schemeClr val="tx1"/>
+                </a:solidFill>
+                <a:latin typeface="Verdana" panose="020B0604030504040204" pitchFamily="34" charset="0"/>
+                <a:ea typeface="MS PGothic" panose="020B0600070205080204" pitchFamily="34" charset="-128"/>
+              </a:defRPr>
+            </a:lvl8pPr>
+            <a:lvl9pPr marL="3886200" indent="-228600" eaLnBrk="0" fontAlgn="base" hangingPunct="0">
+              <a:spcBef>
+                <a:spcPct val="0"/>
+              </a:spcBef>
+              <a:spcAft>
+                <a:spcPct val="0"/>
+              </a:spcAft>
+              <a:defRPr>
+                <a:solidFill>
+                  <a:schemeClr val="tx1"/>
+                </a:solidFill>
+                <a:latin typeface="Verdana" panose="020B0604030504040204" pitchFamily="34" charset="0"/>
+                <a:ea typeface="MS PGothic" panose="020B0600070205080204" pitchFamily="34" charset="-128"/>
+              </a:defRPr>
+            </a:lvl9pPr>
+          </a:lstStyle>
+          <a:p>
+            <a:pPr algn="ctr" eaLnBrk="1" hangingPunct="1"/>
+            <a:r>
+              <a:rPr lang="en-US" altLang="en-US" sz="3200" b="1" dirty="0">
+                <a:solidFill>
+                  <a:srgbClr val="006699"/>
+                </a:solidFill>
+                <a:latin typeface="Arial" panose="020B0604020202020204" pitchFamily="34" charset="0"/>
+              </a:rPr>
+              <a:t>OpenMP</a:t>
+            </a:r>
+          </a:p>
+        </p:txBody>
+      </p:sp>
+    </p:spTree>
+  </p:cSld>
+  <p:clrMapOvr>
+    <a:masterClrMapping/>
+  </p:clrMapOvr>
+</p:sld>
+</file>
+
+<file path=ppt/slides/slide34.xml><?xml version="1.0" encoding="utf-8"?>
+<p:sld xmlns:a="http://schemas.openxmlformats.org/drawingml/2006/main" xmlns:r="http://schemas.openxmlformats.org/officeDocument/2006/relationships" xmlns:p="http://schemas.openxmlformats.org/presentationml/2006/main">
+  <p:cSld>
+    <p:spTree>
+      <p:nvGrpSpPr>
+        <p:cNvPr id="1" name=""/>
+        <p:cNvGrpSpPr/>
+        <p:nvPr/>
+      </p:nvGrpSpPr>
+      <p:grpSpPr>
+        <a:xfrm>
+          <a:off x="0" y="0"/>
+          <a:ext cx="0" cy="0"/>
+          <a:chOff x="0" y="0"/>
+          <a:chExt cx="0" cy="0"/>
+        </a:xfrm>
+      </p:grpSpPr>
+      <p:sp>
+        <p:nvSpPr>
+          <p:cNvPr id="51201" name="Rectangle 3">
+            <a:extLst>
+              <a:ext uri="{FF2B5EF4-FFF2-40B4-BE49-F238E27FC236}">
+                <a16:creationId xmlns:a16="http://schemas.microsoft.com/office/drawing/2014/main" id="{1C120B78-2CD1-47DC-BBD5-ADF8409FF849}"/>
+              </a:ext>
+            </a:extLst>
+          </p:cNvPr>
+          <p:cNvSpPr>
+            <a:spLocks noGrp="1" noChangeArrowheads="1"/>
+          </p:cNvSpPr>
+          <p:nvPr>
+            <p:ph idx="1"/>
+          </p:nvPr>
+        </p:nvSpPr>
+        <p:spPr>
+          <a:xfrm>
+            <a:off x="892175" y="914400"/>
+            <a:ext cx="7021513" cy="5268913"/>
+          </a:xfrm>
+        </p:spPr>
+        <p:txBody>
+          <a:bodyPr/>
+          <a:lstStyle/>
+          <a:p>
+            <a:pPr>
+              <a:lnSpc>
+                <a:spcPct val="80000"/>
+              </a:lnSpc>
+              <a:buFont typeface="Monotype Sorts" pitchFamily="-84" charset="2"/>
+              <a:buNone/>
+            </a:pPr>
+            <a:endParaRPr lang="en-US" altLang="en-US" sz="1600" dirty="0">
+              <a:solidFill>
+                <a:srgbClr val="0000FF"/>
+              </a:solidFill>
+            </a:endParaRPr>
+          </a:p>
+          <a:p>
+            <a:r>
+              <a:rPr lang="en-US" altLang="en-US" dirty="0"/>
+              <a:t>Functional programming languages offer a different paradigm than procedural languages in that they do not maintain state. </a:t>
+            </a:r>
+          </a:p>
+          <a:p>
+            <a:r>
+              <a:rPr lang="en-US" altLang="en-US" dirty="0"/>
+              <a:t>Variables are treated as immutable and cannot change state once they have been assigned a value.</a:t>
+            </a:r>
+          </a:p>
+          <a:p>
+            <a:r>
+              <a:rPr lang="en-US" altLang="en-US" dirty="0"/>
+              <a:t>There is increasing interest in functional languages such as Erlang and Scala for their approach in handling data races.</a:t>
+            </a:r>
+          </a:p>
+          <a:p>
+            <a:pPr>
+              <a:buFont typeface="Monotype Sorts" pitchFamily="-84" charset="2"/>
+              <a:buNone/>
+            </a:pPr>
+            <a:endParaRPr lang="en-US" altLang="en-US" b="1" dirty="0">
+              <a:solidFill>
+                <a:srgbClr val="000000"/>
+              </a:solidFill>
+              <a:latin typeface="Courier New" panose="02070309020205020404" pitchFamily="49" charset="0"/>
+            </a:endParaRPr>
+          </a:p>
+          <a:p>
+            <a:pPr>
+              <a:lnSpc>
+                <a:spcPct val="80000"/>
+              </a:lnSpc>
+              <a:buFont typeface="Monotype Sorts" pitchFamily="-84" charset="2"/>
+              <a:buNone/>
+            </a:pPr>
+            <a:r>
+              <a:rPr lang="en-US" altLang="en-US" b="1" dirty="0">
+                <a:solidFill>
+                  <a:srgbClr val="000000"/>
+                </a:solidFill>
+                <a:latin typeface="Courier New" panose="02070309020205020404" pitchFamily="49" charset="0"/>
+              </a:rPr>
+              <a:t>              </a:t>
+            </a:r>
+            <a:endParaRPr lang="en-US" altLang="en-US" dirty="0">
+              <a:solidFill>
+                <a:srgbClr val="0000FF"/>
+              </a:solidFill>
+            </a:endParaRPr>
+          </a:p>
+        </p:txBody>
+      </p:sp>
+      <p:sp>
+        <p:nvSpPr>
+          <p:cNvPr id="51202" name="Rectangle 2">
+            <a:extLst>
+              <a:ext uri="{FF2B5EF4-FFF2-40B4-BE49-F238E27FC236}">
+                <a16:creationId xmlns:a16="http://schemas.microsoft.com/office/drawing/2014/main" id="{553A2126-3399-43E9-98A0-7D03BB26C192}"/>
+              </a:ext>
+            </a:extLst>
+          </p:cNvPr>
+          <p:cNvSpPr>
+            <a:spLocks noChangeArrowheads="1"/>
+          </p:cNvSpPr>
+          <p:nvPr/>
+        </p:nvSpPr>
+        <p:spPr bwMode="auto">
+          <a:xfrm>
+            <a:off x="696976" y="60360"/>
+            <a:ext cx="8213725" cy="739776"/>
+          </a:xfrm>
+          <a:prstGeom prst="rect">
+            <a:avLst/>
+          </a:prstGeom>
+          <a:noFill/>
+          <a:ln>
+            <a:noFill/>
+          </a:ln>
+          <a:extLst>
+            <a:ext uri="{909E8E84-426E-40DD-AFC4-6F175D3DCCD1}">
+              <a14:hiddenFill xmlns:a14="http://schemas.microsoft.com/office/drawing/2010/main">
+                <a:solidFill>
+                  <a:srgbClr val="FFFFFF"/>
+                </a:solidFill>
+              </a14:hiddenFill>
+            </a:ext>
+            <a:ext uri="{91240B29-F687-4F45-9708-019B960494DF}">
+              <a14:hiddenLine xmlns:a14="http://schemas.microsoft.com/office/drawing/2010/main" w="9525">
+                <a:solidFill>
+                  <a:srgbClr val="000000"/>
+                </a:solidFill>
+                <a:miter lim="800000"/>
+                <a:headEnd/>
+                <a:tailEnd/>
+              </a14:hiddenLine>
+            </a:ext>
+          </a:extLst>
+        </p:spPr>
+        <p:txBody>
+          <a:bodyPr lIns="91426" tIns="45714" rIns="91426" bIns="45714" anchor="b"/>
+          <a:lstStyle>
+            <a:lvl1pPr>
+              <a:defRPr>
+                <a:solidFill>
+                  <a:schemeClr val="tx1"/>
+                </a:solidFill>
+                <a:latin typeface="Verdana" panose="020B0604030504040204" pitchFamily="34" charset="0"/>
+                <a:ea typeface="MS PGothic" panose="020B0600070205080204" pitchFamily="34" charset="-128"/>
+              </a:defRPr>
+            </a:lvl1pPr>
+            <a:lvl2pPr marL="742950" indent="-285750">
+              <a:defRPr>
+                <a:solidFill>
+                  <a:schemeClr val="tx1"/>
+                </a:solidFill>
+                <a:latin typeface="Verdana" panose="020B0604030504040204" pitchFamily="34" charset="0"/>
+                <a:ea typeface="MS PGothic" panose="020B0600070205080204" pitchFamily="34" charset="-128"/>
+              </a:defRPr>
+            </a:lvl2pPr>
+            <a:lvl3pPr marL="1143000" indent="-228600">
+              <a:defRPr>
+                <a:solidFill>
+                  <a:schemeClr val="tx1"/>
+                </a:solidFill>
+                <a:latin typeface="Verdana" panose="020B0604030504040204" pitchFamily="34" charset="0"/>
+                <a:ea typeface="MS PGothic" panose="020B0600070205080204" pitchFamily="34" charset="-128"/>
+              </a:defRPr>
+            </a:lvl3pPr>
+            <a:lvl4pPr marL="1600200" indent="-228600">
+              <a:defRPr>
+                <a:solidFill>
+                  <a:schemeClr val="tx1"/>
+                </a:solidFill>
+                <a:latin typeface="Verdana" panose="020B0604030504040204" pitchFamily="34" charset="0"/>
+                <a:ea typeface="MS PGothic" panose="020B0600070205080204" pitchFamily="34" charset="-128"/>
+              </a:defRPr>
+            </a:lvl4pPr>
+            <a:lvl5pPr marL="2057400" indent="-228600">
+              <a:defRPr>
+                <a:solidFill>
+                  <a:schemeClr val="tx1"/>
+                </a:solidFill>
+                <a:latin typeface="Verdana" panose="020B0604030504040204" pitchFamily="34" charset="0"/>
+                <a:ea typeface="MS PGothic" panose="020B0600070205080204" pitchFamily="34" charset="-128"/>
+              </a:defRPr>
+            </a:lvl5pPr>
+            <a:lvl6pPr marL="2514600" indent="-228600" eaLnBrk="0" fontAlgn="base" hangingPunct="0">
+              <a:spcBef>
+                <a:spcPct val="0"/>
+              </a:spcBef>
+              <a:spcAft>
+                <a:spcPct val="0"/>
+              </a:spcAft>
+              <a:defRPr>
+                <a:solidFill>
+                  <a:schemeClr val="tx1"/>
+                </a:solidFill>
+                <a:latin typeface="Verdana" panose="020B0604030504040204" pitchFamily="34" charset="0"/>
+                <a:ea typeface="MS PGothic" panose="020B0600070205080204" pitchFamily="34" charset="-128"/>
+              </a:defRPr>
+            </a:lvl6pPr>
+            <a:lvl7pPr marL="2971800" indent="-228600" eaLnBrk="0" fontAlgn="base" hangingPunct="0">
+              <a:spcBef>
+                <a:spcPct val="0"/>
+              </a:spcBef>
+              <a:spcAft>
+                <a:spcPct val="0"/>
+              </a:spcAft>
+              <a:defRPr>
+                <a:solidFill>
+                  <a:schemeClr val="tx1"/>
+                </a:solidFill>
+                <a:latin typeface="Verdana" panose="020B0604030504040204" pitchFamily="34" charset="0"/>
+                <a:ea typeface="MS PGothic" panose="020B0600070205080204" pitchFamily="34" charset="-128"/>
+              </a:defRPr>
+            </a:lvl7pPr>
+            <a:lvl8pPr marL="3429000" indent="-228600" eaLnBrk="0" fontAlgn="base" hangingPunct="0">
+              <a:spcBef>
+                <a:spcPct val="0"/>
+              </a:spcBef>
+              <a:spcAft>
+                <a:spcPct val="0"/>
+              </a:spcAft>
+              <a:defRPr>
+                <a:solidFill>
+                  <a:schemeClr val="tx1"/>
+                </a:solidFill>
+                <a:latin typeface="Verdana" panose="020B0604030504040204" pitchFamily="34" charset="0"/>
+                <a:ea typeface="MS PGothic" panose="020B0600070205080204" pitchFamily="34" charset="-128"/>
+              </a:defRPr>
+            </a:lvl8pPr>
+            <a:lvl9pPr marL="3886200" indent="-228600" eaLnBrk="0" fontAlgn="base" hangingPunct="0">
+              <a:spcBef>
+                <a:spcPct val="0"/>
+              </a:spcBef>
+              <a:spcAft>
+                <a:spcPct val="0"/>
+              </a:spcAft>
+              <a:defRPr>
+                <a:solidFill>
+                  <a:schemeClr val="tx1"/>
+                </a:solidFill>
+                <a:latin typeface="Verdana" panose="020B0604030504040204" pitchFamily="34" charset="0"/>
+                <a:ea typeface="MS PGothic" panose="020B0600070205080204" pitchFamily="34" charset="-128"/>
+              </a:defRPr>
+            </a:lvl9pPr>
+          </a:lstStyle>
+          <a:p>
+            <a:pPr algn="ctr" eaLnBrk="1" hangingPunct="1"/>
+            <a:r>
+              <a:rPr lang="en-US" altLang="en-US" sz="3200" b="1" dirty="0">
+                <a:solidFill>
+                  <a:srgbClr val="006699"/>
+                </a:solidFill>
+                <a:latin typeface="Arial" panose="020B0604020202020204" pitchFamily="34" charset="0"/>
+              </a:rPr>
+              <a:t>Functional Programming Languages</a:t>
+            </a:r>
+          </a:p>
+        </p:txBody>
+      </p:sp>
+    </p:spTree>
+  </p:cSld>
+  <p:clrMapOvr>
+    <a:masterClrMapping/>
+  </p:clrMapOvr>
+</p:sld>
+</file>
+
+<file path=ppt/slides/slide35.xml><?xml version="1.0" encoding="utf-8"?>
+<p:sld xmlns:a="http://schemas.openxmlformats.org/drawingml/2006/main" xmlns:r="http://schemas.openxmlformats.org/officeDocument/2006/relationships" xmlns:p="http://schemas.openxmlformats.org/presentationml/2006/main">
+  <p:cSld>
+    <p:spTree>
+      <p:nvGrpSpPr>
+        <p:cNvPr id="1" name=""/>
+        <p:cNvGrpSpPr/>
+        <p:nvPr/>
+      </p:nvGrpSpPr>
+      <p:grpSpPr>
+        <a:xfrm>
+          <a:off x="0" y="0"/>
+          <a:ext cx="0" cy="0"/>
+          <a:chOff x="0" y="0"/>
+          <a:chExt cx="0" cy="0"/>
+        </a:xfrm>
+      </p:grpSpPr>
+      <p:sp>
+        <p:nvSpPr>
+          <p:cNvPr id="53249" name="Rectangle 2">
+            <a:extLst>
+              <a:ext uri="{FF2B5EF4-FFF2-40B4-BE49-F238E27FC236}">
+                <a16:creationId xmlns:a16="http://schemas.microsoft.com/office/drawing/2014/main" id="{D15A9E78-DF11-4867-B399-CAC041574741}"/>
+              </a:ext>
+            </a:extLst>
+          </p:cNvPr>
+          <p:cNvSpPr>
+            <a:spLocks noGrp="1" noChangeArrowheads="1"/>
+          </p:cNvSpPr>
+          <p:nvPr>
+            <p:ph type="ctrTitle"/>
+          </p:nvPr>
+        </p:nvSpPr>
+        <p:spPr/>
+        <p:txBody>
+          <a:bodyPr/>
+          <a:lstStyle/>
+          <a:p>
+            <a:pPr eaLnBrk="1" hangingPunct="1"/>
+            <a:r>
+              <a:rPr lang="en-US" altLang="en-US"/>
+              <a:t>End of Chapter 7</a:t>
+            </a:r>
+          </a:p>
+        </p:txBody>
+      </p:sp>
     </p:spTree>
   </p:cSld>
   <p:clrMapOvr>
@@ -18137,1442 +17101,6 @@
             <a:endParaRPr kumimoji="1" lang="en-US" altLang="en-US">
               <a:latin typeface="Helvetica" panose="020B0604020202020204" pitchFamily="34" charset="0"/>
             </a:endParaRPr>
-          </a:p>
-        </p:txBody>
-      </p:sp>
-    </p:spTree>
-  </p:cSld>
-  <p:clrMapOvr>
-    <a:masterClrMapping/>
-  </p:clrMapOvr>
-</p:sld>
-</file>
-
-<file path=ppt/slides/slide40.xml><?xml version="1.0" encoding="utf-8"?>
-<p:sld xmlns:a="http://schemas.openxmlformats.org/drawingml/2006/main" xmlns:r="http://schemas.openxmlformats.org/officeDocument/2006/relationships" xmlns:p="http://schemas.openxmlformats.org/presentationml/2006/main">
-  <p:cSld>
-    <p:spTree>
-      <p:nvGrpSpPr>
-        <p:cNvPr id="1" name=""/>
-        <p:cNvGrpSpPr/>
-        <p:nvPr/>
-      </p:nvGrpSpPr>
-      <p:grpSpPr>
-        <a:xfrm>
-          <a:off x="0" y="0"/>
-          <a:ext cx="0" cy="0"/>
-          <a:chOff x="0" y="0"/>
-          <a:chExt cx="0" cy="0"/>
-        </a:xfrm>
-      </p:grpSpPr>
-      <p:sp>
-        <p:nvSpPr>
-          <p:cNvPr id="45057" name="Rectangle 2">
-            <a:extLst>
-              <a:ext uri="{FF2B5EF4-FFF2-40B4-BE49-F238E27FC236}">
-                <a16:creationId xmlns:a16="http://schemas.microsoft.com/office/drawing/2014/main" id="{3B57EE46-1C7A-4918-8405-158CA65293DF}"/>
-              </a:ext>
-            </a:extLst>
-          </p:cNvPr>
-          <p:cNvSpPr>
-            <a:spLocks noGrp="1" noChangeArrowheads="1"/>
-          </p:cNvSpPr>
-          <p:nvPr>
-            <p:ph type="title"/>
-          </p:nvPr>
-        </p:nvSpPr>
-        <p:spPr>
-          <a:xfrm>
-            <a:off x="1203325" y="227824"/>
-            <a:ext cx="7483475" cy="576263"/>
-          </a:xfrm>
-        </p:spPr>
-        <p:txBody>
-          <a:bodyPr/>
-          <a:lstStyle/>
-          <a:p>
-            <a:pPr eaLnBrk="1" hangingPunct="1"/>
-            <a:r>
-              <a:rPr lang="en-US" altLang="en-US" dirty="0"/>
-              <a:t>Alternative Approaches</a:t>
-            </a:r>
-          </a:p>
-        </p:txBody>
-      </p:sp>
-      <p:sp>
-        <p:nvSpPr>
-          <p:cNvPr id="45058" name="Rectangle 3">
-            <a:extLst>
-              <a:ext uri="{FF2B5EF4-FFF2-40B4-BE49-F238E27FC236}">
-                <a16:creationId xmlns:a16="http://schemas.microsoft.com/office/drawing/2014/main" id="{C6A1BEE2-3DDB-401E-8AEA-ACA01E7F0B54}"/>
-              </a:ext>
-            </a:extLst>
-          </p:cNvPr>
-          <p:cNvSpPr>
-            <a:spLocks noGrp="1" noChangeArrowheads="1"/>
-          </p:cNvSpPr>
-          <p:nvPr>
-            <p:ph type="body" sz="half" idx="1"/>
-          </p:nvPr>
-        </p:nvSpPr>
-        <p:spPr>
-          <a:xfrm>
-            <a:off x="935038" y="1181100"/>
-            <a:ext cx="7429500" cy="4613275"/>
-          </a:xfrm>
-        </p:spPr>
-        <p:txBody>
-          <a:bodyPr/>
-          <a:lstStyle/>
-          <a:p>
-            <a:r>
-              <a:rPr lang="en-US" altLang="en-US"/>
-              <a:t>Transactional Memory</a:t>
-            </a:r>
-            <a:br>
-              <a:rPr lang="en-US" altLang="en-US"/>
-            </a:br>
-            <a:endParaRPr lang="en-US" altLang="en-US"/>
-          </a:p>
-          <a:p>
-            <a:r>
-              <a:rPr lang="en-US" altLang="en-US"/>
-              <a:t>OpenMP</a:t>
-            </a:r>
-            <a:br>
-              <a:rPr lang="en-US" altLang="en-US"/>
-            </a:br>
-            <a:endParaRPr lang="en-US" altLang="en-US"/>
-          </a:p>
-          <a:p>
-            <a:r>
-              <a:rPr lang="en-US" altLang="en-US"/>
-              <a:t>Functional Programming Languages</a:t>
-            </a:r>
-          </a:p>
-        </p:txBody>
-      </p:sp>
-    </p:spTree>
-  </p:cSld>
-  <p:clrMapOvr>
-    <a:masterClrMapping/>
-  </p:clrMapOvr>
-</p:sld>
-</file>
-
-<file path=ppt/slides/slide41.xml><?xml version="1.0" encoding="utf-8"?>
-<p:sld xmlns:a="http://schemas.openxmlformats.org/drawingml/2006/main" xmlns:r="http://schemas.openxmlformats.org/officeDocument/2006/relationships" xmlns:p="http://schemas.openxmlformats.org/presentationml/2006/main">
-  <p:cSld>
-    <p:spTree>
-      <p:nvGrpSpPr>
-        <p:cNvPr id="1" name=""/>
-        <p:cNvGrpSpPr/>
-        <p:nvPr/>
-      </p:nvGrpSpPr>
-      <p:grpSpPr>
-        <a:xfrm>
-          <a:off x="0" y="0"/>
-          <a:ext cx="0" cy="0"/>
-          <a:chOff x="0" y="0"/>
-          <a:chExt cx="0" cy="0"/>
-        </a:xfrm>
-      </p:grpSpPr>
-      <p:sp>
-        <p:nvSpPr>
-          <p:cNvPr id="47105" name="Rectangle 3">
-            <a:extLst>
-              <a:ext uri="{FF2B5EF4-FFF2-40B4-BE49-F238E27FC236}">
-                <a16:creationId xmlns:a16="http://schemas.microsoft.com/office/drawing/2014/main" id="{C187FFE3-B997-442C-B2F6-983AA853640A}"/>
-              </a:ext>
-            </a:extLst>
-          </p:cNvPr>
-          <p:cNvSpPr>
-            <a:spLocks noGrp="1" noChangeArrowheads="1"/>
-          </p:cNvSpPr>
-          <p:nvPr>
-            <p:ph idx="1"/>
-          </p:nvPr>
-        </p:nvSpPr>
-        <p:spPr>
-          <a:xfrm>
-            <a:off x="928688" y="771525"/>
-            <a:ext cx="7021512" cy="5678488"/>
-          </a:xfrm>
-        </p:spPr>
-        <p:txBody>
-          <a:bodyPr/>
-          <a:lstStyle/>
-          <a:p>
-            <a:pPr marL="0" indent="0">
-              <a:lnSpc>
-                <a:spcPct val="80000"/>
-              </a:lnSpc>
-              <a:buNone/>
-            </a:pPr>
-            <a:endParaRPr lang="en-US" altLang="en-US" dirty="0"/>
-          </a:p>
-          <a:p>
-            <a:r>
-              <a:rPr lang="en-US" altLang="en-US" dirty="0"/>
-              <a:t>Consider a function update() that must be called atomically. One option is to use mutex locks:</a:t>
-            </a:r>
-            <a:br>
-              <a:rPr lang="en-US" altLang="en-US" dirty="0"/>
-            </a:br>
-            <a:br>
-              <a:rPr lang="en-US" altLang="en-US" dirty="0"/>
-            </a:br>
-            <a:br>
-              <a:rPr lang="en-US" altLang="en-US" dirty="0"/>
-            </a:br>
-            <a:br>
-              <a:rPr lang="en-US" altLang="en-US" dirty="0"/>
-            </a:br>
-            <a:br>
-              <a:rPr lang="en-US" altLang="en-US" dirty="0"/>
-            </a:br>
-            <a:endParaRPr lang="en-US" altLang="en-US" sz="1000" dirty="0"/>
-          </a:p>
-          <a:p>
-            <a:endParaRPr lang="en-US" altLang="en-US" sz="1000" dirty="0"/>
-          </a:p>
-          <a:p>
-            <a:endParaRPr lang="en-US" altLang="en-US" sz="1000" dirty="0"/>
-          </a:p>
-          <a:p>
-            <a:endParaRPr lang="en-US" altLang="en-US" dirty="0"/>
-          </a:p>
-          <a:p>
-            <a:r>
-              <a:rPr lang="en-US" altLang="en-US" dirty="0"/>
-              <a:t>A </a:t>
-            </a:r>
-            <a:r>
-              <a:rPr lang="en-US" altLang="en-US" b="1" dirty="0"/>
-              <a:t>memory transaction </a:t>
-            </a:r>
-            <a:r>
-              <a:rPr lang="en-US" altLang="en-US" dirty="0"/>
-              <a:t>is a sequence of read-write operations to memory that are performed atomically. A transaction can be completed by adding </a:t>
-            </a:r>
-            <a:r>
-              <a:rPr lang="en-US" altLang="en-US" b="1" dirty="0">
-                <a:latin typeface="Courier New" panose="02070309020205020404" pitchFamily="49" charset="0"/>
-                <a:cs typeface="Courier New" panose="02070309020205020404" pitchFamily="49" charset="0"/>
-              </a:rPr>
-              <a:t>atomic{S}</a:t>
-            </a:r>
-            <a:r>
-              <a:rPr lang="en-US" altLang="en-US" dirty="0"/>
-              <a:t> which ensure statements in </a:t>
-            </a:r>
-            <a:r>
-              <a:rPr lang="en-US" altLang="en-US" b="1" dirty="0">
-                <a:latin typeface="Courier New" panose="02070309020205020404" pitchFamily="49" charset="0"/>
-                <a:cs typeface="Courier New" panose="02070309020205020404" pitchFamily="49" charset="0"/>
-              </a:rPr>
-              <a:t>S</a:t>
-            </a:r>
-            <a:r>
-              <a:rPr lang="en-US" altLang="en-US" dirty="0"/>
-              <a:t> are executed atomically:</a:t>
-            </a:r>
-          </a:p>
-          <a:p>
-            <a:pPr>
-              <a:lnSpc>
-                <a:spcPct val="80000"/>
-              </a:lnSpc>
-            </a:pPr>
-            <a:endParaRPr lang="en-US" altLang="en-US" dirty="0"/>
-          </a:p>
-          <a:p>
-            <a:pPr>
-              <a:lnSpc>
-                <a:spcPct val="80000"/>
-              </a:lnSpc>
-              <a:buFont typeface="Monotype Sorts" pitchFamily="-84" charset="2"/>
-              <a:buNone/>
-            </a:pPr>
-            <a:endParaRPr lang="en-US" altLang="en-US" b="1" dirty="0">
-              <a:solidFill>
-                <a:srgbClr val="000000"/>
-              </a:solidFill>
-              <a:latin typeface="Courier New" panose="02070309020205020404" pitchFamily="49" charset="0"/>
-            </a:endParaRPr>
-          </a:p>
-          <a:p>
-            <a:pPr>
-              <a:lnSpc>
-                <a:spcPct val="80000"/>
-              </a:lnSpc>
-              <a:buFont typeface="Monotype Sorts" pitchFamily="-84" charset="2"/>
-              <a:buNone/>
-            </a:pPr>
-            <a:r>
-              <a:rPr lang="en-US" altLang="en-US" b="1" dirty="0">
-                <a:solidFill>
-                  <a:srgbClr val="000000"/>
-                </a:solidFill>
-                <a:latin typeface="Courier New" panose="02070309020205020404" pitchFamily="49" charset="0"/>
-              </a:rPr>
-              <a:t>              </a:t>
-            </a:r>
-            <a:endParaRPr lang="en-US" altLang="en-US" dirty="0">
-              <a:solidFill>
-                <a:srgbClr val="0000FF"/>
-              </a:solidFill>
-            </a:endParaRPr>
-          </a:p>
-          <a:p>
-            <a:pPr>
-              <a:lnSpc>
-                <a:spcPct val="80000"/>
-              </a:lnSpc>
-              <a:buFont typeface="Monotype Sorts" pitchFamily="-84" charset="2"/>
-              <a:buNone/>
-            </a:pPr>
-            <a:endParaRPr lang="en-US" altLang="en-US" i="1" dirty="0">
-              <a:solidFill>
-                <a:srgbClr val="0000FF"/>
-              </a:solidFill>
-            </a:endParaRPr>
-          </a:p>
-          <a:p>
-            <a:pPr>
-              <a:lnSpc>
-                <a:spcPct val="80000"/>
-              </a:lnSpc>
-              <a:buFont typeface="Monotype Sorts" pitchFamily="-84" charset="2"/>
-              <a:buNone/>
-            </a:pPr>
-            <a:endParaRPr lang="en-US" altLang="en-US" dirty="0">
-              <a:solidFill>
-                <a:srgbClr val="0000FF"/>
-              </a:solidFill>
-            </a:endParaRPr>
-          </a:p>
-        </p:txBody>
-      </p:sp>
-      <p:sp>
-        <p:nvSpPr>
-          <p:cNvPr id="47106" name="Rectangle 2">
-            <a:extLst>
-              <a:ext uri="{FF2B5EF4-FFF2-40B4-BE49-F238E27FC236}">
-                <a16:creationId xmlns:a16="http://schemas.microsoft.com/office/drawing/2014/main" id="{5C367A7E-459E-409E-89AA-861F0B1798D3}"/>
-              </a:ext>
-            </a:extLst>
-          </p:cNvPr>
-          <p:cNvSpPr>
-            <a:spLocks noChangeArrowheads="1"/>
-          </p:cNvSpPr>
-          <p:nvPr/>
-        </p:nvSpPr>
-        <p:spPr bwMode="auto">
-          <a:xfrm>
-            <a:off x="715733" y="160563"/>
-            <a:ext cx="7916863" cy="638175"/>
-          </a:xfrm>
-          <a:prstGeom prst="rect">
-            <a:avLst/>
-          </a:prstGeom>
-          <a:noFill/>
-          <a:ln>
-            <a:noFill/>
-          </a:ln>
-          <a:extLst>
-            <a:ext uri="{909E8E84-426E-40DD-AFC4-6F175D3DCCD1}">
-              <a14:hiddenFill xmlns:a14="http://schemas.microsoft.com/office/drawing/2010/main">
-                <a:solidFill>
-                  <a:srgbClr val="FFFFFF"/>
-                </a:solidFill>
-              </a14:hiddenFill>
-            </a:ext>
-            <a:ext uri="{91240B29-F687-4F45-9708-019B960494DF}">
-              <a14:hiddenLine xmlns:a14="http://schemas.microsoft.com/office/drawing/2010/main" w="9525">
-                <a:solidFill>
-                  <a:srgbClr val="000000"/>
-                </a:solidFill>
-                <a:miter lim="800000"/>
-                <a:headEnd/>
-                <a:tailEnd/>
-              </a14:hiddenLine>
-            </a:ext>
-          </a:extLst>
-        </p:spPr>
-        <p:txBody>
-          <a:bodyPr lIns="91426" tIns="45714" rIns="91426" bIns="45714" anchor="b"/>
-          <a:lstStyle>
-            <a:lvl1pPr>
-              <a:defRPr>
-                <a:solidFill>
-                  <a:schemeClr val="tx1"/>
-                </a:solidFill>
-                <a:latin typeface="Verdana" panose="020B0604030504040204" pitchFamily="34" charset="0"/>
-                <a:ea typeface="MS PGothic" panose="020B0600070205080204" pitchFamily="34" charset="-128"/>
-              </a:defRPr>
-            </a:lvl1pPr>
-            <a:lvl2pPr marL="742950" indent="-285750">
-              <a:defRPr>
-                <a:solidFill>
-                  <a:schemeClr val="tx1"/>
-                </a:solidFill>
-                <a:latin typeface="Verdana" panose="020B0604030504040204" pitchFamily="34" charset="0"/>
-                <a:ea typeface="MS PGothic" panose="020B0600070205080204" pitchFamily="34" charset="-128"/>
-              </a:defRPr>
-            </a:lvl2pPr>
-            <a:lvl3pPr marL="1143000" indent="-228600">
-              <a:defRPr>
-                <a:solidFill>
-                  <a:schemeClr val="tx1"/>
-                </a:solidFill>
-                <a:latin typeface="Verdana" panose="020B0604030504040204" pitchFamily="34" charset="0"/>
-                <a:ea typeface="MS PGothic" panose="020B0600070205080204" pitchFamily="34" charset="-128"/>
-              </a:defRPr>
-            </a:lvl3pPr>
-            <a:lvl4pPr marL="1600200" indent="-228600">
-              <a:defRPr>
-                <a:solidFill>
-                  <a:schemeClr val="tx1"/>
-                </a:solidFill>
-                <a:latin typeface="Verdana" panose="020B0604030504040204" pitchFamily="34" charset="0"/>
-                <a:ea typeface="MS PGothic" panose="020B0600070205080204" pitchFamily="34" charset="-128"/>
-              </a:defRPr>
-            </a:lvl4pPr>
-            <a:lvl5pPr marL="2057400" indent="-228600">
-              <a:defRPr>
-                <a:solidFill>
-                  <a:schemeClr val="tx1"/>
-                </a:solidFill>
-                <a:latin typeface="Verdana" panose="020B0604030504040204" pitchFamily="34" charset="0"/>
-                <a:ea typeface="MS PGothic" panose="020B0600070205080204" pitchFamily="34" charset="-128"/>
-              </a:defRPr>
-            </a:lvl5pPr>
-            <a:lvl6pPr marL="2514600" indent="-228600" eaLnBrk="0" fontAlgn="base" hangingPunct="0">
-              <a:spcBef>
-                <a:spcPct val="0"/>
-              </a:spcBef>
-              <a:spcAft>
-                <a:spcPct val="0"/>
-              </a:spcAft>
-              <a:defRPr>
-                <a:solidFill>
-                  <a:schemeClr val="tx1"/>
-                </a:solidFill>
-                <a:latin typeface="Verdana" panose="020B0604030504040204" pitchFamily="34" charset="0"/>
-                <a:ea typeface="MS PGothic" panose="020B0600070205080204" pitchFamily="34" charset="-128"/>
-              </a:defRPr>
-            </a:lvl6pPr>
-            <a:lvl7pPr marL="2971800" indent="-228600" eaLnBrk="0" fontAlgn="base" hangingPunct="0">
-              <a:spcBef>
-                <a:spcPct val="0"/>
-              </a:spcBef>
-              <a:spcAft>
-                <a:spcPct val="0"/>
-              </a:spcAft>
-              <a:defRPr>
-                <a:solidFill>
-                  <a:schemeClr val="tx1"/>
-                </a:solidFill>
-                <a:latin typeface="Verdana" panose="020B0604030504040204" pitchFamily="34" charset="0"/>
-                <a:ea typeface="MS PGothic" panose="020B0600070205080204" pitchFamily="34" charset="-128"/>
-              </a:defRPr>
-            </a:lvl7pPr>
-            <a:lvl8pPr marL="3429000" indent="-228600" eaLnBrk="0" fontAlgn="base" hangingPunct="0">
-              <a:spcBef>
-                <a:spcPct val="0"/>
-              </a:spcBef>
-              <a:spcAft>
-                <a:spcPct val="0"/>
-              </a:spcAft>
-              <a:defRPr>
-                <a:solidFill>
-                  <a:schemeClr val="tx1"/>
-                </a:solidFill>
-                <a:latin typeface="Verdana" panose="020B0604030504040204" pitchFamily="34" charset="0"/>
-                <a:ea typeface="MS PGothic" panose="020B0600070205080204" pitchFamily="34" charset="-128"/>
-              </a:defRPr>
-            </a:lvl8pPr>
-            <a:lvl9pPr marL="3886200" indent="-228600" eaLnBrk="0" fontAlgn="base" hangingPunct="0">
-              <a:spcBef>
-                <a:spcPct val="0"/>
-              </a:spcBef>
-              <a:spcAft>
-                <a:spcPct val="0"/>
-              </a:spcAft>
-              <a:defRPr>
-                <a:solidFill>
-                  <a:schemeClr val="tx1"/>
-                </a:solidFill>
-                <a:latin typeface="Verdana" panose="020B0604030504040204" pitchFamily="34" charset="0"/>
-                <a:ea typeface="MS PGothic" panose="020B0600070205080204" pitchFamily="34" charset="-128"/>
-              </a:defRPr>
-            </a:lvl9pPr>
-          </a:lstStyle>
-          <a:p>
-            <a:pPr algn="ctr" eaLnBrk="1" hangingPunct="1"/>
-            <a:r>
-              <a:rPr lang="en-US" altLang="en-US" sz="3200" b="1" dirty="0">
-                <a:solidFill>
-                  <a:srgbClr val="006699"/>
-                </a:solidFill>
-                <a:latin typeface="Arial" panose="020B0604020202020204" pitchFamily="34" charset="0"/>
-              </a:rPr>
-              <a:t>Transactional Memory</a:t>
-            </a:r>
-          </a:p>
-        </p:txBody>
-      </p:sp>
-      <p:pic>
-        <p:nvPicPr>
-          <p:cNvPr id="47107" name="Picture 1">
-            <a:extLst>
-              <a:ext uri="{FF2B5EF4-FFF2-40B4-BE49-F238E27FC236}">
-                <a16:creationId xmlns:a16="http://schemas.microsoft.com/office/drawing/2014/main" id="{BBB00BB2-4E55-476D-A2A6-79F3004100BD}"/>
-              </a:ext>
-            </a:extLst>
-          </p:cNvPr>
-          <p:cNvPicPr>
-            <a:picLocks noChangeAspect="1"/>
-          </p:cNvPicPr>
-          <p:nvPr/>
-        </p:nvPicPr>
-        <p:blipFill>
-          <a:blip r:embed="rId3">
-            <a:extLst>
-              <a:ext uri="{28A0092B-C50C-407E-A947-70E740481C1C}">
-                <a14:useLocalDpi xmlns:a14="http://schemas.microsoft.com/office/drawing/2010/main" val="0"/>
-              </a:ext>
-            </a:extLst>
-          </a:blip>
-          <a:srcRect/>
-          <a:stretch>
-            <a:fillRect/>
-          </a:stretch>
-        </p:blipFill>
-        <p:spPr bwMode="auto">
-          <a:xfrm>
-            <a:off x="2620963" y="1811450"/>
-            <a:ext cx="3373437" cy="1976438"/>
-          </a:xfrm>
-          <a:prstGeom prst="rect">
-            <a:avLst/>
-          </a:prstGeom>
-          <a:noFill/>
-          <a:ln>
-            <a:noFill/>
-          </a:ln>
-          <a:extLst>
-            <a:ext uri="{909E8E84-426E-40DD-AFC4-6F175D3DCCD1}">
-              <a14:hiddenFill xmlns:a14="http://schemas.microsoft.com/office/drawing/2010/main">
-                <a:solidFill>
-                  <a:srgbClr val="FFFFFF"/>
-                </a:solidFill>
-              </a14:hiddenFill>
-            </a:ext>
-            <a:ext uri="{91240B29-F687-4F45-9708-019B960494DF}">
-              <a14:hiddenLine xmlns:a14="http://schemas.microsoft.com/office/drawing/2010/main" w="9525">
-                <a:solidFill>
-                  <a:srgbClr val="000000"/>
-                </a:solidFill>
-                <a:miter lim="800000"/>
-                <a:headEnd/>
-                <a:tailEnd/>
-              </a14:hiddenLine>
-            </a:ext>
-          </a:extLst>
-        </p:spPr>
-      </p:pic>
-      <p:pic>
-        <p:nvPicPr>
-          <p:cNvPr id="47108" name="Picture 2">
-            <a:extLst>
-              <a:ext uri="{FF2B5EF4-FFF2-40B4-BE49-F238E27FC236}">
-                <a16:creationId xmlns:a16="http://schemas.microsoft.com/office/drawing/2014/main" id="{203EA14E-3ABE-49DE-A97D-83909A6BA0DC}"/>
-              </a:ext>
-            </a:extLst>
-          </p:cNvPr>
-          <p:cNvPicPr>
-            <a:picLocks noChangeAspect="1"/>
-          </p:cNvPicPr>
-          <p:nvPr/>
-        </p:nvPicPr>
-        <p:blipFill>
-          <a:blip r:embed="rId4">
-            <a:extLst>
-              <a:ext uri="{28A0092B-C50C-407E-A947-70E740481C1C}">
-                <a14:useLocalDpi xmlns:a14="http://schemas.microsoft.com/office/drawing/2010/main" val="0"/>
-              </a:ext>
-            </a:extLst>
-          </a:blip>
-          <a:srcRect/>
-          <a:stretch>
-            <a:fillRect/>
-          </a:stretch>
-        </p:blipFill>
-        <p:spPr bwMode="auto">
-          <a:xfrm>
-            <a:off x="2629694" y="5015204"/>
-            <a:ext cx="3619500" cy="1562100"/>
-          </a:xfrm>
-          <a:prstGeom prst="rect">
-            <a:avLst/>
-          </a:prstGeom>
-          <a:noFill/>
-          <a:ln>
-            <a:noFill/>
-          </a:ln>
-          <a:extLst>
-            <a:ext uri="{909E8E84-426E-40DD-AFC4-6F175D3DCCD1}">
-              <a14:hiddenFill xmlns:a14="http://schemas.microsoft.com/office/drawing/2010/main">
-                <a:solidFill>
-                  <a:srgbClr val="FFFFFF"/>
-                </a:solidFill>
-              </a14:hiddenFill>
-            </a:ext>
-            <a:ext uri="{91240B29-F687-4F45-9708-019B960494DF}">
-              <a14:hiddenLine xmlns:a14="http://schemas.microsoft.com/office/drawing/2010/main" w="9525">
-                <a:solidFill>
-                  <a:srgbClr val="000000"/>
-                </a:solidFill>
-                <a:miter lim="800000"/>
-                <a:headEnd/>
-                <a:tailEnd/>
-              </a14:hiddenLine>
-            </a:ext>
-          </a:extLst>
-        </p:spPr>
-      </p:pic>
-    </p:spTree>
-  </p:cSld>
-  <p:clrMapOvr>
-    <a:masterClrMapping/>
-  </p:clrMapOvr>
-</p:sld>
-</file>
-
-<file path=ppt/slides/slide42.xml><?xml version="1.0" encoding="utf-8"?>
-<p:sld xmlns:a="http://schemas.openxmlformats.org/drawingml/2006/main" xmlns:r="http://schemas.openxmlformats.org/officeDocument/2006/relationships" xmlns:p="http://schemas.openxmlformats.org/presentationml/2006/main">
-  <p:cSld>
-    <p:spTree>
-      <p:nvGrpSpPr>
-        <p:cNvPr id="1" name=""/>
-        <p:cNvGrpSpPr/>
-        <p:nvPr/>
-      </p:nvGrpSpPr>
-      <p:grpSpPr>
-        <a:xfrm>
-          <a:off x="0" y="0"/>
-          <a:ext cx="0" cy="0"/>
-          <a:chOff x="0" y="0"/>
-          <a:chExt cx="0" cy="0"/>
-        </a:xfrm>
-      </p:grpSpPr>
-      <p:sp>
-        <p:nvSpPr>
-          <p:cNvPr id="49153" name="Rectangle 3">
-            <a:extLst>
-              <a:ext uri="{FF2B5EF4-FFF2-40B4-BE49-F238E27FC236}">
-                <a16:creationId xmlns:a16="http://schemas.microsoft.com/office/drawing/2014/main" id="{890F933E-4773-4C54-A0AD-CCEA2CC1BE5D}"/>
-              </a:ext>
-            </a:extLst>
-          </p:cNvPr>
-          <p:cNvSpPr>
-            <a:spLocks noGrp="1" noChangeArrowheads="1"/>
-          </p:cNvSpPr>
-          <p:nvPr>
-            <p:ph idx="1"/>
-          </p:nvPr>
-        </p:nvSpPr>
-        <p:spPr>
-          <a:xfrm>
-            <a:off x="928688" y="771525"/>
-            <a:ext cx="7021512" cy="5268913"/>
-          </a:xfrm>
-        </p:spPr>
-        <p:txBody>
-          <a:bodyPr/>
-          <a:lstStyle/>
-          <a:p>
-            <a:pPr>
-              <a:lnSpc>
-                <a:spcPct val="80000"/>
-              </a:lnSpc>
-              <a:buFont typeface="Monotype Sorts" pitchFamily="-84" charset="2"/>
-              <a:buNone/>
-            </a:pPr>
-            <a:endParaRPr lang="en-US" altLang="en-US" sz="1600" dirty="0">
-              <a:solidFill>
-                <a:srgbClr val="0000FF"/>
-              </a:solidFill>
-            </a:endParaRPr>
-          </a:p>
-          <a:p>
-            <a:r>
-              <a:rPr lang="en-US" altLang="en-US" dirty="0"/>
-              <a:t>OpenMP is a set of compiler directives and API that support parallel </a:t>
-            </a:r>
-            <a:r>
-              <a:rPr lang="en-US" altLang="en-US" dirty="0" err="1"/>
-              <a:t>progamming</a:t>
-            </a:r>
-            <a:r>
-              <a:rPr lang="en-US" altLang="en-US" dirty="0"/>
-              <a:t>.</a:t>
-            </a:r>
-          </a:p>
-          <a:p>
-            <a:pPr>
-              <a:lnSpc>
-                <a:spcPct val="80000"/>
-              </a:lnSpc>
-              <a:buFont typeface="Monotype Sorts" pitchFamily="-84" charset="2"/>
-              <a:buNone/>
-            </a:pPr>
-            <a:endParaRPr lang="en-US" altLang="en-US" b="1" dirty="0">
-              <a:solidFill>
-                <a:srgbClr val="000000"/>
-              </a:solidFill>
-              <a:latin typeface="Courier New" panose="02070309020205020404" pitchFamily="49" charset="0"/>
-            </a:endParaRPr>
-          </a:p>
-          <a:p>
-            <a:pPr>
-              <a:lnSpc>
-                <a:spcPct val="80000"/>
-              </a:lnSpc>
-              <a:buFont typeface="Monotype Sorts" pitchFamily="-84" charset="2"/>
-              <a:buNone/>
-            </a:pPr>
-            <a:r>
-              <a:rPr lang="en-US" altLang="en-US" b="1" dirty="0">
-                <a:solidFill>
-                  <a:srgbClr val="000000"/>
-                </a:solidFill>
-                <a:latin typeface="Courier New" panose="02070309020205020404" pitchFamily="49" charset="0"/>
-              </a:rPr>
-              <a:t>              </a:t>
-            </a:r>
-            <a:r>
-              <a:rPr lang="en-US" altLang="en-US" sz="2000" b="1" dirty="0">
-                <a:solidFill>
-                  <a:srgbClr val="000000"/>
-                </a:solidFill>
-                <a:latin typeface="Courier New" panose="02070309020205020404" pitchFamily="49" charset="0"/>
-              </a:rPr>
-              <a:t>void update(</a:t>
-            </a:r>
-            <a:r>
-              <a:rPr lang="en-US" altLang="en-US" sz="2000" b="1" dirty="0" err="1">
-                <a:solidFill>
-                  <a:srgbClr val="000000"/>
-                </a:solidFill>
-                <a:latin typeface="Courier New" panose="02070309020205020404" pitchFamily="49" charset="0"/>
-              </a:rPr>
-              <a:t>int</a:t>
-            </a:r>
-            <a:r>
-              <a:rPr lang="en-US" altLang="en-US" sz="2000" b="1" dirty="0">
-                <a:solidFill>
-                  <a:srgbClr val="000000"/>
-                </a:solidFill>
-                <a:latin typeface="Courier New" panose="02070309020205020404" pitchFamily="49" charset="0"/>
-              </a:rPr>
-              <a:t> value)</a:t>
-            </a:r>
-          </a:p>
-          <a:p>
-            <a:pPr>
-              <a:lnSpc>
-                <a:spcPct val="80000"/>
-              </a:lnSpc>
-              <a:buFont typeface="Monotype Sorts" pitchFamily="-84" charset="2"/>
-              <a:buNone/>
-            </a:pPr>
-            <a:r>
-              <a:rPr lang="en-US" altLang="en-US" sz="2000" b="1" dirty="0">
-                <a:solidFill>
-                  <a:srgbClr val="000000"/>
-                </a:solidFill>
-                <a:latin typeface="Courier New" panose="02070309020205020404" pitchFamily="49" charset="0"/>
-              </a:rPr>
-              <a:t>			 {</a:t>
-            </a:r>
-          </a:p>
-          <a:p>
-            <a:pPr>
-              <a:lnSpc>
-                <a:spcPct val="80000"/>
-              </a:lnSpc>
-              <a:buFont typeface="Monotype Sorts" pitchFamily="-84" charset="2"/>
-              <a:buNone/>
-            </a:pPr>
-            <a:r>
-              <a:rPr lang="en-US" altLang="en-US" sz="2000" b="1" dirty="0">
-                <a:solidFill>
-                  <a:srgbClr val="000000"/>
-                </a:solidFill>
-                <a:latin typeface="Courier New" panose="02070309020205020404" pitchFamily="49" charset="0"/>
-              </a:rPr>
-              <a:t>				#pragma </a:t>
-            </a:r>
-            <a:r>
-              <a:rPr lang="en-US" altLang="en-US" sz="2000" b="1" dirty="0" err="1">
-                <a:solidFill>
-                  <a:srgbClr val="000000"/>
-                </a:solidFill>
-                <a:latin typeface="Courier New" panose="02070309020205020404" pitchFamily="49" charset="0"/>
-              </a:rPr>
-              <a:t>omp</a:t>
-            </a:r>
-            <a:r>
-              <a:rPr lang="en-US" altLang="en-US" sz="2000" b="1" dirty="0">
-                <a:solidFill>
-                  <a:srgbClr val="000000"/>
-                </a:solidFill>
-                <a:latin typeface="Courier New" panose="02070309020205020404" pitchFamily="49" charset="0"/>
-              </a:rPr>
-              <a:t> critical</a:t>
-            </a:r>
-          </a:p>
-          <a:p>
-            <a:pPr>
-              <a:lnSpc>
-                <a:spcPct val="80000"/>
-              </a:lnSpc>
-              <a:buFont typeface="Monotype Sorts" pitchFamily="-84" charset="2"/>
-              <a:buNone/>
-            </a:pPr>
-            <a:r>
-              <a:rPr lang="en-US" altLang="en-US" sz="2000" b="1" dirty="0">
-                <a:solidFill>
-                  <a:srgbClr val="000000"/>
-                </a:solidFill>
-                <a:latin typeface="Courier New" panose="02070309020205020404" pitchFamily="49" charset="0"/>
-              </a:rPr>
-              <a:t>				{</a:t>
-            </a:r>
-          </a:p>
-          <a:p>
-            <a:pPr>
-              <a:lnSpc>
-                <a:spcPct val="80000"/>
-              </a:lnSpc>
-              <a:buFont typeface="Monotype Sorts" pitchFamily="-84" charset="2"/>
-              <a:buNone/>
-            </a:pPr>
-            <a:r>
-              <a:rPr lang="en-US" altLang="en-US" sz="2000" b="1" dirty="0">
-                <a:solidFill>
-                  <a:srgbClr val="000000"/>
-                </a:solidFill>
-                <a:latin typeface="Courier New" panose="02070309020205020404" pitchFamily="49" charset="0"/>
-              </a:rPr>
-              <a:t>					count += value</a:t>
-            </a:r>
-          </a:p>
-          <a:p>
-            <a:pPr>
-              <a:lnSpc>
-                <a:spcPct val="80000"/>
-              </a:lnSpc>
-              <a:buFont typeface="Monotype Sorts" pitchFamily="-84" charset="2"/>
-              <a:buNone/>
-            </a:pPr>
-            <a:r>
-              <a:rPr lang="en-US" altLang="en-US" sz="2000" b="1" dirty="0">
-                <a:solidFill>
-                  <a:srgbClr val="000000"/>
-                </a:solidFill>
-                <a:latin typeface="Courier New" panose="02070309020205020404" pitchFamily="49" charset="0"/>
-              </a:rPr>
-              <a:t>				}</a:t>
-            </a:r>
-          </a:p>
-          <a:p>
-            <a:pPr>
-              <a:lnSpc>
-                <a:spcPct val="80000"/>
-              </a:lnSpc>
-              <a:buFont typeface="Monotype Sorts" pitchFamily="-84" charset="2"/>
-              <a:buNone/>
-            </a:pPr>
-            <a:r>
-              <a:rPr lang="en-US" altLang="en-US" sz="2000" b="1" dirty="0">
-                <a:solidFill>
-                  <a:srgbClr val="000000"/>
-                </a:solidFill>
-                <a:latin typeface="Courier New" panose="02070309020205020404" pitchFamily="49" charset="0"/>
-              </a:rPr>
-              <a:t>			  }</a:t>
-            </a:r>
-          </a:p>
-          <a:p>
-            <a:pPr>
-              <a:lnSpc>
-                <a:spcPct val="80000"/>
-              </a:lnSpc>
-              <a:buFont typeface="Monotype Sorts" pitchFamily="-84" charset="2"/>
-              <a:buNone/>
-            </a:pPr>
-            <a:endParaRPr lang="en-US" altLang="en-US" dirty="0">
-              <a:solidFill>
-                <a:srgbClr val="0000FF"/>
-              </a:solidFill>
-            </a:endParaRPr>
-          </a:p>
-          <a:p>
-            <a:r>
-              <a:rPr lang="en-US" altLang="en-US" dirty="0"/>
-              <a:t>The code contained within the </a:t>
-            </a:r>
-            <a:r>
-              <a:rPr lang="en-US" altLang="en-US" b="1" dirty="0">
-                <a:latin typeface="Courier New" panose="02070309020205020404" pitchFamily="49" charset="0"/>
-              </a:rPr>
-              <a:t>#pragma </a:t>
-            </a:r>
-            <a:r>
-              <a:rPr lang="en-US" altLang="en-US" b="1" dirty="0" err="1">
-                <a:latin typeface="Courier New" panose="02070309020205020404" pitchFamily="49" charset="0"/>
-              </a:rPr>
-              <a:t>omp</a:t>
-            </a:r>
-            <a:r>
-              <a:rPr lang="en-US" altLang="en-US" b="1" dirty="0">
-                <a:latin typeface="Courier New" panose="02070309020205020404" pitchFamily="49" charset="0"/>
-              </a:rPr>
-              <a:t> critical </a:t>
-            </a:r>
-            <a:r>
-              <a:rPr lang="en-US" altLang="en-US" dirty="0"/>
-              <a:t>directive is treated as a critical section and performed atomically.</a:t>
-            </a:r>
-          </a:p>
-          <a:p>
-            <a:pPr>
-              <a:lnSpc>
-                <a:spcPct val="80000"/>
-              </a:lnSpc>
-              <a:buFont typeface="Monotype Sorts" pitchFamily="-84" charset="2"/>
-              <a:buNone/>
-            </a:pPr>
-            <a:endParaRPr lang="en-US" altLang="en-US" dirty="0">
-              <a:solidFill>
-                <a:srgbClr val="0000FF"/>
-              </a:solidFill>
-            </a:endParaRPr>
-          </a:p>
-        </p:txBody>
-      </p:sp>
-      <p:sp>
-        <p:nvSpPr>
-          <p:cNvPr id="49154" name="Rectangle 2">
-            <a:extLst>
-              <a:ext uri="{FF2B5EF4-FFF2-40B4-BE49-F238E27FC236}">
-                <a16:creationId xmlns:a16="http://schemas.microsoft.com/office/drawing/2014/main" id="{0C92B3FE-3AC2-4C5E-B6DA-D168D0F06766}"/>
-              </a:ext>
-            </a:extLst>
-          </p:cNvPr>
-          <p:cNvSpPr>
-            <a:spLocks noChangeArrowheads="1"/>
-          </p:cNvSpPr>
-          <p:nvPr/>
-        </p:nvSpPr>
-        <p:spPr bwMode="auto">
-          <a:xfrm>
-            <a:off x="445148" y="160566"/>
-            <a:ext cx="7916863" cy="638175"/>
-          </a:xfrm>
-          <a:prstGeom prst="rect">
-            <a:avLst/>
-          </a:prstGeom>
-          <a:noFill/>
-          <a:ln>
-            <a:noFill/>
-          </a:ln>
-          <a:extLst>
-            <a:ext uri="{909E8E84-426E-40DD-AFC4-6F175D3DCCD1}">
-              <a14:hiddenFill xmlns:a14="http://schemas.microsoft.com/office/drawing/2010/main">
-                <a:solidFill>
-                  <a:srgbClr val="FFFFFF"/>
-                </a:solidFill>
-              </a14:hiddenFill>
-            </a:ext>
-            <a:ext uri="{91240B29-F687-4F45-9708-019B960494DF}">
-              <a14:hiddenLine xmlns:a14="http://schemas.microsoft.com/office/drawing/2010/main" w="9525">
-                <a:solidFill>
-                  <a:srgbClr val="000000"/>
-                </a:solidFill>
-                <a:miter lim="800000"/>
-                <a:headEnd/>
-                <a:tailEnd/>
-              </a14:hiddenLine>
-            </a:ext>
-          </a:extLst>
-        </p:spPr>
-        <p:txBody>
-          <a:bodyPr lIns="91426" tIns="45714" rIns="91426" bIns="45714" anchor="b"/>
-          <a:lstStyle>
-            <a:lvl1pPr>
-              <a:defRPr>
-                <a:solidFill>
-                  <a:schemeClr val="tx1"/>
-                </a:solidFill>
-                <a:latin typeface="Verdana" panose="020B0604030504040204" pitchFamily="34" charset="0"/>
-                <a:ea typeface="MS PGothic" panose="020B0600070205080204" pitchFamily="34" charset="-128"/>
-              </a:defRPr>
-            </a:lvl1pPr>
-            <a:lvl2pPr marL="742950" indent="-285750">
-              <a:defRPr>
-                <a:solidFill>
-                  <a:schemeClr val="tx1"/>
-                </a:solidFill>
-                <a:latin typeface="Verdana" panose="020B0604030504040204" pitchFamily="34" charset="0"/>
-                <a:ea typeface="MS PGothic" panose="020B0600070205080204" pitchFamily="34" charset="-128"/>
-              </a:defRPr>
-            </a:lvl2pPr>
-            <a:lvl3pPr marL="1143000" indent="-228600">
-              <a:defRPr>
-                <a:solidFill>
-                  <a:schemeClr val="tx1"/>
-                </a:solidFill>
-                <a:latin typeface="Verdana" panose="020B0604030504040204" pitchFamily="34" charset="0"/>
-                <a:ea typeface="MS PGothic" panose="020B0600070205080204" pitchFamily="34" charset="-128"/>
-              </a:defRPr>
-            </a:lvl3pPr>
-            <a:lvl4pPr marL="1600200" indent="-228600">
-              <a:defRPr>
-                <a:solidFill>
-                  <a:schemeClr val="tx1"/>
-                </a:solidFill>
-                <a:latin typeface="Verdana" panose="020B0604030504040204" pitchFamily="34" charset="0"/>
-                <a:ea typeface="MS PGothic" panose="020B0600070205080204" pitchFamily="34" charset="-128"/>
-              </a:defRPr>
-            </a:lvl4pPr>
-            <a:lvl5pPr marL="2057400" indent="-228600">
-              <a:defRPr>
-                <a:solidFill>
-                  <a:schemeClr val="tx1"/>
-                </a:solidFill>
-                <a:latin typeface="Verdana" panose="020B0604030504040204" pitchFamily="34" charset="0"/>
-                <a:ea typeface="MS PGothic" panose="020B0600070205080204" pitchFamily="34" charset="-128"/>
-              </a:defRPr>
-            </a:lvl5pPr>
-            <a:lvl6pPr marL="2514600" indent="-228600" eaLnBrk="0" fontAlgn="base" hangingPunct="0">
-              <a:spcBef>
-                <a:spcPct val="0"/>
-              </a:spcBef>
-              <a:spcAft>
-                <a:spcPct val="0"/>
-              </a:spcAft>
-              <a:defRPr>
-                <a:solidFill>
-                  <a:schemeClr val="tx1"/>
-                </a:solidFill>
-                <a:latin typeface="Verdana" panose="020B0604030504040204" pitchFamily="34" charset="0"/>
-                <a:ea typeface="MS PGothic" panose="020B0600070205080204" pitchFamily="34" charset="-128"/>
-              </a:defRPr>
-            </a:lvl6pPr>
-            <a:lvl7pPr marL="2971800" indent="-228600" eaLnBrk="0" fontAlgn="base" hangingPunct="0">
-              <a:spcBef>
-                <a:spcPct val="0"/>
-              </a:spcBef>
-              <a:spcAft>
-                <a:spcPct val="0"/>
-              </a:spcAft>
-              <a:defRPr>
-                <a:solidFill>
-                  <a:schemeClr val="tx1"/>
-                </a:solidFill>
-                <a:latin typeface="Verdana" panose="020B0604030504040204" pitchFamily="34" charset="0"/>
-                <a:ea typeface="MS PGothic" panose="020B0600070205080204" pitchFamily="34" charset="-128"/>
-              </a:defRPr>
-            </a:lvl7pPr>
-            <a:lvl8pPr marL="3429000" indent="-228600" eaLnBrk="0" fontAlgn="base" hangingPunct="0">
-              <a:spcBef>
-                <a:spcPct val="0"/>
-              </a:spcBef>
-              <a:spcAft>
-                <a:spcPct val="0"/>
-              </a:spcAft>
-              <a:defRPr>
-                <a:solidFill>
-                  <a:schemeClr val="tx1"/>
-                </a:solidFill>
-                <a:latin typeface="Verdana" panose="020B0604030504040204" pitchFamily="34" charset="0"/>
-                <a:ea typeface="MS PGothic" panose="020B0600070205080204" pitchFamily="34" charset="-128"/>
-              </a:defRPr>
-            </a:lvl8pPr>
-            <a:lvl9pPr marL="3886200" indent="-228600" eaLnBrk="0" fontAlgn="base" hangingPunct="0">
-              <a:spcBef>
-                <a:spcPct val="0"/>
-              </a:spcBef>
-              <a:spcAft>
-                <a:spcPct val="0"/>
-              </a:spcAft>
-              <a:defRPr>
-                <a:solidFill>
-                  <a:schemeClr val="tx1"/>
-                </a:solidFill>
-                <a:latin typeface="Verdana" panose="020B0604030504040204" pitchFamily="34" charset="0"/>
-                <a:ea typeface="MS PGothic" panose="020B0600070205080204" pitchFamily="34" charset="-128"/>
-              </a:defRPr>
-            </a:lvl9pPr>
-          </a:lstStyle>
-          <a:p>
-            <a:pPr algn="ctr" eaLnBrk="1" hangingPunct="1"/>
-            <a:r>
-              <a:rPr lang="en-US" altLang="en-US" sz="3200" b="1" dirty="0">
-                <a:solidFill>
-                  <a:srgbClr val="006699"/>
-                </a:solidFill>
-                <a:latin typeface="Arial" panose="020B0604020202020204" pitchFamily="34" charset="0"/>
-              </a:rPr>
-              <a:t>OpenMP</a:t>
-            </a:r>
-          </a:p>
-        </p:txBody>
-      </p:sp>
-    </p:spTree>
-  </p:cSld>
-  <p:clrMapOvr>
-    <a:masterClrMapping/>
-  </p:clrMapOvr>
-</p:sld>
-</file>
-
-<file path=ppt/slides/slide43.xml><?xml version="1.0" encoding="utf-8"?>
-<p:sld xmlns:a="http://schemas.openxmlformats.org/drawingml/2006/main" xmlns:r="http://schemas.openxmlformats.org/officeDocument/2006/relationships" xmlns:p="http://schemas.openxmlformats.org/presentationml/2006/main">
-  <p:cSld>
-    <p:spTree>
-      <p:nvGrpSpPr>
-        <p:cNvPr id="1" name=""/>
-        <p:cNvGrpSpPr/>
-        <p:nvPr/>
-      </p:nvGrpSpPr>
-      <p:grpSpPr>
-        <a:xfrm>
-          <a:off x="0" y="0"/>
-          <a:ext cx="0" cy="0"/>
-          <a:chOff x="0" y="0"/>
-          <a:chExt cx="0" cy="0"/>
-        </a:xfrm>
-      </p:grpSpPr>
-      <p:sp>
-        <p:nvSpPr>
-          <p:cNvPr id="51201" name="Rectangle 3">
-            <a:extLst>
-              <a:ext uri="{FF2B5EF4-FFF2-40B4-BE49-F238E27FC236}">
-                <a16:creationId xmlns:a16="http://schemas.microsoft.com/office/drawing/2014/main" id="{1C120B78-2CD1-47DC-BBD5-ADF8409FF849}"/>
-              </a:ext>
-            </a:extLst>
-          </p:cNvPr>
-          <p:cNvSpPr>
-            <a:spLocks noGrp="1" noChangeArrowheads="1"/>
-          </p:cNvSpPr>
-          <p:nvPr>
-            <p:ph idx="1"/>
-          </p:nvPr>
-        </p:nvSpPr>
-        <p:spPr>
-          <a:xfrm>
-            <a:off x="892175" y="914400"/>
-            <a:ext cx="7021513" cy="5268913"/>
-          </a:xfrm>
-        </p:spPr>
-        <p:txBody>
-          <a:bodyPr/>
-          <a:lstStyle/>
-          <a:p>
-            <a:pPr>
-              <a:lnSpc>
-                <a:spcPct val="80000"/>
-              </a:lnSpc>
-              <a:buFont typeface="Monotype Sorts" pitchFamily="-84" charset="2"/>
-              <a:buNone/>
-            </a:pPr>
-            <a:endParaRPr lang="en-US" altLang="en-US" sz="1600" dirty="0">
-              <a:solidFill>
-                <a:srgbClr val="0000FF"/>
-              </a:solidFill>
-            </a:endParaRPr>
-          </a:p>
-          <a:p>
-            <a:r>
-              <a:rPr lang="en-US" altLang="en-US" dirty="0"/>
-              <a:t>Functional programming languages offer a different paradigm than procedural languages in that they do not maintain state. </a:t>
-            </a:r>
-          </a:p>
-          <a:p>
-            <a:r>
-              <a:rPr lang="en-US" altLang="en-US" dirty="0"/>
-              <a:t>Variables are treated as immutable and cannot change state once they have been assigned a value.</a:t>
-            </a:r>
-          </a:p>
-          <a:p>
-            <a:r>
-              <a:rPr lang="en-US" altLang="en-US" dirty="0"/>
-              <a:t>There is increasing interest in functional languages such as Erlang and Scala for their approach in handling data races.</a:t>
-            </a:r>
-          </a:p>
-          <a:p>
-            <a:pPr>
-              <a:buFont typeface="Monotype Sorts" pitchFamily="-84" charset="2"/>
-              <a:buNone/>
-            </a:pPr>
-            <a:endParaRPr lang="en-US" altLang="en-US" b="1" dirty="0">
-              <a:solidFill>
-                <a:srgbClr val="000000"/>
-              </a:solidFill>
-              <a:latin typeface="Courier New" panose="02070309020205020404" pitchFamily="49" charset="0"/>
-            </a:endParaRPr>
-          </a:p>
-          <a:p>
-            <a:pPr>
-              <a:lnSpc>
-                <a:spcPct val="80000"/>
-              </a:lnSpc>
-              <a:buFont typeface="Monotype Sorts" pitchFamily="-84" charset="2"/>
-              <a:buNone/>
-            </a:pPr>
-            <a:r>
-              <a:rPr lang="en-US" altLang="en-US" b="1" dirty="0">
-                <a:solidFill>
-                  <a:srgbClr val="000000"/>
-                </a:solidFill>
-                <a:latin typeface="Courier New" panose="02070309020205020404" pitchFamily="49" charset="0"/>
-              </a:rPr>
-              <a:t>              </a:t>
-            </a:r>
-            <a:endParaRPr lang="en-US" altLang="en-US" dirty="0">
-              <a:solidFill>
-                <a:srgbClr val="0000FF"/>
-              </a:solidFill>
-            </a:endParaRPr>
-          </a:p>
-        </p:txBody>
-      </p:sp>
-      <p:sp>
-        <p:nvSpPr>
-          <p:cNvPr id="51202" name="Rectangle 2">
-            <a:extLst>
-              <a:ext uri="{FF2B5EF4-FFF2-40B4-BE49-F238E27FC236}">
-                <a16:creationId xmlns:a16="http://schemas.microsoft.com/office/drawing/2014/main" id="{553A2126-3399-43E9-98A0-7D03BB26C192}"/>
-              </a:ext>
-            </a:extLst>
-          </p:cNvPr>
-          <p:cNvSpPr>
-            <a:spLocks noChangeArrowheads="1"/>
-          </p:cNvSpPr>
-          <p:nvPr/>
-        </p:nvSpPr>
-        <p:spPr bwMode="auto">
-          <a:xfrm>
-            <a:off x="696976" y="60360"/>
-            <a:ext cx="8213725" cy="739776"/>
-          </a:xfrm>
-          <a:prstGeom prst="rect">
-            <a:avLst/>
-          </a:prstGeom>
-          <a:noFill/>
-          <a:ln>
-            <a:noFill/>
-          </a:ln>
-          <a:extLst>
-            <a:ext uri="{909E8E84-426E-40DD-AFC4-6F175D3DCCD1}">
-              <a14:hiddenFill xmlns:a14="http://schemas.microsoft.com/office/drawing/2010/main">
-                <a:solidFill>
-                  <a:srgbClr val="FFFFFF"/>
-                </a:solidFill>
-              </a14:hiddenFill>
-            </a:ext>
-            <a:ext uri="{91240B29-F687-4F45-9708-019B960494DF}">
-              <a14:hiddenLine xmlns:a14="http://schemas.microsoft.com/office/drawing/2010/main" w="9525">
-                <a:solidFill>
-                  <a:srgbClr val="000000"/>
-                </a:solidFill>
-                <a:miter lim="800000"/>
-                <a:headEnd/>
-                <a:tailEnd/>
-              </a14:hiddenLine>
-            </a:ext>
-          </a:extLst>
-        </p:spPr>
-        <p:txBody>
-          <a:bodyPr lIns="91426" tIns="45714" rIns="91426" bIns="45714" anchor="b"/>
-          <a:lstStyle>
-            <a:lvl1pPr>
-              <a:defRPr>
-                <a:solidFill>
-                  <a:schemeClr val="tx1"/>
-                </a:solidFill>
-                <a:latin typeface="Verdana" panose="020B0604030504040204" pitchFamily="34" charset="0"/>
-                <a:ea typeface="MS PGothic" panose="020B0600070205080204" pitchFamily="34" charset="-128"/>
-              </a:defRPr>
-            </a:lvl1pPr>
-            <a:lvl2pPr marL="742950" indent="-285750">
-              <a:defRPr>
-                <a:solidFill>
-                  <a:schemeClr val="tx1"/>
-                </a:solidFill>
-                <a:latin typeface="Verdana" panose="020B0604030504040204" pitchFamily="34" charset="0"/>
-                <a:ea typeface="MS PGothic" panose="020B0600070205080204" pitchFamily="34" charset="-128"/>
-              </a:defRPr>
-            </a:lvl2pPr>
-            <a:lvl3pPr marL="1143000" indent="-228600">
-              <a:defRPr>
-                <a:solidFill>
-                  <a:schemeClr val="tx1"/>
-                </a:solidFill>
-                <a:latin typeface="Verdana" panose="020B0604030504040204" pitchFamily="34" charset="0"/>
-                <a:ea typeface="MS PGothic" panose="020B0600070205080204" pitchFamily="34" charset="-128"/>
-              </a:defRPr>
-            </a:lvl3pPr>
-            <a:lvl4pPr marL="1600200" indent="-228600">
-              <a:defRPr>
-                <a:solidFill>
-                  <a:schemeClr val="tx1"/>
-                </a:solidFill>
-                <a:latin typeface="Verdana" panose="020B0604030504040204" pitchFamily="34" charset="0"/>
-                <a:ea typeface="MS PGothic" panose="020B0600070205080204" pitchFamily="34" charset="-128"/>
-              </a:defRPr>
-            </a:lvl4pPr>
-            <a:lvl5pPr marL="2057400" indent="-228600">
-              <a:defRPr>
-                <a:solidFill>
-                  <a:schemeClr val="tx1"/>
-                </a:solidFill>
-                <a:latin typeface="Verdana" panose="020B0604030504040204" pitchFamily="34" charset="0"/>
-                <a:ea typeface="MS PGothic" panose="020B0600070205080204" pitchFamily="34" charset="-128"/>
-              </a:defRPr>
-            </a:lvl5pPr>
-            <a:lvl6pPr marL="2514600" indent="-228600" eaLnBrk="0" fontAlgn="base" hangingPunct="0">
-              <a:spcBef>
-                <a:spcPct val="0"/>
-              </a:spcBef>
-              <a:spcAft>
-                <a:spcPct val="0"/>
-              </a:spcAft>
-              <a:defRPr>
-                <a:solidFill>
-                  <a:schemeClr val="tx1"/>
-                </a:solidFill>
-                <a:latin typeface="Verdana" panose="020B0604030504040204" pitchFamily="34" charset="0"/>
-                <a:ea typeface="MS PGothic" panose="020B0600070205080204" pitchFamily="34" charset="-128"/>
-              </a:defRPr>
-            </a:lvl6pPr>
-            <a:lvl7pPr marL="2971800" indent="-228600" eaLnBrk="0" fontAlgn="base" hangingPunct="0">
-              <a:spcBef>
-                <a:spcPct val="0"/>
-              </a:spcBef>
-              <a:spcAft>
-                <a:spcPct val="0"/>
-              </a:spcAft>
-              <a:defRPr>
-                <a:solidFill>
-                  <a:schemeClr val="tx1"/>
-                </a:solidFill>
-                <a:latin typeface="Verdana" panose="020B0604030504040204" pitchFamily="34" charset="0"/>
-                <a:ea typeface="MS PGothic" panose="020B0600070205080204" pitchFamily="34" charset="-128"/>
-              </a:defRPr>
-            </a:lvl7pPr>
-            <a:lvl8pPr marL="3429000" indent="-228600" eaLnBrk="0" fontAlgn="base" hangingPunct="0">
-              <a:spcBef>
-                <a:spcPct val="0"/>
-              </a:spcBef>
-              <a:spcAft>
-                <a:spcPct val="0"/>
-              </a:spcAft>
-              <a:defRPr>
-                <a:solidFill>
-                  <a:schemeClr val="tx1"/>
-                </a:solidFill>
-                <a:latin typeface="Verdana" panose="020B0604030504040204" pitchFamily="34" charset="0"/>
-                <a:ea typeface="MS PGothic" panose="020B0600070205080204" pitchFamily="34" charset="-128"/>
-              </a:defRPr>
-            </a:lvl8pPr>
-            <a:lvl9pPr marL="3886200" indent="-228600" eaLnBrk="0" fontAlgn="base" hangingPunct="0">
-              <a:spcBef>
-                <a:spcPct val="0"/>
-              </a:spcBef>
-              <a:spcAft>
-                <a:spcPct val="0"/>
-              </a:spcAft>
-              <a:defRPr>
-                <a:solidFill>
-                  <a:schemeClr val="tx1"/>
-                </a:solidFill>
-                <a:latin typeface="Verdana" panose="020B0604030504040204" pitchFamily="34" charset="0"/>
-                <a:ea typeface="MS PGothic" panose="020B0600070205080204" pitchFamily="34" charset="-128"/>
-              </a:defRPr>
-            </a:lvl9pPr>
-          </a:lstStyle>
-          <a:p>
-            <a:pPr algn="ctr" eaLnBrk="1" hangingPunct="1"/>
-            <a:r>
-              <a:rPr lang="en-US" altLang="en-US" sz="3200" b="1" dirty="0">
-                <a:solidFill>
-                  <a:srgbClr val="006699"/>
-                </a:solidFill>
-                <a:latin typeface="Arial" panose="020B0604020202020204" pitchFamily="34" charset="0"/>
-              </a:rPr>
-              <a:t>Functional Programming Languages</a:t>
-            </a:r>
-          </a:p>
-        </p:txBody>
-      </p:sp>
-    </p:spTree>
-  </p:cSld>
-  <p:clrMapOvr>
-    <a:masterClrMapping/>
-  </p:clrMapOvr>
-</p:sld>
-</file>
-
-<file path=ppt/slides/slide44.xml><?xml version="1.0" encoding="utf-8"?>
-<p:sld xmlns:a="http://schemas.openxmlformats.org/drawingml/2006/main" xmlns:r="http://schemas.openxmlformats.org/officeDocument/2006/relationships" xmlns:p="http://schemas.openxmlformats.org/presentationml/2006/main">
-  <p:cSld>
-    <p:spTree>
-      <p:nvGrpSpPr>
-        <p:cNvPr id="1" name=""/>
-        <p:cNvGrpSpPr/>
-        <p:nvPr/>
-      </p:nvGrpSpPr>
-      <p:grpSpPr>
-        <a:xfrm>
-          <a:off x="0" y="0"/>
-          <a:ext cx="0" cy="0"/>
-          <a:chOff x="0" y="0"/>
-          <a:chExt cx="0" cy="0"/>
-        </a:xfrm>
-      </p:grpSpPr>
-      <p:sp>
-        <p:nvSpPr>
-          <p:cNvPr id="53249" name="Rectangle 2">
-            <a:extLst>
-              <a:ext uri="{FF2B5EF4-FFF2-40B4-BE49-F238E27FC236}">
-                <a16:creationId xmlns:a16="http://schemas.microsoft.com/office/drawing/2014/main" id="{D15A9E78-DF11-4867-B399-CAC041574741}"/>
-              </a:ext>
-            </a:extLst>
-          </p:cNvPr>
-          <p:cNvSpPr>
-            <a:spLocks noGrp="1" noChangeArrowheads="1"/>
-          </p:cNvSpPr>
-          <p:nvPr>
-            <p:ph type="ctrTitle"/>
-          </p:nvPr>
-        </p:nvSpPr>
-        <p:spPr/>
-        <p:txBody>
-          <a:bodyPr/>
-          <a:lstStyle/>
-          <a:p>
-            <a:pPr eaLnBrk="1" hangingPunct="1"/>
-            <a:r>
-              <a:rPr lang="en-US" altLang="en-US"/>
-              <a:t>End of Chapter 7</a:t>
-            </a:r>
           </a:p>
         </p:txBody>
       </p:sp>
